--- a/cs_day_poster_2016/LS.pptx
+++ b/cs_day_poster_2016/LS.pptx
@@ -211,7 +211,7 @@
           <a:p>
             <a:fld id="{2B47378C-A678-CA45-9706-151C76D086D1}" type="datetime1">
               <a:rPr lang="en-US" smtClean="0"/>
-              <a:t>3/7/16</a:t>
+              <a:t>3/8/16</a:t>
             </a:fld>
             <a:endParaRPr lang="en-US"/>
           </a:p>
@@ -377,7 +377,7 @@
           <a:p>
             <a:fld id="{BCBAADAE-F06B-A24F-848F-CB40EC90EB76}" type="datetime1">
               <a:rPr lang="en-US" smtClean="0"/>
-              <a:t>3/7/16</a:t>
+              <a:t>3/8/16</a:t>
             </a:fld>
             <a:endParaRPr lang="en-US"/>
           </a:p>
@@ -888,7 +888,7 @@
           <a:p>
             <a:fld id="{A46538F5-FACD-354B-B614-5B0AA09E8511}" type="datetime1">
               <a:rPr lang="en-US" smtClean="0"/>
-              <a:t>3/7/16</a:t>
+              <a:t>3/8/16</a:t>
             </a:fld>
             <a:endParaRPr lang="en-US" dirty="0"/>
           </a:p>
@@ -1058,7 +1058,7 @@
           <a:p>
             <a:fld id="{837E00F0-3E84-3541-B76C-5CC59D0E4AA8}" type="datetime1">
               <a:rPr lang="en-US" smtClean="0"/>
-              <a:t>3/7/16</a:t>
+              <a:t>3/8/16</a:t>
             </a:fld>
             <a:endParaRPr lang="en-US" dirty="0"/>
           </a:p>
@@ -1238,7 +1238,7 @@
           <a:p>
             <a:fld id="{3F887D6F-D964-BB4C-A07E-B83C735C4BC9}" type="datetime1">
               <a:rPr lang="en-US" smtClean="0"/>
-              <a:t>3/7/16</a:t>
+              <a:t>3/8/16</a:t>
             </a:fld>
             <a:endParaRPr lang="en-US" dirty="0"/>
           </a:p>
@@ -1408,7 +1408,7 @@
           <a:p>
             <a:fld id="{69650BE9-73CE-A84B-8FED-55DF93E2183C}" type="datetime1">
               <a:rPr lang="en-US" smtClean="0"/>
-              <a:t>3/7/16</a:t>
+              <a:t>3/8/16</a:t>
             </a:fld>
             <a:endParaRPr lang="en-US" dirty="0"/>
           </a:p>
@@ -1654,7 +1654,7 @@
           <a:p>
             <a:fld id="{CD849A9C-B0B0-7347-B5B6-8AF3A89FD1B4}" type="datetime1">
               <a:rPr lang="en-US" smtClean="0"/>
-              <a:t>3/7/16</a:t>
+              <a:t>3/8/16</a:t>
             </a:fld>
             <a:endParaRPr lang="en-US" dirty="0"/>
           </a:p>
@@ -1942,7 +1942,7 @@
           <a:p>
             <a:fld id="{A1EDF427-BB19-684D-8483-AAC555965719}" type="datetime1">
               <a:rPr lang="en-US" smtClean="0"/>
-              <a:t>3/7/16</a:t>
+              <a:t>3/8/16</a:t>
             </a:fld>
             <a:endParaRPr lang="en-US" dirty="0"/>
           </a:p>
@@ -2369,7 +2369,7 @@
           <a:p>
             <a:fld id="{58366A7D-5D08-9747-839F-B35EDB75C311}" type="datetime1">
               <a:rPr lang="en-US" smtClean="0"/>
-              <a:t>3/7/16</a:t>
+              <a:t>3/8/16</a:t>
             </a:fld>
             <a:endParaRPr lang="en-US" dirty="0"/>
           </a:p>
@@ -2487,7 +2487,7 @@
           <a:p>
             <a:fld id="{C091706B-3406-CE4E-95F9-29EC94B22D28}" type="datetime1">
               <a:rPr lang="en-US" smtClean="0"/>
-              <a:t>3/7/16</a:t>
+              <a:t>3/8/16</a:t>
             </a:fld>
             <a:endParaRPr lang="en-US" dirty="0"/>
           </a:p>
@@ -2582,7 +2582,7 @@
           <a:p>
             <a:fld id="{0DF0AEE6-03F9-F14C-915D-1E27D8DA1473}" type="datetime1">
               <a:rPr lang="en-US" smtClean="0"/>
-              <a:t>3/7/16</a:t>
+              <a:t>3/8/16</a:t>
             </a:fld>
             <a:endParaRPr lang="en-US" dirty="0"/>
           </a:p>
@@ -2859,7 +2859,7 @@
           <a:p>
             <a:fld id="{DDB90C25-7C1D-9A4F-887F-8D727E29C0F6}" type="datetime1">
               <a:rPr lang="en-US" smtClean="0"/>
-              <a:t>3/7/16</a:t>
+              <a:t>3/8/16</a:t>
             </a:fld>
             <a:endParaRPr lang="en-US" dirty="0"/>
           </a:p>
@@ -3112,7 +3112,7 @@
           <a:p>
             <a:fld id="{EF5EDABA-CCFC-4340-9F61-4CCCB56E6B33}" type="datetime1">
               <a:rPr lang="en-US" smtClean="0"/>
-              <a:t>3/7/16</a:t>
+              <a:t>3/8/16</a:t>
             </a:fld>
             <a:endParaRPr lang="en-US" dirty="0"/>
           </a:p>
@@ -3325,7 +3325,7 @@
           <a:p>
             <a:fld id="{05DC264B-F0AB-BC4C-8546-797CBE8BDD6A}" type="datetime1">
               <a:rPr lang="en-US" smtClean="0"/>
-              <a:t>3/7/16</a:t>
+              <a:t>3/8/16</a:t>
             </a:fld>
             <a:endParaRPr lang="en-US" dirty="0"/>
           </a:p>
@@ -3703,7 +3703,7 @@
       </p:grpSpPr>
       <p:pic>
         <p:nvPicPr>
-          <p:cNvPr id="51" name="Picture 50"/>
+          <p:cNvPr id="9" name="Picture 8"/>
           <p:cNvPicPr>
             <a:picLocks noChangeAspect="1"/>
           </p:cNvPicPr>
@@ -3723,8 +3723,8 @@
         </p:blipFill>
         <p:spPr>
           <a:xfrm>
-            <a:off x="34420101" y="7931169"/>
-            <a:ext cx="8093332" cy="4520600"/>
+            <a:off x="4933159" y="2352989"/>
+            <a:ext cx="2889796" cy="2889796"/>
           </a:xfrm>
           <a:prstGeom prst="rect">
             <a:avLst/>
@@ -3843,8 +3843,8 @@
         </p:blipFill>
         <p:spPr>
           <a:xfrm>
-            <a:off x="36588462" y="334969"/>
-            <a:ext cx="6268925" cy="4162958"/>
+            <a:off x="35949292" y="517848"/>
+            <a:ext cx="6908095" cy="4587407"/>
           </a:xfrm>
           <a:prstGeom prst="rect">
             <a:avLst/>
@@ -3974,7 +3974,7 @@
         </p:nvSpPr>
         <p:spPr>
           <a:xfrm>
-            <a:off x="5295733" y="668032"/>
+            <a:off x="5295733" y="558304"/>
             <a:ext cx="32009976" cy="1447800"/>
           </a:xfrm>
           <a:prstGeom prst="rect">
@@ -3993,9 +3993,9 @@
             </a:pPr>
             <a:r>
               <a:rPr lang="en-US" sz="8800" b="1" dirty="0" smtClean="0">
-                <a:latin typeface="Trebuchet MS" pitchFamily="34" charset="0"/>
-                <a:ea typeface="+mj-ea"/>
-                <a:cs typeface="+mj-cs"/>
+                <a:latin typeface="Gill Sans MT" charset="0"/>
+                <a:ea typeface="Gill Sans MT" charset="0"/>
+                <a:cs typeface="Gill Sans MT" charset="0"/>
               </a:rPr>
               <a:t>Leaping Shadows: Adaptive and Power-aware </a:t>
             </a:r>
@@ -4009,11 +4009,11 @@
             </a:pPr>
             <a:r>
               <a:rPr lang="en-US" sz="8800" b="1" dirty="0" smtClean="0">
-                <a:latin typeface="Trebuchet MS" pitchFamily="34" charset="0"/>
-                <a:ea typeface="+mj-ea"/>
-                <a:cs typeface="+mj-cs"/>
-              </a:rPr>
-              <a:t>Resilience for Extreme-scale systems</a:t>
+                <a:latin typeface="Gill Sans MT" charset="0"/>
+                <a:ea typeface="Gill Sans MT" charset="0"/>
+                <a:cs typeface="Gill Sans MT" charset="0"/>
+              </a:rPr>
+              <a:t>Resilience for Extreme-scale Systems</a:t>
             </a:r>
             <a:endParaRPr kumimoji="0" lang="en-US" sz="8800" b="1" i="0" u="none" strike="noStrike" kern="1200" cap="none" spc="0" normalizeH="0" baseline="0" noProof="0" dirty="0">
               <a:ln>
@@ -4022,9 +4022,9 @@
               <a:effectLst/>
               <a:uLnTx/>
               <a:uFillTx/>
-              <a:latin typeface="Trebuchet MS" pitchFamily="34" charset="0"/>
-              <a:ea typeface="+mj-ea"/>
-              <a:cs typeface="+mj-cs"/>
+              <a:latin typeface="Gill Sans MT" charset="0"/>
+              <a:ea typeface="Gill Sans MT" charset="0"/>
+              <a:cs typeface="Gill Sans MT" charset="0"/>
             </a:endParaRPr>
           </a:p>
         </p:txBody>
@@ -4039,8 +4039,8 @@
         </p:nvSpPr>
         <p:spPr>
           <a:xfrm>
-            <a:off x="5366081" y="3397480"/>
-            <a:ext cx="31998968" cy="1280160"/>
+            <a:off x="5366081" y="2665405"/>
+            <a:ext cx="31998968" cy="3005612"/>
           </a:xfrm>
           <a:prstGeom prst="rect">
             <a:avLst/>
@@ -4050,39 +4050,367 @@
           <a:bodyPr/>
           <a:lstStyle/>
           <a:p>
-            <a:pPr marL="1645838" lvl="0" indent="-1645838" algn="ctr" defTabSz="4388900">
+            <a:pPr marL="1645838" indent="-1645838" algn="ctr" defTabSz="4388900">
+              <a:lnSpc>
+                <a:spcPts val="4500"/>
+              </a:lnSpc>
               <a:spcBef>
                 <a:spcPct val="20000"/>
               </a:spcBef>
               <a:defRPr/>
             </a:pPr>
             <a:r>
-              <a:rPr lang="en-US" altLang="zh-CN" sz="5400" dirty="0" smtClean="0"/>
-              <a:t>Computer Science, </a:t>
-            </a:r>
-            <a:r>
-              <a:rPr lang="en-US" sz="5400" dirty="0" smtClean="0"/>
+              <a:rPr lang="en-US" sz="4400" dirty="0" err="1" smtClean="0">
+                <a:latin typeface="Gill Sans MT" charset="0"/>
+                <a:ea typeface="Gill Sans MT" charset="0"/>
+                <a:cs typeface="Gill Sans MT" charset="0"/>
+              </a:rPr>
+              <a:t>Xiaolong</a:t>
+            </a:r>
+            <a:r>
+              <a:rPr lang="en-US" sz="4400" dirty="0" smtClean="0">
+                <a:latin typeface="Gill Sans MT" charset="0"/>
+                <a:ea typeface="Gill Sans MT" charset="0"/>
+                <a:cs typeface="Gill Sans MT" charset="0"/>
+              </a:rPr>
+              <a:t> </a:t>
+            </a:r>
+            <a:r>
+              <a:rPr lang="en-US" sz="4400" dirty="0">
+                <a:latin typeface="Gill Sans MT" charset="0"/>
+                <a:ea typeface="Gill Sans MT" charset="0"/>
+                <a:cs typeface="Gill Sans MT" charset="0"/>
+              </a:rPr>
+              <a:t>Cui</a:t>
+            </a:r>
+            <a:r>
+              <a:rPr lang="en-US" sz="4400" baseline="30000" dirty="0">
+                <a:latin typeface="Gill Sans MT" charset="0"/>
+                <a:ea typeface="Gill Sans MT" charset="0"/>
+                <a:cs typeface="Gill Sans MT" charset="0"/>
+              </a:rPr>
+              <a:t>1</a:t>
+            </a:r>
+            <a:r>
+              <a:rPr lang="en-US" sz="4400" dirty="0">
+                <a:latin typeface="Gill Sans MT" charset="0"/>
+                <a:ea typeface="Gill Sans MT" charset="0"/>
+                <a:cs typeface="Gill Sans MT" charset="0"/>
+              </a:rPr>
+              <a:t>, Tariq Alturkestani</a:t>
+            </a:r>
+            <a:r>
+              <a:rPr lang="en-US" sz="4400" baseline="30000" dirty="0">
+                <a:latin typeface="Gill Sans MT" charset="0"/>
+                <a:ea typeface="Gill Sans MT" charset="0"/>
+                <a:cs typeface="Gill Sans MT" charset="0"/>
+              </a:rPr>
+              <a:t>2</a:t>
+            </a:r>
+            <a:r>
+              <a:rPr lang="en-US" sz="4400" dirty="0">
+                <a:latin typeface="Gill Sans MT" charset="0"/>
+                <a:ea typeface="Gill Sans MT" charset="0"/>
+                <a:cs typeface="Gill Sans MT" charset="0"/>
+              </a:rPr>
+              <a:t>, </a:t>
+            </a:r>
+            <a:r>
+              <a:rPr lang="en-US" sz="4400" dirty="0"/>
+              <a:t>Esteban Meneses</a:t>
+            </a:r>
+            <a:r>
+              <a:rPr lang="en-US" sz="4400" baseline="30000" dirty="0"/>
+              <a:t>3</a:t>
+            </a:r>
+            <a:r>
+              <a:rPr lang="en-US" sz="4400" dirty="0"/>
+              <a:t>, </a:t>
+            </a:r>
+            <a:r>
+              <a:rPr lang="en-US" sz="4400" dirty="0" err="1">
+                <a:latin typeface="Gill Sans MT" charset="0"/>
+                <a:ea typeface="Gill Sans MT" charset="0"/>
+                <a:cs typeface="Gill Sans MT" charset="0"/>
+              </a:rPr>
+              <a:t>Taieb</a:t>
+            </a:r>
+            <a:r>
+              <a:rPr lang="en-US" sz="4400" dirty="0">
+                <a:latin typeface="Gill Sans MT" charset="0"/>
+                <a:ea typeface="Gill Sans MT" charset="0"/>
+                <a:cs typeface="Gill Sans MT" charset="0"/>
+              </a:rPr>
+              <a:t> Znati</a:t>
+            </a:r>
+            <a:r>
+              <a:rPr lang="en-US" sz="4400" baseline="30000" dirty="0">
+                <a:latin typeface="Gill Sans MT" charset="0"/>
+                <a:ea typeface="Gill Sans MT" charset="0"/>
+                <a:cs typeface="Gill Sans MT" charset="0"/>
+              </a:rPr>
+              <a:t>1</a:t>
+            </a:r>
+            <a:r>
+              <a:rPr lang="en-US" sz="4400" dirty="0">
+                <a:latin typeface="Gill Sans MT" charset="0"/>
+                <a:ea typeface="Gill Sans MT" charset="0"/>
+                <a:cs typeface="Gill Sans MT" charset="0"/>
+              </a:rPr>
+              <a:t>, Rami Melhem</a:t>
+            </a:r>
+            <a:r>
+              <a:rPr lang="en-US" sz="4400" baseline="30000" dirty="0">
+                <a:latin typeface="Gill Sans MT" charset="0"/>
+                <a:ea typeface="Gill Sans MT" charset="0"/>
+                <a:cs typeface="Gill Sans MT" charset="0"/>
+              </a:rPr>
+              <a:t>1</a:t>
+            </a:r>
+            <a:endParaRPr lang="en-US" sz="4400" dirty="0">
+              <a:latin typeface="Gill Sans MT" charset="0"/>
+              <a:ea typeface="Gill Sans MT" charset="0"/>
+              <a:cs typeface="Gill Sans MT" charset="0"/>
+            </a:endParaRPr>
+          </a:p>
+          <a:p>
+            <a:pPr marL="1645838" lvl="0" indent="-1645838" algn="ctr" defTabSz="4388900">
+              <a:lnSpc>
+                <a:spcPts val="4500"/>
+              </a:lnSpc>
+              <a:spcBef>
+                <a:spcPct val="20000"/>
+              </a:spcBef>
+              <a:defRPr/>
+            </a:pPr>
+            <a:r>
+              <a:rPr lang="en-US" altLang="zh-CN" sz="4400" baseline="30000" dirty="0" smtClean="0">
+                <a:latin typeface="Gill Sans MT" charset="0"/>
+                <a:ea typeface="Gill Sans MT" charset="0"/>
+                <a:cs typeface="Gill Sans MT" charset="0"/>
+              </a:rPr>
+              <a:t>1</a:t>
+            </a:r>
+            <a:r>
+              <a:rPr lang="en-US" altLang="zh-CN" sz="4400" dirty="0" smtClean="0">
+                <a:latin typeface="Gill Sans MT" charset="0"/>
+                <a:ea typeface="Gill Sans MT" charset="0"/>
+                <a:cs typeface="Gill Sans MT" charset="0"/>
+              </a:rPr>
+              <a:t>Computer </a:t>
+            </a:r>
+            <a:r>
+              <a:rPr lang="en-US" altLang="zh-CN" sz="4400" dirty="0" smtClean="0">
+                <a:latin typeface="Gill Sans MT" charset="0"/>
+                <a:ea typeface="Gill Sans MT" charset="0"/>
+                <a:cs typeface="Gill Sans MT" charset="0"/>
+              </a:rPr>
+              <a:t>Science, </a:t>
+            </a:r>
+            <a:r>
+              <a:rPr lang="en-US" sz="4400" dirty="0" smtClean="0">
+                <a:latin typeface="Gill Sans MT" charset="0"/>
+                <a:ea typeface="Gill Sans MT" charset="0"/>
+                <a:cs typeface="Gill Sans MT" charset="0"/>
+              </a:rPr>
               <a:t>U</a:t>
             </a:r>
             <a:r>
-              <a:rPr lang="en-US" altLang="zh-CN" sz="5400" dirty="0" smtClean="0"/>
+              <a:rPr lang="en-US" altLang="zh-CN" sz="4400" dirty="0" smtClean="0">
+                <a:latin typeface="Gill Sans MT" charset="0"/>
+                <a:ea typeface="Gill Sans MT" charset="0"/>
+                <a:cs typeface="Gill Sans MT" charset="0"/>
+              </a:rPr>
               <a:t>niversity </a:t>
             </a:r>
             <a:r>
-              <a:rPr lang="en-US" altLang="zh-CN" sz="5400" dirty="0"/>
+              <a:rPr lang="en-US" altLang="zh-CN" sz="4400" dirty="0">
+                <a:latin typeface="Gill Sans MT" charset="0"/>
+                <a:ea typeface="Gill Sans MT" charset="0"/>
+                <a:cs typeface="Gill Sans MT" charset="0"/>
+              </a:rPr>
               <a:t>of </a:t>
             </a:r>
             <a:r>
-              <a:rPr lang="en-US" altLang="zh-CN" sz="5400" dirty="0" smtClean="0"/>
-              <a:t>Pittsburgh</a:t>
-            </a:r>
-            <a:endParaRPr kumimoji="0" lang="en-US" sz="5400" b="0" i="0" u="none" strike="noStrike" kern="1200" cap="none" spc="0" normalizeH="0" baseline="0" noProof="0" dirty="0">
+              <a:rPr lang="en-US" altLang="zh-CN" sz="4400" dirty="0" smtClean="0">
+                <a:latin typeface="Gill Sans MT" charset="0"/>
+                <a:ea typeface="Gill Sans MT" charset="0"/>
+                <a:cs typeface="Gill Sans MT" charset="0"/>
+              </a:rPr>
+              <a:t>Pittsburgh, USA</a:t>
+            </a:r>
+          </a:p>
+          <a:p>
+            <a:pPr marL="1645838" indent="-1645838" algn="ctr" defTabSz="4388900">
+              <a:lnSpc>
+                <a:spcPts val="4500"/>
+              </a:lnSpc>
+              <a:spcBef>
+                <a:spcPct val="20000"/>
+              </a:spcBef>
+              <a:defRPr/>
+            </a:pPr>
+            <a:r>
+              <a:rPr lang="en-US" sz="4400" baseline="30000" dirty="0" smtClean="0">
+                <a:latin typeface="Gill Sans MT" charset="0"/>
+                <a:ea typeface="Gill Sans MT" charset="0"/>
+                <a:cs typeface="Gill Sans MT" charset="0"/>
+              </a:rPr>
+              <a:t>2</a:t>
+            </a:r>
+            <a:r>
+              <a:rPr lang="en-US" sz="4400" dirty="0" smtClean="0">
+                <a:latin typeface="Gill Sans MT" charset="0"/>
+                <a:ea typeface="Gill Sans MT" charset="0"/>
+                <a:cs typeface="Gill Sans MT" charset="0"/>
+              </a:rPr>
+              <a:t>King </a:t>
+            </a:r>
+            <a:r>
+              <a:rPr lang="en-US" sz="4400" dirty="0">
+                <a:latin typeface="Gill Sans MT" charset="0"/>
+                <a:ea typeface="Gill Sans MT" charset="0"/>
+                <a:cs typeface="Gill Sans MT" charset="0"/>
+              </a:rPr>
+              <a:t>Abdullah University of Science and Technology, </a:t>
+            </a:r>
+            <a:r>
+              <a:rPr lang="en-US" sz="4400" dirty="0" err="1">
+                <a:latin typeface="Gill Sans MT" charset="0"/>
+                <a:ea typeface="Gill Sans MT" charset="0"/>
+                <a:cs typeface="Gill Sans MT" charset="0"/>
+              </a:rPr>
+              <a:t>Thuwal</a:t>
+            </a:r>
+            <a:r>
+              <a:rPr lang="en-US" sz="4400" dirty="0">
+                <a:latin typeface="Gill Sans MT" charset="0"/>
+                <a:ea typeface="Gill Sans MT" charset="0"/>
+                <a:cs typeface="Gill Sans MT" charset="0"/>
+              </a:rPr>
+              <a:t>, Saudi </a:t>
+            </a:r>
+            <a:r>
+              <a:rPr lang="en-US" sz="4400" dirty="0" smtClean="0">
+                <a:latin typeface="Gill Sans MT" charset="0"/>
+                <a:ea typeface="Gill Sans MT" charset="0"/>
+                <a:cs typeface="Gill Sans MT" charset="0"/>
+              </a:rPr>
+              <a:t>Arabia</a:t>
+            </a:r>
+          </a:p>
+          <a:p>
+            <a:pPr algn="ctr">
+              <a:lnSpc>
+                <a:spcPts val="4500"/>
+              </a:lnSpc>
+            </a:pPr>
+            <a:r>
+              <a:rPr lang="en-US" sz="4400" baseline="30000" dirty="0" smtClean="0">
+                <a:latin typeface="Gill Sans MT" charset="0"/>
+                <a:ea typeface="Gill Sans MT" charset="0"/>
+                <a:cs typeface="Gill Sans MT" charset="0"/>
+              </a:rPr>
+              <a:t>3</a:t>
+            </a:r>
+            <a:r>
+              <a:rPr lang="en-US" sz="4400" dirty="0" smtClean="0">
+                <a:latin typeface="Gill Sans MT" charset="0"/>
+                <a:ea typeface="Gill Sans MT" charset="0"/>
+                <a:cs typeface="Gill Sans MT" charset="0"/>
+              </a:rPr>
+              <a:t>School </a:t>
+            </a:r>
+            <a:r>
+              <a:rPr lang="en-US" sz="4400" dirty="0">
+                <a:latin typeface="Gill Sans MT" charset="0"/>
+                <a:ea typeface="Gill Sans MT" charset="0"/>
+                <a:cs typeface="Gill Sans MT" charset="0"/>
+              </a:rPr>
+              <a:t>of </a:t>
+            </a:r>
+            <a:r>
+              <a:rPr lang="en-US" sz="4400" dirty="0" smtClean="0">
+                <a:latin typeface="Gill Sans MT" charset="0"/>
+                <a:ea typeface="Gill Sans MT" charset="0"/>
+                <a:cs typeface="Gill Sans MT" charset="0"/>
+              </a:rPr>
+              <a:t>Computing, Costa </a:t>
+            </a:r>
+            <a:r>
+              <a:rPr lang="en-US" sz="4400" dirty="0">
+                <a:latin typeface="Gill Sans MT" charset="0"/>
+                <a:ea typeface="Gill Sans MT" charset="0"/>
+                <a:cs typeface="Gill Sans MT" charset="0"/>
+              </a:rPr>
+              <a:t>Rica Institute of </a:t>
+            </a:r>
+            <a:r>
+              <a:rPr lang="en-US" sz="4400" dirty="0" smtClean="0">
+                <a:latin typeface="Gill Sans MT" charset="0"/>
+                <a:ea typeface="Gill Sans MT" charset="0"/>
+                <a:cs typeface="Gill Sans MT" charset="0"/>
+              </a:rPr>
+              <a:t>Technology, </a:t>
+            </a:r>
+            <a:r>
+              <a:rPr lang="en-US" sz="4400" dirty="0">
+                <a:latin typeface="Gill Sans MT" charset="0"/>
+                <a:ea typeface="Gill Sans MT" charset="0"/>
+                <a:cs typeface="Gill Sans MT" charset="0"/>
+              </a:rPr>
+              <a:t>Costa Rica</a:t>
+            </a:r>
+            <a:r>
+              <a:rPr lang="en-US" sz="4400" dirty="0" smtClean="0">
+                <a:latin typeface="Gill Sans MT" charset="0"/>
+                <a:ea typeface="Gill Sans MT" charset="0"/>
+                <a:cs typeface="Gill Sans MT" charset="0"/>
+              </a:rPr>
+              <a:t> </a:t>
+            </a:r>
+            <a:endParaRPr lang="en-US" sz="4400" dirty="0">
+              <a:latin typeface="Gill Sans MT" charset="0"/>
+              <a:ea typeface="Gill Sans MT" charset="0"/>
+              <a:cs typeface="Gill Sans MT" charset="0"/>
+            </a:endParaRPr>
+          </a:p>
+          <a:p>
+            <a:pPr marL="1645838" lvl="0" indent="-1645838" algn="ctr" defTabSz="4388900">
+              <a:lnSpc>
+                <a:spcPts val="4500"/>
+              </a:lnSpc>
+              <a:spcBef>
+                <a:spcPct val="20000"/>
+              </a:spcBef>
+              <a:defRPr/>
+            </a:pPr>
+            <a:endParaRPr lang="en-US" altLang="zh-CN" sz="4400" dirty="0" smtClean="0">
+              <a:latin typeface="Gill Sans MT" charset="0"/>
+              <a:ea typeface="Gill Sans MT" charset="0"/>
+              <a:cs typeface="Gill Sans MT" charset="0"/>
+            </a:endParaRPr>
+          </a:p>
+          <a:p>
+            <a:pPr marL="1645838" lvl="0" indent="-1645838" algn="ctr" defTabSz="4388900">
+              <a:lnSpc>
+                <a:spcPts val="4500"/>
+              </a:lnSpc>
+              <a:spcBef>
+                <a:spcPct val="20000"/>
+              </a:spcBef>
+              <a:defRPr/>
+            </a:pPr>
+            <a:endParaRPr kumimoji="0" lang="en-US" sz="4400" b="0" i="0" u="none" strike="noStrike" kern="1200" cap="none" spc="0" normalizeH="0" baseline="0" noProof="0" dirty="0">
               <a:ln>
                 <a:noFill/>
               </a:ln>
               <a:effectLst/>
               <a:uLnTx/>
               <a:uFillTx/>
+              <a:latin typeface="Gill Sans MT" charset="0"/>
+              <a:ea typeface="Gill Sans MT" charset="0"/>
+              <a:cs typeface="Gill Sans MT" charset="0"/>
             </a:endParaRPr>
           </a:p>
         </p:txBody>
@@ -4097,8 +4425,8 @@
         </p:nvSpPr>
         <p:spPr>
           <a:xfrm>
-            <a:off x="5441198" y="2502345"/>
-            <a:ext cx="31998968" cy="1280160"/>
+            <a:off x="5441198" y="2648649"/>
+            <a:ext cx="31998968" cy="821181"/>
           </a:xfrm>
           <a:prstGeom prst="rect">
             <a:avLst/>
@@ -4114,17 +4442,16 @@
               </a:spcBef>
               <a:defRPr/>
             </a:pPr>
-            <a:r>
-              <a:rPr lang="en-US" sz="6000" dirty="0" smtClean="0"/>
-              <a:t>Xiaolong Cui, Taieb Znati, Rami Melhem</a:t>
-            </a:r>
-            <a:endParaRPr kumimoji="0" lang="en-US" sz="6000" b="0" i="0" u="none" strike="noStrike" kern="1200" cap="none" spc="0" normalizeH="0" baseline="0" noProof="0" dirty="0">
+            <a:endParaRPr kumimoji="0" lang="en-US" sz="4400" b="0" i="0" u="none" strike="noStrike" kern="1200" cap="none" spc="0" normalizeH="0" baseline="0" noProof="0" dirty="0">
               <a:ln>
                 <a:noFill/>
               </a:ln>
               <a:effectLst/>
               <a:uLnTx/>
               <a:uFillTx/>
+              <a:latin typeface="Gill Sans MT" charset="0"/>
+              <a:ea typeface="Gill Sans MT" charset="0"/>
+              <a:cs typeface="Gill Sans MT" charset="0"/>
             </a:endParaRPr>
           </a:p>
         </p:txBody>
@@ -4145,8 +4472,8 @@
         </p:blipFill>
         <p:spPr>
           <a:xfrm>
-            <a:off x="904186" y="254002"/>
-            <a:ext cx="4114803" cy="4102824"/>
+            <a:off x="2855470" y="558304"/>
+            <a:ext cx="2602510" cy="2594933"/>
           </a:xfrm>
           <a:prstGeom prst="rect">
             <a:avLst/>
@@ -4221,12 +4548,12 @@
         </p:nvSpPr>
         <p:spPr>
           <a:xfrm rot="16200000" flipH="1" flipV="1">
-            <a:off x="1061789" y="4307716"/>
-            <a:ext cx="13476517" cy="13791731"/>
+            <a:off x="1549910" y="4795838"/>
+            <a:ext cx="12500273" cy="13791731"/>
           </a:xfrm>
           <a:prstGeom prst="snip1Rect">
             <a:avLst>
-              <a:gd name="adj" fmla="val 23851"/>
+              <a:gd name="adj" fmla="val 26484"/>
             </a:avLst>
           </a:prstGeom>
           <a:noFill/>
@@ -4348,12 +4675,12 @@
         </p:nvSpPr>
         <p:spPr>
           <a:xfrm rot="5400000" flipV="1">
-            <a:off x="29156612" y="3975915"/>
-            <a:ext cx="13476517" cy="14455332"/>
+            <a:off x="29644735" y="4464038"/>
+            <a:ext cx="12500272" cy="14455332"/>
           </a:xfrm>
           <a:prstGeom prst="snip1Rect">
             <a:avLst>
-              <a:gd name="adj" fmla="val 24395"/>
+              <a:gd name="adj" fmla="val 25858"/>
             </a:avLst>
           </a:prstGeom>
           <a:noFill/>
@@ -4408,7 +4735,7 @@
         </p:nvSpPr>
         <p:spPr>
           <a:xfrm>
-            <a:off x="944504" y="4465322"/>
+            <a:off x="1017656" y="5489450"/>
             <a:ext cx="4077526" cy="1015663"/>
           </a:xfrm>
           <a:prstGeom prst="rect">
@@ -4492,7 +4819,7 @@
         </p:nvSpPr>
         <p:spPr>
           <a:xfrm>
-            <a:off x="37940020" y="4465322"/>
+            <a:off x="37797971" y="5489450"/>
             <a:ext cx="5160965" cy="1015663"/>
           </a:xfrm>
           <a:prstGeom prst="rect">
@@ -4617,7 +4944,7 @@
         </p:nvSpPr>
         <p:spPr>
           <a:xfrm>
-            <a:off x="1360856" y="5441567"/>
+            <a:off x="1360856" y="6392543"/>
             <a:ext cx="13442415" cy="769441"/>
           </a:xfrm>
           <a:prstGeom prst="rect">
@@ -4660,8 +4987,8 @@
         </p:nvSpPr>
         <p:spPr>
           <a:xfrm>
-            <a:off x="15128835" y="4465322"/>
-            <a:ext cx="13120702" cy="10245496"/>
+            <a:off x="15128835" y="5441566"/>
+            <a:ext cx="13120702" cy="9269252"/>
           </a:xfrm>
           <a:prstGeom prst="rect">
             <a:avLst/>
@@ -4720,7 +5047,7 @@
         </p:nvSpPr>
         <p:spPr>
           <a:xfrm>
-            <a:off x="15128834" y="4465322"/>
+            <a:off x="15201986" y="5489450"/>
             <a:ext cx="6458306" cy="1015663"/>
           </a:xfrm>
           <a:prstGeom prst="rect">
@@ -4768,7 +5095,7 @@
         </p:nvSpPr>
         <p:spPr>
           <a:xfrm>
-            <a:off x="15606489" y="5480985"/>
+            <a:off x="15522410" y="6392543"/>
             <a:ext cx="12968612" cy="2123658"/>
           </a:xfrm>
           <a:prstGeom prst="rect">
@@ -5798,7 +6125,7 @@
         </p:nvSpPr>
         <p:spPr>
           <a:xfrm>
-            <a:off x="29223894" y="5501366"/>
+            <a:off x="29223894" y="6415813"/>
             <a:ext cx="13877091" cy="2123658"/>
           </a:xfrm>
           <a:prstGeom prst="rect">
@@ -5928,36 +6255,6 @@
           </a:p>
         </p:txBody>
       </p:sp>
-      <p:pic>
-        <p:nvPicPr>
-          <p:cNvPr id="21" name="Picture 20"/>
-          <p:cNvPicPr>
-            <a:picLocks noChangeAspect="1"/>
-          </p:cNvPicPr>
-          <p:nvPr/>
-        </p:nvPicPr>
-        <p:blipFill>
-          <a:blip r:embed="rId9">
-            <a:extLst>
-              <a:ext uri="{28A0092B-C50C-407E-A947-70E740481C1C}">
-                <a14:useLocalDpi xmlns:a14="http://schemas.microsoft.com/office/drawing/2010/main" val="0"/>
-              </a:ext>
-            </a:extLst>
-          </a:blip>
-          <a:stretch>
-            <a:fillRect/>
-          </a:stretch>
-        </p:blipFill>
-        <p:spPr>
-          <a:xfrm>
-            <a:off x="1130519" y="6282775"/>
-            <a:ext cx="13434770" cy="6856190"/>
-          </a:xfrm>
-          <a:prstGeom prst="rect">
-            <a:avLst/>
-          </a:prstGeom>
-        </p:spPr>
-      </p:pic>
       <p:grpSp>
         <p:nvGrpSpPr>
           <p:cNvPr id="23" name="Group 22"/>
@@ -5966,8 +6263,8 @@
         </p:nvGrpSpPr>
         <p:grpSpPr>
           <a:xfrm>
-            <a:off x="1360856" y="13493559"/>
-            <a:ext cx="12464871" cy="4103315"/>
+            <a:off x="1360856" y="13972032"/>
+            <a:ext cx="12464871" cy="3624842"/>
             <a:chOff x="1360856" y="12805714"/>
             <a:chExt cx="12464871" cy="4791162"/>
           </a:xfrm>
@@ -6587,7 +6884,7 @@
           <p:nvPr/>
         </p:nvPicPr>
         <p:blipFill>
-          <a:blip r:embed="rId10">
+          <a:blip r:embed="rId9">
             <a:extLst>
               <a:ext uri="{28A0092B-C50C-407E-A947-70E740481C1C}">
                 <a14:useLocalDpi xmlns:a14="http://schemas.microsoft.com/office/drawing/2010/main" val="0"/>
@@ -6600,8 +6897,8 @@
         </p:blipFill>
         <p:spPr>
           <a:xfrm>
-            <a:off x="34387110" y="12390954"/>
-            <a:ext cx="8230060" cy="5478480"/>
+            <a:off x="34387110" y="12785798"/>
+            <a:ext cx="8230060" cy="5083635"/>
           </a:xfrm>
           <a:prstGeom prst="rect">
             <a:avLst/>
@@ -6610,240 +6907,345 @@
       </p:pic>
       <p:grpSp>
         <p:nvGrpSpPr>
-          <p:cNvPr id="59" name="Group 58"/>
+          <p:cNvPr id="6" name="Group 5"/>
           <p:cNvGrpSpPr/>
           <p:nvPr/>
         </p:nvGrpSpPr>
         <p:grpSpPr>
           <a:xfrm>
-            <a:off x="29156575" y="8201137"/>
-            <a:ext cx="4695171" cy="9242807"/>
-            <a:chOff x="29156575" y="8018257"/>
-            <a:chExt cx="4695171" cy="9242807"/>
+            <a:off x="29229727" y="8895750"/>
+            <a:ext cx="4695171" cy="8621346"/>
+            <a:chOff x="29229727" y="8895750"/>
+            <a:chExt cx="4695171" cy="8621346"/>
           </a:xfrm>
         </p:grpSpPr>
         <p:grpSp>
           <p:nvGrpSpPr>
-            <p:cNvPr id="54" name="Group 53"/>
+            <p:cNvPr id="59" name="Group 58"/>
             <p:cNvGrpSpPr/>
             <p:nvPr/>
           </p:nvGrpSpPr>
           <p:grpSpPr>
             <a:xfrm>
-              <a:off x="29156575" y="8018257"/>
-              <a:ext cx="4695171" cy="6673340"/>
-              <a:chOff x="29156575" y="8164562"/>
-              <a:chExt cx="4695171" cy="6673339"/>
+              <a:off x="29229727" y="8895750"/>
+              <a:ext cx="4695171" cy="8621346"/>
+              <a:chOff x="29156575" y="8018257"/>
+              <a:chExt cx="4695171" cy="9203760"/>
             </a:xfrm>
           </p:grpSpPr>
           <p:grpSp>
             <p:nvGrpSpPr>
-              <p:cNvPr id="53" name="Group 52"/>
+              <p:cNvPr id="54" name="Group 53"/>
               <p:cNvGrpSpPr/>
               <p:nvPr/>
             </p:nvGrpSpPr>
             <p:grpSpPr>
               <a:xfrm>
-                <a:off x="29156575" y="8164562"/>
-                <a:ext cx="4627852" cy="4435564"/>
+                <a:off x="29156575" y="8018257"/>
+                <a:ext cx="4695171" cy="6673340"/>
                 <a:chOff x="29156575" y="8164562"/>
-                <a:chExt cx="4627852" cy="4435564"/>
+                <a:chExt cx="4695171" cy="6673339"/>
               </a:xfrm>
             </p:grpSpPr>
             <p:grpSp>
               <p:nvGrpSpPr>
-                <p:cNvPr id="120" name="Group 119"/>
+                <p:cNvPr id="53" name="Group 52"/>
                 <p:cNvGrpSpPr/>
                 <p:nvPr/>
               </p:nvGrpSpPr>
               <p:grpSpPr>
                 <a:xfrm>
                   <a:off x="29156575" y="8164562"/>
-                  <a:ext cx="4627852" cy="3486734"/>
-                  <a:chOff x="9438899" y="23472679"/>
-                  <a:chExt cx="4627852" cy="3362486"/>
+                  <a:ext cx="4627852" cy="4435564"/>
+                  <a:chOff x="29156575" y="8164562"/>
+                  <a:chExt cx="4627852" cy="4435564"/>
                 </a:xfrm>
               </p:grpSpPr>
-              <p:sp>
-                <p:nvSpPr>
-                  <p:cNvPr id="121" name="Rounded Rectangle 120"/>
-                  <p:cNvSpPr/>
+              <p:grpSp>
+                <p:nvGrpSpPr>
+                  <p:cNvPr id="120" name="Group 119"/>
+                  <p:cNvGrpSpPr/>
                   <p:nvPr/>
-                </p:nvSpPr>
-                <p:spPr>
+                </p:nvGrpSpPr>
+                <p:grpSpPr>
                   <a:xfrm>
-                    <a:off x="9438899" y="23472679"/>
-                    <a:ext cx="4627852" cy="1247922"/>
+                    <a:off x="29156575" y="8164562"/>
+                    <a:ext cx="4627852" cy="3486734"/>
+                    <a:chOff x="9438899" y="23472679"/>
+                    <a:chExt cx="4627852" cy="3362486"/>
                   </a:xfrm>
-                  <a:prstGeom prst="roundRect">
-                    <a:avLst/>
-                  </a:prstGeom>
-                  <a:solidFill>
-                    <a:schemeClr val="tx2">
-                      <a:lumMod val="20000"/>
-                      <a:lumOff val="80000"/>
-                    </a:schemeClr>
-                  </a:solidFill>
-                  <a:ln w="9525" cap="flat" cmpd="sng" algn="ctr">
+                </p:grpSpPr>
+                <p:sp>
+                  <p:nvSpPr>
+                    <p:cNvPr id="121" name="Rounded Rectangle 120"/>
+                    <p:cNvSpPr/>
+                    <p:nvPr/>
+                  </p:nvSpPr>
+                  <p:spPr>
+                    <a:xfrm>
+                      <a:off x="9438899" y="23472679"/>
+                      <a:ext cx="4627852" cy="1247922"/>
+                    </a:xfrm>
+                    <a:prstGeom prst="roundRect">
+                      <a:avLst/>
+                    </a:prstGeom>
                     <a:solidFill>
-                      <a:srgbClr val="009966"/>
+                      <a:schemeClr val="tx2">
+                        <a:lumMod val="20000"/>
+                        <a:lumOff val="80000"/>
+                      </a:schemeClr>
                     </a:solidFill>
-                    <a:prstDash val="solid"/>
-                  </a:ln>
-                  <a:effectLst/>
-                </p:spPr>
-                <p:txBody>
-                  <a:bodyPr rtlCol="0" anchor="ctr"/>
-                  <a:lstStyle/>
-                  <a:p>
-                    <a:pPr lvl="0" algn="ctr" defTabSz="914400">
-                      <a:defRPr/>
-                    </a:pPr>
-                    <a:r>
-                      <a:rPr lang="en-US" sz="3200" b="1" kern="0" dirty="0" smtClean="0">
+                    <a:ln w="9525" cap="flat" cmpd="sng" algn="ctr">
+                      <a:solidFill>
+                        <a:srgbClr val="009966"/>
+                      </a:solidFill>
+                      <a:prstDash val="solid"/>
+                    </a:ln>
+                    <a:effectLst/>
+                  </p:spPr>
+                  <p:txBody>
+                    <a:bodyPr rtlCol="0" anchor="ctr"/>
+                    <a:lstStyle/>
+                    <a:p>
+                      <a:pPr lvl="0" algn="ctr" defTabSz="914400">
+                        <a:defRPr/>
+                      </a:pPr>
+                      <a:r>
+                        <a:rPr lang="en-US" sz="3600" b="1" kern="0" dirty="0" smtClean="0">
+                          <a:solidFill>
+                            <a:srgbClr val="00B050"/>
+                          </a:solidFill>
+                          <a:latin typeface="Gill Sans MT" charset="0"/>
+                          <a:ea typeface="Gill Sans MT" charset="0"/>
+                          <a:cs typeface="Gill Sans MT" charset="0"/>
+                        </a:rPr>
+                        <a:t>Overlap </a:t>
+                      </a:r>
+                      <a:r>
+                        <a:rPr lang="en-US" sz="3600" kern="0" dirty="0" smtClean="0">
+                          <a:latin typeface="Gill Sans MT" charset="0"/>
+                          <a:ea typeface="Gill Sans MT" charset="0"/>
+                          <a:cs typeface="Gill Sans MT" charset="0"/>
+                        </a:rPr>
+                        <a:t>leaping </a:t>
+                      </a:r>
+                    </a:p>
+                    <a:p>
+                      <a:pPr lvl="0" algn="ctr" defTabSz="914400">
+                        <a:defRPr/>
+                      </a:pPr>
+                      <a:r>
+                        <a:rPr lang="en-US" sz="3600" kern="0" dirty="0" smtClean="0">
+                          <a:latin typeface="Gill Sans MT" charset="0"/>
+                          <a:ea typeface="Gill Sans MT" charset="0"/>
+                          <a:cs typeface="Gill Sans MT" charset="0"/>
+                        </a:rPr>
+                        <a:t>with recovery</a:t>
+                      </a:r>
+                      <a:endParaRPr lang="en-US" sz="3600" kern="0" dirty="0">
+                        <a:latin typeface="Gill Sans MT" charset="0"/>
+                        <a:ea typeface="Gill Sans MT" charset="0"/>
+                        <a:cs typeface="Gill Sans MT" charset="0"/>
+                      </a:endParaRPr>
+                    </a:p>
+                  </p:txBody>
+                </p:sp>
+                <p:sp>
+                  <p:nvSpPr>
+                    <p:cNvPr id="123" name="Rounded Rectangle 122"/>
+                    <p:cNvSpPr/>
+                    <p:nvPr/>
+                  </p:nvSpPr>
+                  <p:spPr>
+                    <a:xfrm>
+                      <a:off x="9438899" y="25696854"/>
+                      <a:ext cx="4627852" cy="1138311"/>
+                    </a:xfrm>
+                    <a:prstGeom prst="roundRect">
+                      <a:avLst/>
+                    </a:prstGeom>
+                    <a:solidFill>
+                      <a:schemeClr val="tx2">
+                        <a:lumMod val="20000"/>
+                        <a:lumOff val="80000"/>
+                      </a:schemeClr>
+                    </a:solidFill>
+                    <a:ln w="9525" cap="flat" cmpd="sng" algn="ctr">
+                      <a:solidFill>
+                        <a:srgbClr val="009966"/>
+                      </a:solidFill>
+                      <a:prstDash val="solid"/>
+                    </a:ln>
+                    <a:effectLst/>
+                  </p:spPr>
+                  <p:txBody>
+                    <a:bodyPr rtlCol="0" anchor="ctr"/>
+                    <a:lstStyle/>
+                    <a:p>
+                      <a:pPr marL="0" marR="0" lvl="0" indent="0" algn="ctr" defTabSz="914400" eaLnBrk="1" fontAlgn="auto" latinLnBrk="0" hangingPunct="1">
+                        <a:lnSpc>
+                          <a:spcPct val="100000"/>
+                        </a:lnSpc>
+                        <a:spcBef>
+                          <a:spcPts val="0"/>
+                        </a:spcBef>
+                        <a:spcAft>
+                          <a:spcPts val="0"/>
+                        </a:spcAft>
+                        <a:buClrTx/>
+                        <a:buSzTx/>
+                        <a:buFontTx/>
+                        <a:buNone/>
+                        <a:tabLst/>
+                        <a:defRPr/>
+                      </a:pPr>
+                      <a:r>
+                        <a:rPr lang="en-US" sz="3600" kern="0" dirty="0">
+                          <a:solidFill>
+                            <a:sysClr val="windowText" lastClr="000000"/>
+                          </a:solidFill>
+                          <a:latin typeface="Gill Sans MT" charset="0"/>
+                          <a:ea typeface="Gill Sans MT" charset="0"/>
+                          <a:cs typeface="Gill Sans MT" charset="0"/>
+                        </a:rPr>
+                        <a:t>F</a:t>
+                      </a:r>
+                      <a:r>
+                        <a:rPr kumimoji="0" lang="en-US" sz="3600" b="0" i="0" u="none" strike="noStrike" kern="0" cap="none" spc="0" normalizeH="0" baseline="0" noProof="0" dirty="0" err="1" smtClean="0">
+                          <a:ln>
+                            <a:noFill/>
+                          </a:ln>
+                          <a:solidFill>
+                            <a:sysClr val="windowText" lastClr="000000"/>
+                          </a:solidFill>
+                          <a:effectLst/>
+                          <a:uLnTx/>
+                          <a:uFillTx/>
+                          <a:latin typeface="Gill Sans MT" charset="0"/>
+                          <a:ea typeface="Gill Sans MT" charset="0"/>
+                          <a:cs typeface="Gill Sans MT" charset="0"/>
+                        </a:rPr>
+                        <a:t>orward</a:t>
+                      </a:r>
+                      <a:r>
+                        <a:rPr kumimoji="0" lang="en-US" sz="3600" b="0" i="0" u="none" strike="noStrike" kern="0" cap="none" spc="0" normalizeH="0" noProof="0" dirty="0" smtClean="0">
+                          <a:ln>
+                            <a:noFill/>
+                          </a:ln>
+                          <a:solidFill>
+                            <a:sysClr val="windowText" lastClr="000000"/>
+                          </a:solidFill>
+                          <a:effectLst/>
+                          <a:uLnTx/>
+                          <a:uFillTx/>
+                          <a:latin typeface="Gill Sans MT" charset="0"/>
+                          <a:ea typeface="Gill Sans MT" charset="0"/>
+                          <a:cs typeface="Gill Sans MT" charset="0"/>
+                        </a:rPr>
+                        <a:t> progress with </a:t>
+                      </a:r>
+                      <a:r>
+                        <a:rPr lang="en-US" sz="3200" b="1" kern="0" dirty="0">
+                          <a:solidFill>
+                            <a:srgbClr val="00B050"/>
+                          </a:solidFill>
+                          <a:latin typeface="Gill Sans MT" charset="0"/>
+                          <a:ea typeface="Gill Sans MT" charset="0"/>
+                          <a:cs typeface="Gill Sans MT" charset="0"/>
+                        </a:rPr>
+                        <a:t>minimized </a:t>
+                      </a:r>
+                      <a:r>
+                        <a:rPr lang="en-US" sz="3200" b="1" kern="0" dirty="0" smtClean="0">
+                          <a:solidFill>
+                            <a:srgbClr val="00B050"/>
+                          </a:solidFill>
+                          <a:latin typeface="Gill Sans MT" charset="0"/>
+                          <a:ea typeface="Gill Sans MT" charset="0"/>
+                          <a:cs typeface="Gill Sans MT" charset="0"/>
+                        </a:rPr>
+                        <a:t>power</a:t>
+                      </a:r>
+                      <a:endParaRPr lang="en-US" sz="3200" b="1" kern="0" dirty="0">
                         <a:solidFill>
                           <a:srgbClr val="00B050"/>
                         </a:solidFill>
                         <a:latin typeface="Gill Sans MT" charset="0"/>
                         <a:ea typeface="Gill Sans MT" charset="0"/>
                         <a:cs typeface="Gill Sans MT" charset="0"/>
-                      </a:rPr>
-                      <a:t>Overlap </a:t>
-                    </a:r>
-                    <a:r>
-                      <a:rPr lang="en-US" sz="3200" kern="0" dirty="0" smtClean="0">
-                        <a:latin typeface="Gill Sans MT" charset="0"/>
-                        <a:ea typeface="Gill Sans MT" charset="0"/>
-                        <a:cs typeface="Gill Sans MT" charset="0"/>
-                      </a:rPr>
-                      <a:t>shadow leaping with failure recovery</a:t>
-                    </a:r>
-                    <a:endParaRPr lang="en-US" sz="3200" kern="0" dirty="0">
-                      <a:latin typeface="Gill Sans MT" charset="0"/>
-                      <a:ea typeface="Gill Sans MT" charset="0"/>
-                      <a:cs typeface="Gill Sans MT" charset="0"/>
-                    </a:endParaRPr>
-                  </a:p>
-                </p:txBody>
-              </p:sp>
-              <p:sp>
-                <p:nvSpPr>
-                  <p:cNvPr id="123" name="Rounded Rectangle 122"/>
-                  <p:cNvSpPr/>
-                  <p:nvPr/>
-                </p:nvSpPr>
-                <p:spPr>
-                  <a:xfrm>
-                    <a:off x="9438899" y="25696854"/>
-                    <a:ext cx="4627852" cy="1138311"/>
-                  </a:xfrm>
-                  <a:prstGeom prst="roundRect">
-                    <a:avLst/>
-                  </a:prstGeom>
-                  <a:solidFill>
-                    <a:schemeClr val="tx2">
-                      <a:lumMod val="20000"/>
-                      <a:lumOff val="80000"/>
-                    </a:schemeClr>
-                  </a:solidFill>
-                  <a:ln w="9525" cap="flat" cmpd="sng" algn="ctr">
+                      </a:endParaRPr>
+                    </a:p>
+                  </p:txBody>
+                </p:sp>
+                <p:sp>
+                  <p:nvSpPr>
+                    <p:cNvPr id="124" name="Right Arrow 123"/>
+                    <p:cNvSpPr/>
+                    <p:nvPr/>
+                  </p:nvSpPr>
+                  <p:spPr>
+                    <a:xfrm rot="5400000">
+                      <a:off x="11312112" y="24862962"/>
+                      <a:ext cx="881425" cy="720305"/>
+                    </a:xfrm>
+                    <a:prstGeom prst="rightArrow">
+                      <a:avLst/>
+                    </a:prstGeom>
                     <a:solidFill>
-                      <a:srgbClr val="009966"/>
+                      <a:schemeClr val="accent6">
+                        <a:lumMod val="60000"/>
+                        <a:lumOff val="40000"/>
+                      </a:schemeClr>
                     </a:solidFill>
-                    <a:prstDash val="solid"/>
-                  </a:ln>
-                  <a:effectLst/>
-                </p:spPr>
-                <p:txBody>
-                  <a:bodyPr rtlCol="0" anchor="ctr"/>
-                  <a:lstStyle/>
-                  <a:p>
-                    <a:pPr marL="0" marR="0" lvl="0" indent="0" algn="ctr" defTabSz="914400" eaLnBrk="1" fontAlgn="auto" latinLnBrk="0" hangingPunct="1">
-                      <a:lnSpc>
-                        <a:spcPct val="100000"/>
-                      </a:lnSpc>
-                      <a:spcBef>
-                        <a:spcPts val="0"/>
-                      </a:spcBef>
-                      <a:spcAft>
-                        <a:spcPts val="0"/>
-                      </a:spcAft>
-                      <a:buClrTx/>
-                      <a:buSzTx/>
-                      <a:buFontTx/>
-                      <a:buNone/>
-                      <a:tabLst/>
-                      <a:defRPr/>
-                    </a:pPr>
-                    <a:r>
-                      <a:rPr lang="en-US" sz="3600" kern="0" dirty="0">
+                    <a:ln/>
+                  </p:spPr>
+                  <p:style>
+                    <a:lnRef idx="2">
+                      <a:schemeClr val="accent2">
+                        <a:shade val="50000"/>
+                      </a:schemeClr>
+                    </a:lnRef>
+                    <a:fillRef idx="1">
+                      <a:schemeClr val="accent2"/>
+                    </a:fillRef>
+                    <a:effectRef idx="0">
+                      <a:schemeClr val="accent2"/>
+                    </a:effectRef>
+                    <a:fontRef idx="minor">
+                      <a:schemeClr val="lt1"/>
+                    </a:fontRef>
+                  </p:style>
+                  <p:txBody>
+                    <a:bodyPr rtlCol="0" anchor="ctr"/>
+                    <a:lstStyle/>
+                    <a:p>
+                      <a:pPr marL="571500" indent="-571500" algn="ctr" defTabSz="914400">
+                        <a:buClr>
+                          <a:srgbClr val="F07F09"/>
+                        </a:buClr>
+                        <a:buFont typeface="Courier New"/>
+                        <a:buChar char="o"/>
+                      </a:pPr>
+                      <a:endParaRPr lang="en-US" sz="4000" dirty="0" smtClean="0">
                         <a:solidFill>
                           <a:sysClr val="windowText" lastClr="000000"/>
                         </a:solidFill>
-                        <a:latin typeface="Gill Sans MT" charset="0"/>
-                        <a:ea typeface="Gill Sans MT" charset="0"/>
-                        <a:cs typeface="Gill Sans MT" charset="0"/>
-                      </a:rPr>
-                      <a:t>F</a:t>
-                    </a:r>
-                    <a:r>
-                      <a:rPr kumimoji="0" lang="en-US" sz="3600" b="0" i="0" u="none" strike="noStrike" kern="0" cap="none" spc="0" normalizeH="0" baseline="0" noProof="0" dirty="0" err="1" smtClean="0">
-                        <a:ln>
-                          <a:noFill/>
-                        </a:ln>
-                        <a:solidFill>
-                          <a:sysClr val="windowText" lastClr="000000"/>
-                        </a:solidFill>
-                        <a:effectLst/>
-                        <a:uLnTx/>
-                        <a:uFillTx/>
-                        <a:latin typeface="Gill Sans MT" charset="0"/>
-                        <a:ea typeface="Gill Sans MT" charset="0"/>
-                        <a:cs typeface="Gill Sans MT" charset="0"/>
-                      </a:rPr>
-                      <a:t>orward</a:t>
-                    </a:r>
-                    <a:r>
-                      <a:rPr kumimoji="0" lang="en-US" sz="3600" b="0" i="0" u="none" strike="noStrike" kern="0" cap="none" spc="0" normalizeH="0" noProof="0" dirty="0" smtClean="0">
-                        <a:ln>
-                          <a:noFill/>
-                        </a:ln>
-                        <a:solidFill>
-                          <a:sysClr val="windowText" lastClr="000000"/>
-                        </a:solidFill>
-                        <a:effectLst/>
-                        <a:uLnTx/>
-                        <a:uFillTx/>
-                        <a:latin typeface="Gill Sans MT" charset="0"/>
-                        <a:ea typeface="Gill Sans MT" charset="0"/>
-                        <a:cs typeface="Gill Sans MT" charset="0"/>
-                      </a:rPr>
-                      <a:t> progress with </a:t>
-                    </a:r>
-                    <a:r>
-                      <a:rPr lang="en-US" sz="3200" b="1" kern="0" dirty="0">
-                        <a:solidFill>
-                          <a:srgbClr val="00B050"/>
-                        </a:solidFill>
-                        <a:latin typeface="Gill Sans MT" charset="0"/>
-                        <a:ea typeface="Gill Sans MT" charset="0"/>
-                        <a:cs typeface="Gill Sans MT" charset="0"/>
-                      </a:rPr>
-                      <a:t>minimized energy</a:t>
-                    </a:r>
-                  </a:p>
-                </p:txBody>
-              </p:sp>
+                        <a:latin typeface="Gill Sans MT"/>
+                      </a:endParaRPr>
+                    </a:p>
+                  </p:txBody>
+                </p:sp>
+              </p:grpSp>
               <p:sp>
                 <p:nvSpPr>
-                  <p:cNvPr id="124" name="Right Arrow 123"/>
+                  <p:cNvPr id="125" name="Right Arrow 124"/>
                   <p:cNvSpPr/>
                   <p:nvPr/>
                 </p:nvSpPr>
                 <p:spPr>
                   <a:xfrm rot="5400000">
-                    <a:off x="11312112" y="24862962"/>
-                    <a:ext cx="881425" cy="720305"/>
+                    <a:off x="31022149" y="11782976"/>
+                    <a:ext cx="913995" cy="720305"/>
                   </a:xfrm>
                   <a:prstGeom prst="rightArrow">
                     <a:avLst/>
@@ -6895,13 +7297,87 @@
             </p:grpSp>
             <p:sp>
               <p:nvSpPr>
-                <p:cNvPr id="125" name="Right Arrow 124"/>
+                <p:cNvPr id="126" name="Rounded Rectangle 125"/>
+                <p:cNvSpPr/>
+                <p:nvPr/>
+              </p:nvSpPr>
+              <p:spPr>
+                <a:xfrm>
+                  <a:off x="29223894" y="12605075"/>
+                  <a:ext cx="4627852" cy="1277308"/>
+                </a:xfrm>
+                <a:prstGeom prst="roundRect">
+                  <a:avLst/>
+                </a:prstGeom>
+                <a:solidFill>
+                  <a:schemeClr val="tx2">
+                    <a:lumMod val="20000"/>
+                    <a:lumOff val="80000"/>
+                  </a:schemeClr>
+                </a:solidFill>
+                <a:ln w="9525" cap="flat" cmpd="sng" algn="ctr">
+                  <a:solidFill>
+                    <a:srgbClr val="009966"/>
+                  </a:solidFill>
+                  <a:prstDash val="solid"/>
+                </a:ln>
+                <a:effectLst/>
+              </p:spPr>
+              <p:txBody>
+                <a:bodyPr rtlCol="0" anchor="ctr"/>
+                <a:lstStyle/>
+                <a:p>
+                  <a:pPr lvl="0" algn="ctr" defTabSz="914400">
+                    <a:defRPr/>
+                  </a:pPr>
+                  <a:r>
+                    <a:rPr lang="en-US" sz="3600" kern="0" dirty="0" smtClean="0">
+                      <a:solidFill>
+                        <a:sysClr val="windowText" lastClr="000000"/>
+                      </a:solidFill>
+                      <a:latin typeface="Gill Sans MT" charset="0"/>
+                      <a:ea typeface="Gill Sans MT" charset="0"/>
+                      <a:cs typeface="Gill Sans MT" charset="0"/>
+                    </a:rPr>
+                    <a:t>Reduces main and shadow </a:t>
+                  </a:r>
+                  <a:r>
+                    <a:rPr lang="en-US" sz="3600" b="1" kern="0" dirty="0">
+                      <a:solidFill>
+                        <a:srgbClr val="00B050"/>
+                      </a:solidFill>
+                      <a:latin typeface="Gill Sans MT" charset="0"/>
+                      <a:ea typeface="Gill Sans MT" charset="0"/>
+                      <a:cs typeface="Gill Sans MT" charset="0"/>
+                    </a:rPr>
+                    <a:t>distance </a:t>
+                  </a:r>
+                  <a:endParaRPr kumimoji="0" lang="en-US" sz="3600" b="1" i="0" u="none" strike="noStrike" kern="0" cap="none" spc="0" normalizeH="0" baseline="0" noProof="0" dirty="0">
+                    <a:ln>
+                      <a:noFill/>
+                    </a:ln>
+                    <a:solidFill>
+                      <a:srgbClr val="00B050"/>
+                    </a:solidFill>
+                    <a:effectLst/>
+                    <a:uLnTx/>
+                    <a:uFillTx/>
+                    <a:latin typeface="Gill Sans MT" charset="0"/>
+                    <a:ea typeface="Gill Sans MT" charset="0"/>
+                    <a:cs typeface="Gill Sans MT" charset="0"/>
+                  </a:endParaRPr>
+                </a:p>
+              </p:txBody>
+            </p:sp>
+            <p:sp>
+              <p:nvSpPr>
+                <p:cNvPr id="127" name="Right Arrow 126"/>
                 <p:cNvSpPr/>
                 <p:nvPr/>
               </p:nvSpPr>
               <p:spPr>
                 <a:xfrm rot="5400000">
-                  <a:off x="31022149" y="11782976"/>
+                  <a:off x="31790245" y="14020751"/>
                   <a:ext cx="913995" cy="720305"/>
                 </a:xfrm>
                 <a:prstGeom prst="rightArrow">
@@ -6954,17 +7430,19 @@
           </p:grpSp>
           <p:sp>
             <p:nvSpPr>
-              <p:cNvPr id="126" name="Rounded Rectangle 125"/>
+              <p:cNvPr id="55" name="Snip Single Corner Rectangle 54"/>
               <p:cNvSpPr/>
               <p:nvPr/>
             </p:nvSpPr>
             <p:spPr>
-              <a:xfrm>
-                <a:off x="29223894" y="12605075"/>
-                <a:ext cx="4627852" cy="1277308"/>
+              <a:xfrm rot="10800000">
+                <a:off x="30641780" y="14711271"/>
+                <a:ext cx="3152198" cy="2510746"/>
               </a:xfrm>
-              <a:prstGeom prst="roundRect">
-                <a:avLst/>
+              <a:prstGeom prst="snip1Rect">
+                <a:avLst>
+                  <a:gd name="adj" fmla="val 50000"/>
+                </a:avLst>
               </a:prstGeom>
               <a:solidFill>
                 <a:schemeClr val="tx2">
@@ -6972,108 +7450,51 @@
                   <a:lumOff val="80000"/>
                 </a:schemeClr>
               </a:solidFill>
-              <a:ln w="9525" cap="flat" cmpd="sng" algn="ctr">
+              <a:ln w="9525" cap="flat" cmpd="sng">
                 <a:solidFill>
                   <a:srgbClr val="009966"/>
                 </a:solidFill>
                 <a:prstDash val="solid"/>
+                <a:round/>
               </a:ln>
               <a:effectLst/>
             </p:spPr>
-            <p:txBody>
-              <a:bodyPr rtlCol="0" anchor="ctr"/>
-              <a:lstStyle/>
-              <a:p>
-                <a:pPr lvl="0" algn="ctr" defTabSz="914400">
-                  <a:defRPr/>
-                </a:pPr>
-                <a:r>
-                  <a:rPr lang="en-US" sz="3600" kern="0" dirty="0" smtClean="0">
-                    <a:solidFill>
-                      <a:sysClr val="windowText" lastClr="000000"/>
-                    </a:solidFill>
-                    <a:latin typeface="Gill Sans MT" charset="0"/>
-                    <a:ea typeface="Gill Sans MT" charset="0"/>
-                    <a:cs typeface="Gill Sans MT" charset="0"/>
-                  </a:rPr>
-                  <a:t>Reduces main and shadow </a:t>
-                </a:r>
-                <a:r>
-                  <a:rPr lang="en-US" sz="3600" b="1" kern="0" dirty="0">
-                    <a:solidFill>
-                      <a:srgbClr val="00B050"/>
-                    </a:solidFill>
-                    <a:latin typeface="Gill Sans MT" charset="0"/>
-                    <a:ea typeface="Gill Sans MT" charset="0"/>
-                    <a:cs typeface="Gill Sans MT" charset="0"/>
-                  </a:rPr>
-                  <a:t>distance </a:t>
-                </a:r>
-                <a:endParaRPr kumimoji="0" lang="en-US" sz="3600" b="1" i="0" u="none" strike="noStrike" kern="0" cap="none" spc="0" normalizeH="0" baseline="0" noProof="0" dirty="0">
-                  <a:ln>
-                    <a:noFill/>
-                  </a:ln>
-                  <a:solidFill>
-                    <a:srgbClr val="00B050"/>
-                  </a:solidFill>
-                  <a:effectLst/>
-                  <a:uLnTx/>
-                  <a:uFillTx/>
-                  <a:latin typeface="Gill Sans MT" charset="0"/>
-                  <a:ea typeface="Gill Sans MT" charset="0"/>
-                  <a:cs typeface="Gill Sans MT" charset="0"/>
-                </a:endParaRPr>
-              </a:p>
-            </p:txBody>
-          </p:sp>
-          <p:sp>
-            <p:nvSpPr>
-              <p:cNvPr id="127" name="Right Arrow 126"/>
-              <p:cNvSpPr/>
-              <p:nvPr/>
-            </p:nvSpPr>
-            <p:spPr>
-              <a:xfrm rot="5400000">
-                <a:off x="31790245" y="14020751"/>
-                <a:ext cx="913995" cy="720305"/>
-              </a:xfrm>
-              <a:prstGeom prst="rightArrow">
-                <a:avLst/>
-              </a:prstGeom>
-              <a:solidFill>
-                <a:schemeClr val="accent6">
-                  <a:lumMod val="60000"/>
-                  <a:lumOff val="40000"/>
-                </a:schemeClr>
-              </a:solidFill>
-              <a:ln/>
-            </p:spPr>
             <p:style>
-              <a:lnRef idx="2">
-                <a:schemeClr val="accent2">
-                  <a:shade val="50000"/>
-                </a:schemeClr>
+              <a:lnRef idx="1">
+                <a:schemeClr val="accent1"/>
               </a:lnRef>
-              <a:fillRef idx="1">
-                <a:schemeClr val="accent2"/>
+              <a:fillRef idx="3">
+                <a:schemeClr val="accent1"/>
               </a:fillRef>
-              <a:effectRef idx="0">
-                <a:schemeClr val="accent2"/>
+              <a:effectRef idx="2">
+                <a:schemeClr val="accent1"/>
               </a:effectRef>
               <a:fontRef idx="minor">
                 <a:schemeClr val="lt1"/>
               </a:fontRef>
             </p:style>
             <p:txBody>
-              <a:bodyPr rtlCol="0" anchor="ctr"/>
+              <a:bodyPr vert="horz" rtlCol="0" anchor="ctr"/>
               <a:lstStyle/>
               <a:p>
-                <a:pPr marL="571500" indent="-571500" algn="ctr" defTabSz="914400">
+                <a:pPr marL="571500" marR="0" lvl="0" indent="-571500" algn="ctr" defTabSz="914400" eaLnBrk="1" fontAlgn="auto" latinLnBrk="0" hangingPunct="1">
+                  <a:lnSpc>
+                    <a:spcPct val="100000"/>
+                  </a:lnSpc>
+                  <a:spcBef>
+                    <a:spcPts val="0"/>
+                  </a:spcBef>
+                  <a:spcAft>
+                    <a:spcPts val="0"/>
+                  </a:spcAft>
                   <a:buClr>
                     <a:srgbClr val="F07F09"/>
                   </a:buClr>
+                  <a:buSzTx/>
                   <a:buFont typeface="Courier New"/>
-                  <a:buChar char="o"/>
+                  <a:buNone/>
+                  <a:tabLst/>
+                  <a:defRPr/>
                 </a:pPr>
                 <a:endParaRPr lang="en-US" sz="4000" dirty="0" smtClean="0">
                   <a:solidFill>
@@ -7087,163 +7508,97 @@
         </p:grpSp>
         <p:sp>
           <p:nvSpPr>
-            <p:cNvPr id="55" name="Snip Single Corner Rectangle 54"/>
-            <p:cNvSpPr/>
+            <p:cNvPr id="58" name="TextBox 57"/>
+            <p:cNvSpPr txBox="1"/>
             <p:nvPr/>
           </p:nvSpPr>
           <p:spPr>
-            <a:xfrm rot="10800000">
-              <a:off x="30641780" y="14750318"/>
-              <a:ext cx="3152198" cy="2510746"/>
+            <a:xfrm>
+              <a:off x="31289732" y="15182138"/>
+              <a:ext cx="2419252" cy="2308324"/>
             </a:xfrm>
-            <a:prstGeom prst="snip1Rect">
-              <a:avLst>
-                <a:gd name="adj" fmla="val 50000"/>
-              </a:avLst>
+            <a:prstGeom prst="rect">
+              <a:avLst/>
             </a:prstGeom>
-            <a:solidFill>
-              <a:schemeClr val="tx2">
-                <a:lumMod val="20000"/>
-                <a:lumOff val="80000"/>
-              </a:schemeClr>
-            </a:solidFill>
-            <a:ln w="50800" cap="flat" cmpd="sng">
-              <a:solidFill>
-                <a:srgbClr val="009966"/>
-              </a:solidFill>
-              <a:prstDash val="solid"/>
-              <a:round/>
-            </a:ln>
-            <a:effectLst/>
+            <a:noFill/>
           </p:spPr>
-          <p:style>
-            <a:lnRef idx="1">
-              <a:schemeClr val="accent1"/>
-            </a:lnRef>
-            <a:fillRef idx="3">
-              <a:schemeClr val="accent1"/>
-            </a:fillRef>
-            <a:effectRef idx="2">
-              <a:schemeClr val="accent1"/>
-            </a:effectRef>
-            <a:fontRef idx="minor">
-              <a:schemeClr val="lt1"/>
-            </a:fontRef>
-          </p:style>
           <p:txBody>
-            <a:bodyPr vert="horz" rtlCol="0" anchor="ctr"/>
+            <a:bodyPr wrap="none" rtlCol="0">
+              <a:spAutoFit/>
+            </a:bodyPr>
             <a:lstStyle/>
             <a:p>
-              <a:pPr marL="571500" marR="0" lvl="0" indent="-571500" algn="ctr" defTabSz="914400" eaLnBrk="1" fontAlgn="auto" latinLnBrk="0" hangingPunct="1">
-                <a:lnSpc>
-                  <a:spcPct val="100000"/>
-                </a:lnSpc>
-                <a:spcBef>
-                  <a:spcPts val="0"/>
-                </a:spcBef>
-                <a:spcAft>
-                  <a:spcPts val="0"/>
-                </a:spcAft>
-                <a:buClr>
-                  <a:srgbClr val="F07F09"/>
-                </a:buClr>
-                <a:buSzTx/>
-                <a:buFont typeface="Courier New"/>
-                <a:buNone/>
-                <a:tabLst/>
-                <a:defRPr/>
-              </a:pPr>
-              <a:endParaRPr lang="en-US" sz="4000" dirty="0" smtClean="0">
-                <a:solidFill>
-                  <a:sysClr val="windowText" lastClr="000000"/>
-                </a:solidFill>
-                <a:latin typeface="Gill Sans MT"/>
+              <a:pPr algn="r"/>
+              <a:r>
+                <a:rPr lang="en-US" sz="3600" dirty="0" smtClean="0">
+                  <a:latin typeface="Gill Sans MT" charset="0"/>
+                  <a:ea typeface="Gill Sans MT" charset="0"/>
+                  <a:cs typeface="Gill Sans MT" charset="0"/>
+                </a:rPr>
+                <a:t>Minimizes  </a:t>
+              </a:r>
+            </a:p>
+            <a:p>
+              <a:pPr algn="r"/>
+              <a:r>
+                <a:rPr lang="en-US" sz="3600" dirty="0" smtClean="0">
+                  <a:latin typeface="Gill Sans MT" charset="0"/>
+                  <a:ea typeface="Gill Sans MT" charset="0"/>
+                  <a:cs typeface="Gill Sans MT" charset="0"/>
+                </a:rPr>
+                <a:t>subsequent </a:t>
+              </a:r>
+            </a:p>
+            <a:p>
+              <a:pPr algn="r"/>
+              <a:r>
+                <a:rPr lang="en-US" sz="3600" b="1" dirty="0" smtClean="0">
+                  <a:solidFill>
+                    <a:srgbClr val="00B050"/>
+                  </a:solidFill>
+                  <a:latin typeface="Gill Sans MT" charset="0"/>
+                  <a:ea typeface="Gill Sans MT" charset="0"/>
+                  <a:cs typeface="Gill Sans MT" charset="0"/>
+                </a:rPr>
+                <a:t>recovery </a:t>
+              </a:r>
+            </a:p>
+            <a:p>
+              <a:pPr algn="r"/>
+              <a:r>
+                <a:rPr lang="en-US" sz="3600" b="1" dirty="0">
+                  <a:solidFill>
+                    <a:srgbClr val="00B050"/>
+                  </a:solidFill>
+                  <a:latin typeface="Gill Sans MT" charset="0"/>
+                  <a:ea typeface="Gill Sans MT" charset="0"/>
+                  <a:cs typeface="Gill Sans MT" charset="0"/>
+                </a:rPr>
+                <a:t>t</a:t>
+              </a:r>
+              <a:r>
+                <a:rPr lang="en-US" sz="3600" b="1" dirty="0" smtClean="0">
+                  <a:solidFill>
+                    <a:srgbClr val="00B050"/>
+                  </a:solidFill>
+                  <a:latin typeface="Gill Sans MT" charset="0"/>
+                  <a:ea typeface="Gill Sans MT" charset="0"/>
+                  <a:cs typeface="Gill Sans MT" charset="0"/>
+                </a:rPr>
+                <a:t>ime </a:t>
+              </a:r>
+              <a:endParaRPr lang="en-US" sz="3600" b="1" dirty="0">
+                <a:solidFill>
+                  <a:srgbClr val="00B050"/>
+                </a:solidFill>
+                <a:latin typeface="Gill Sans MT" charset="0"/>
+                <a:ea typeface="Gill Sans MT" charset="0"/>
+                <a:cs typeface="Gill Sans MT" charset="0"/>
               </a:endParaRPr>
             </a:p>
           </p:txBody>
         </p:sp>
       </p:grpSp>
-      <p:sp>
-        <p:nvSpPr>
-          <p:cNvPr id="58" name="TextBox 57"/>
-          <p:cNvSpPr txBox="1"/>
-          <p:nvPr/>
-        </p:nvSpPr>
-        <p:spPr>
-          <a:xfrm>
-            <a:off x="31042870" y="14926106"/>
-            <a:ext cx="2666114" cy="2554545"/>
-          </a:xfrm>
-          <a:prstGeom prst="rect">
-            <a:avLst/>
-          </a:prstGeom>
-          <a:noFill/>
-        </p:spPr>
-        <p:txBody>
-          <a:bodyPr wrap="none" rtlCol="0">
-            <a:spAutoFit/>
-          </a:bodyPr>
-          <a:lstStyle/>
-          <a:p>
-            <a:pPr algn="r"/>
-            <a:r>
-              <a:rPr lang="en-US" sz="4000" dirty="0" smtClean="0">
-                <a:latin typeface="Gill Sans MT" charset="0"/>
-                <a:ea typeface="Gill Sans MT" charset="0"/>
-                <a:cs typeface="Gill Sans MT" charset="0"/>
-              </a:rPr>
-              <a:t>Minimizes  </a:t>
-            </a:r>
-          </a:p>
-          <a:p>
-            <a:pPr algn="r"/>
-            <a:r>
-              <a:rPr lang="en-US" sz="4000" dirty="0" smtClean="0">
-                <a:latin typeface="Gill Sans MT" charset="0"/>
-                <a:ea typeface="Gill Sans MT" charset="0"/>
-                <a:cs typeface="Gill Sans MT" charset="0"/>
-              </a:rPr>
-              <a:t>subsequent </a:t>
-            </a:r>
-          </a:p>
-          <a:p>
-            <a:pPr algn="r"/>
-            <a:r>
-              <a:rPr lang="en-US" sz="4000" b="1" dirty="0" smtClean="0">
-                <a:solidFill>
-                  <a:srgbClr val="00B050"/>
-                </a:solidFill>
-                <a:latin typeface="Gill Sans MT" charset="0"/>
-                <a:ea typeface="Gill Sans MT" charset="0"/>
-                <a:cs typeface="Gill Sans MT" charset="0"/>
-              </a:rPr>
-              <a:t>recovery </a:t>
-            </a:r>
-          </a:p>
-          <a:p>
-            <a:pPr algn="r"/>
-            <a:r>
-              <a:rPr lang="en-US" sz="4000" b="1" dirty="0" smtClean="0">
-                <a:solidFill>
-                  <a:srgbClr val="00B050"/>
-                </a:solidFill>
-                <a:latin typeface="Gill Sans MT" charset="0"/>
-                <a:ea typeface="Gill Sans MT" charset="0"/>
-                <a:cs typeface="Gill Sans MT" charset="0"/>
-              </a:rPr>
-              <a:t>time</a:t>
-            </a:r>
-            <a:endParaRPr lang="en-US" sz="4000" b="1" dirty="0">
-              <a:solidFill>
-                <a:srgbClr val="00B050"/>
-              </a:solidFill>
-              <a:latin typeface="Gill Sans MT" charset="0"/>
-              <a:ea typeface="Gill Sans MT" charset="0"/>
-              <a:cs typeface="Gill Sans MT" charset="0"/>
-            </a:endParaRPr>
-          </a:p>
-        </p:txBody>
-      </p:sp>
       <p:pic>
         <p:nvPicPr>
           <p:cNvPr id="60" name="Picture 59"/>
@@ -7253,7 +7608,7 @@
           <p:nvPr/>
         </p:nvPicPr>
         <p:blipFill>
-          <a:blip r:embed="rId11">
+          <a:blip r:embed="rId10">
             <a:extLst>
               <a:ext uri="{28A0092B-C50C-407E-A947-70E740481C1C}">
                 <a14:useLocalDpi xmlns:a14="http://schemas.microsoft.com/office/drawing/2010/main" val="0"/>
@@ -7283,7 +7638,7 @@
           <p:nvPr/>
         </p:nvPicPr>
         <p:blipFill>
-          <a:blip r:embed="rId12">
+          <a:blip r:embed="rId11">
             <a:extLst>
               <a:ext uri="{28A0092B-C50C-407E-A947-70E740481C1C}">
                 <a14:useLocalDpi xmlns:a14="http://schemas.microsoft.com/office/drawing/2010/main" val="0"/>
@@ -8358,331 +8713,39 @@
           </p:txBody>
         </p:sp>
       </p:grpSp>
-      <p:sp>
-        <p:nvSpPr>
-          <p:cNvPr id="156" name="Rounded Rectangle 155"/>
-          <p:cNvSpPr/>
-          <p:nvPr/>
-        </p:nvSpPr>
-        <p:spPr>
-          <a:xfrm>
-            <a:off x="15485117" y="13105995"/>
-            <a:ext cx="12464871" cy="1217259"/>
-          </a:xfrm>
-          <a:prstGeom prst="roundRect">
-            <a:avLst/>
-          </a:prstGeom>
-          <a:solidFill>
-            <a:schemeClr val="bg1">
-              <a:lumMod val="95000"/>
-            </a:schemeClr>
-          </a:solidFill>
-          <a:ln w="9525" cap="flat" cmpd="sng" algn="ctr">
-            <a:solidFill>
-              <a:schemeClr val="bg1">
-                <a:lumMod val="50000"/>
-              </a:schemeClr>
-            </a:solidFill>
-            <a:prstDash val="solid"/>
-          </a:ln>
-          <a:effectLst/>
-        </p:spPr>
-        <p:txBody>
-          <a:bodyPr rtlCol="0" anchor="ctr"/>
-          <a:lstStyle/>
-          <a:p>
-            <a:pPr marL="0" marR="0" lvl="0" indent="0" algn="ctr" defTabSz="914400" eaLnBrk="1" fontAlgn="auto" latinLnBrk="0" hangingPunct="1">
-              <a:lnSpc>
-                <a:spcPct val="100000"/>
-              </a:lnSpc>
-              <a:spcBef>
-                <a:spcPts val="0"/>
-              </a:spcBef>
-              <a:spcAft>
-                <a:spcPts val="0"/>
-              </a:spcAft>
-              <a:buClrTx/>
-              <a:buSzTx/>
-              <a:buFontTx/>
-              <a:buNone/>
-              <a:tabLst/>
-              <a:defRPr/>
-            </a:pPr>
-            <a:r>
-              <a:rPr kumimoji="0" lang="en-US" altLang="zh-CN" sz="3600" b="1" i="0" u="none" strike="noStrike" kern="0" cap="none" spc="0" normalizeH="0" baseline="0" noProof="0" dirty="0" smtClean="0">
-                <a:ln>
-                  <a:noFill/>
-                </a:ln>
-                <a:solidFill>
-                  <a:sysClr val="windowText" lastClr="000000"/>
-                </a:solidFill>
-                <a:effectLst/>
-                <a:uLnTx/>
-                <a:uFillTx/>
-                <a:latin typeface="Gill Sans MT" charset="0"/>
-                <a:ea typeface="Gill Sans MT" charset="0"/>
-                <a:cs typeface="Gill Sans MT" charset="0"/>
-              </a:rPr>
-              <a:t>Collocation</a:t>
-            </a:r>
-            <a:r>
-              <a:rPr kumimoji="0" lang="zh-CN" altLang="en-US" sz="3600" b="1" i="0" u="none" strike="noStrike" kern="0" cap="none" spc="0" normalizeH="0" noProof="0" dirty="0" smtClean="0">
-                <a:ln>
-                  <a:noFill/>
-                </a:ln>
-                <a:solidFill>
-                  <a:sysClr val="windowText" lastClr="000000"/>
-                </a:solidFill>
-                <a:effectLst/>
-                <a:uLnTx/>
-                <a:uFillTx/>
-                <a:latin typeface="Gill Sans MT" charset="0"/>
-                <a:ea typeface="Gill Sans MT" charset="0"/>
-                <a:cs typeface="Gill Sans MT" charset="0"/>
-              </a:rPr>
-              <a:t> </a:t>
-            </a:r>
-            <a:r>
-              <a:rPr kumimoji="0" lang="en-US" altLang="zh-CN" sz="3600" b="1" i="0" u="none" strike="noStrike" kern="0" cap="none" spc="0" normalizeH="0" noProof="0" dirty="0" smtClean="0">
-                <a:ln>
-                  <a:noFill/>
-                </a:ln>
-                <a:solidFill>
-                  <a:sysClr val="windowText" lastClr="000000"/>
-                </a:solidFill>
-                <a:effectLst/>
-                <a:uLnTx/>
-                <a:uFillTx/>
-                <a:latin typeface="Gill Sans MT" charset="0"/>
-                <a:ea typeface="Gill Sans MT" charset="0"/>
-                <a:cs typeface="Gill Sans MT" charset="0"/>
-              </a:rPr>
-              <a:t>ratio</a:t>
-            </a:r>
-            <a:r>
-              <a:rPr kumimoji="0" lang="zh-CN" altLang="en-US" sz="3600" b="1" i="0" u="none" strike="noStrike" kern="0" cap="none" spc="0" normalizeH="0" noProof="0" dirty="0" smtClean="0">
-                <a:ln>
-                  <a:noFill/>
-                </a:ln>
-                <a:solidFill>
-                  <a:sysClr val="windowText" lastClr="000000"/>
-                </a:solidFill>
-                <a:effectLst/>
-                <a:uLnTx/>
-                <a:uFillTx/>
-                <a:latin typeface="Gill Sans MT" charset="0"/>
-                <a:ea typeface="Gill Sans MT" charset="0"/>
-                <a:cs typeface="Gill Sans MT" charset="0"/>
-              </a:rPr>
-              <a:t> </a:t>
-            </a:r>
-            <a:r>
-              <a:rPr kumimoji="0" lang="en-US" altLang="zh-CN" sz="3600" b="0" i="0" u="none" strike="noStrike" kern="0" cap="none" spc="0" normalizeH="0" noProof="0" dirty="0" smtClean="0">
-                <a:ln>
-                  <a:noFill/>
-                </a:ln>
-                <a:solidFill>
-                  <a:sysClr val="windowText" lastClr="000000"/>
-                </a:solidFill>
-                <a:effectLst/>
-                <a:uLnTx/>
-                <a:uFillTx/>
-                <a:latin typeface="Gill Sans MT" charset="0"/>
-                <a:ea typeface="Gill Sans MT" charset="0"/>
-                <a:cs typeface="Gill Sans MT" charset="0"/>
-              </a:rPr>
-              <a:t>controls</a:t>
-            </a:r>
-            <a:r>
-              <a:rPr kumimoji="0" lang="zh-CN" altLang="en-US" sz="3600" b="0" i="0" u="none" strike="noStrike" kern="0" cap="none" spc="0" normalizeH="0" noProof="0" dirty="0" smtClean="0">
-                <a:ln>
-                  <a:noFill/>
-                </a:ln>
-                <a:solidFill>
-                  <a:sysClr val="windowText" lastClr="000000"/>
-                </a:solidFill>
-                <a:effectLst/>
-                <a:uLnTx/>
-                <a:uFillTx/>
-                <a:latin typeface="Gill Sans MT" charset="0"/>
-                <a:ea typeface="Gill Sans MT" charset="0"/>
-                <a:cs typeface="Gill Sans MT" charset="0"/>
-              </a:rPr>
-              <a:t> </a:t>
-            </a:r>
-            <a:r>
-              <a:rPr kumimoji="0" lang="en-US" altLang="zh-CN" sz="3600" b="0" i="0" u="none" strike="noStrike" kern="0" cap="none" spc="0" normalizeH="0" noProof="0" dirty="0" smtClean="0">
-                <a:ln>
-                  <a:noFill/>
-                </a:ln>
-                <a:solidFill>
-                  <a:sysClr val="windowText" lastClr="000000"/>
-                </a:solidFill>
-                <a:effectLst/>
-                <a:uLnTx/>
-                <a:uFillTx/>
-                <a:latin typeface="Gill Sans MT" charset="0"/>
-                <a:ea typeface="Gill Sans MT" charset="0"/>
-                <a:cs typeface="Gill Sans MT" charset="0"/>
-              </a:rPr>
-              <a:t>the</a:t>
-            </a:r>
-            <a:r>
-              <a:rPr kumimoji="0" lang="zh-CN" altLang="en-US" sz="3600" b="0" i="0" u="none" strike="noStrike" kern="0" cap="none" spc="0" normalizeH="0" noProof="0" dirty="0" smtClean="0">
-                <a:ln>
-                  <a:noFill/>
-                </a:ln>
-                <a:solidFill>
-                  <a:sysClr val="windowText" lastClr="000000"/>
-                </a:solidFill>
-                <a:effectLst/>
-                <a:uLnTx/>
-                <a:uFillTx/>
-                <a:latin typeface="Gill Sans MT" charset="0"/>
-                <a:ea typeface="Gill Sans MT" charset="0"/>
-                <a:cs typeface="Gill Sans MT" charset="0"/>
-              </a:rPr>
-              <a:t> </a:t>
-            </a:r>
-            <a:r>
-              <a:rPr kumimoji="0" lang="en-US" altLang="zh-CN" sz="3600" b="0" i="0" u="none" strike="noStrike" kern="0" cap="none" spc="0" normalizeH="0" noProof="0" dirty="0" smtClean="0">
-                <a:ln>
-                  <a:noFill/>
-                </a:ln>
-                <a:solidFill>
-                  <a:sysClr val="windowText" lastClr="000000"/>
-                </a:solidFill>
-                <a:effectLst/>
-                <a:uLnTx/>
-                <a:uFillTx/>
-                <a:latin typeface="Gill Sans MT" charset="0"/>
-                <a:ea typeface="Gill Sans MT" charset="0"/>
-                <a:cs typeface="Gill Sans MT" charset="0"/>
-              </a:rPr>
-              <a:t>number</a:t>
-            </a:r>
-            <a:r>
-              <a:rPr kumimoji="0" lang="zh-CN" altLang="en-US" sz="3600" b="0" i="0" u="none" strike="noStrike" kern="0" cap="none" spc="0" normalizeH="0" noProof="0" dirty="0" smtClean="0">
-                <a:ln>
-                  <a:noFill/>
-                </a:ln>
-                <a:solidFill>
-                  <a:sysClr val="windowText" lastClr="000000"/>
-                </a:solidFill>
-                <a:effectLst/>
-                <a:uLnTx/>
-                <a:uFillTx/>
-                <a:latin typeface="Gill Sans MT" charset="0"/>
-                <a:ea typeface="Gill Sans MT" charset="0"/>
-                <a:cs typeface="Gill Sans MT" charset="0"/>
-              </a:rPr>
-              <a:t> </a:t>
-            </a:r>
-            <a:r>
-              <a:rPr kumimoji="0" lang="en-US" altLang="zh-CN" sz="3600" b="0" i="0" u="none" strike="noStrike" kern="0" cap="none" spc="0" normalizeH="0" noProof="0" dirty="0" smtClean="0">
-                <a:ln>
-                  <a:noFill/>
-                </a:ln>
-                <a:solidFill>
-                  <a:sysClr val="windowText" lastClr="000000"/>
-                </a:solidFill>
-                <a:effectLst/>
-                <a:uLnTx/>
-                <a:uFillTx/>
-                <a:latin typeface="Gill Sans MT" charset="0"/>
-                <a:ea typeface="Gill Sans MT" charset="0"/>
-                <a:cs typeface="Gill Sans MT" charset="0"/>
-              </a:rPr>
-              <a:t>of</a:t>
-            </a:r>
-            <a:r>
-              <a:rPr kumimoji="0" lang="zh-CN" altLang="en-US" sz="3600" b="0" i="0" u="none" strike="noStrike" kern="0" cap="none" spc="0" normalizeH="0" noProof="0" dirty="0" smtClean="0">
-                <a:ln>
-                  <a:noFill/>
-                </a:ln>
-                <a:solidFill>
-                  <a:sysClr val="windowText" lastClr="000000"/>
-                </a:solidFill>
-                <a:effectLst/>
-                <a:uLnTx/>
-                <a:uFillTx/>
-                <a:latin typeface="Gill Sans MT" charset="0"/>
-                <a:ea typeface="Gill Sans MT" charset="0"/>
-                <a:cs typeface="Gill Sans MT" charset="0"/>
-              </a:rPr>
-              <a:t> </a:t>
-            </a:r>
-            <a:r>
-              <a:rPr kumimoji="0" lang="en-US" altLang="zh-CN" sz="3600" b="0" i="0" u="none" strike="noStrike" kern="0" cap="none" spc="0" normalizeH="0" noProof="0" dirty="0" smtClean="0">
-                <a:ln>
-                  <a:noFill/>
-                </a:ln>
-                <a:solidFill>
-                  <a:sysClr val="windowText" lastClr="000000"/>
-                </a:solidFill>
-                <a:effectLst/>
-                <a:uLnTx/>
-                <a:uFillTx/>
-                <a:latin typeface="Gill Sans MT" charset="0"/>
-                <a:ea typeface="Gill Sans MT" charset="0"/>
-                <a:cs typeface="Gill Sans MT" charset="0"/>
-              </a:rPr>
-              <a:t>shadows</a:t>
-            </a:r>
-            <a:r>
-              <a:rPr kumimoji="0" lang="zh-CN" altLang="en-US" sz="3600" b="0" i="0" u="none" strike="noStrike" kern="0" cap="none" spc="0" normalizeH="0" noProof="0" dirty="0" smtClean="0">
-                <a:ln>
-                  <a:noFill/>
-                </a:ln>
-                <a:solidFill>
-                  <a:sysClr val="windowText" lastClr="000000"/>
-                </a:solidFill>
-                <a:effectLst/>
-                <a:uLnTx/>
-                <a:uFillTx/>
-                <a:latin typeface="Gill Sans MT" charset="0"/>
-                <a:ea typeface="Gill Sans MT" charset="0"/>
-                <a:cs typeface="Gill Sans MT" charset="0"/>
-              </a:rPr>
-              <a:t> </a:t>
-            </a:r>
-            <a:r>
-              <a:rPr kumimoji="0" lang="en-US" altLang="zh-CN" sz="3600" b="0" i="0" u="none" strike="noStrike" kern="0" cap="none" spc="0" normalizeH="0" noProof="0" dirty="0" smtClean="0">
-                <a:ln>
-                  <a:noFill/>
-                </a:ln>
-                <a:solidFill>
-                  <a:sysClr val="windowText" lastClr="000000"/>
-                </a:solidFill>
-                <a:effectLst/>
-                <a:uLnTx/>
-                <a:uFillTx/>
-                <a:latin typeface="Gill Sans MT" charset="0"/>
-                <a:ea typeface="Gill Sans MT" charset="0"/>
-                <a:cs typeface="Gill Sans MT" charset="0"/>
-              </a:rPr>
-              <a:t>collocated</a:t>
-            </a:r>
-            <a:endParaRPr kumimoji="0" lang="en-US" sz="3600" b="0" i="0" u="none" strike="noStrike" kern="0" cap="none" spc="0" normalizeH="0" baseline="0" noProof="0" dirty="0">
-              <a:ln>
-                <a:noFill/>
-              </a:ln>
-              <a:solidFill>
-                <a:sysClr val="windowText" lastClr="000000"/>
-              </a:solidFill>
-              <a:effectLst/>
-              <a:uLnTx/>
-              <a:uFillTx/>
-              <a:latin typeface="Gill Sans MT" charset="0"/>
-              <a:ea typeface="Gill Sans MT" charset="0"/>
-              <a:cs typeface="Gill Sans MT" charset="0"/>
-            </a:endParaRPr>
-          </a:p>
-        </p:txBody>
-      </p:sp>
       <p:pic>
         <p:nvPicPr>
           <p:cNvPr id="3" name="Picture 2"/>
+          <p:cNvPicPr>
+            <a:picLocks noChangeAspect="1"/>
+          </p:cNvPicPr>
+          <p:nvPr/>
+        </p:nvPicPr>
+        <p:blipFill>
+          <a:blip r:embed="rId12">
+            <a:extLst>
+              <a:ext uri="{28A0092B-C50C-407E-A947-70E740481C1C}">
+                <a14:useLocalDpi xmlns:a14="http://schemas.microsoft.com/office/drawing/2010/main" val="0"/>
+              </a:ext>
+            </a:extLst>
+          </a:blip>
+          <a:stretch>
+            <a:fillRect/>
+          </a:stretch>
+        </p:blipFill>
+        <p:spPr>
+          <a:xfrm>
+            <a:off x="15376032" y="8929393"/>
+            <a:ext cx="12706616" cy="5456225"/>
+          </a:xfrm>
+          <a:prstGeom prst="rect">
+            <a:avLst/>
+          </a:prstGeom>
+        </p:spPr>
+      </p:pic>
+      <p:pic>
+        <p:nvPicPr>
+          <p:cNvPr id="5" name="Picture 4"/>
           <p:cNvPicPr>
             <a:picLocks noChangeAspect="1"/>
           </p:cNvPicPr>
@@ -8702,8 +8765,68 @@
         </p:blipFill>
         <p:spPr>
           <a:xfrm>
-            <a:off x="15903638" y="7935453"/>
-            <a:ext cx="11616330" cy="4988056"/>
+            <a:off x="1130519" y="7331520"/>
+            <a:ext cx="13389212" cy="6412609"/>
+          </a:xfrm>
+          <a:prstGeom prst="rect">
+            <a:avLst/>
+          </a:prstGeom>
+        </p:spPr>
+      </p:pic>
+      <p:pic>
+        <p:nvPicPr>
+          <p:cNvPr id="51" name="Picture 50"/>
+          <p:cNvPicPr>
+            <a:picLocks noChangeAspect="1"/>
+          </p:cNvPicPr>
+          <p:nvPr/>
+        </p:nvPicPr>
+        <p:blipFill>
+          <a:blip r:embed="rId14">
+            <a:extLst>
+              <a:ext uri="{28A0092B-C50C-407E-A947-70E740481C1C}">
+                <a14:useLocalDpi xmlns:a14="http://schemas.microsoft.com/office/drawing/2010/main" val="0"/>
+              </a:ext>
+            </a:extLst>
+          </a:blip>
+          <a:stretch>
+            <a:fillRect/>
+          </a:stretch>
+        </p:blipFill>
+        <p:spPr>
+          <a:xfrm>
+            <a:off x="34420101" y="8679167"/>
+            <a:ext cx="8093332" cy="4174938"/>
+          </a:xfrm>
+          <a:prstGeom prst="rect">
+            <a:avLst/>
+          </a:prstGeom>
+        </p:spPr>
+      </p:pic>
+      <p:pic>
+        <p:nvPicPr>
+          <p:cNvPr id="8" name="Picture 7"/>
+          <p:cNvPicPr>
+            <a:picLocks noChangeAspect="1"/>
+          </p:cNvPicPr>
+          <p:nvPr/>
+        </p:nvPicPr>
+        <p:blipFill>
+          <a:blip r:embed="rId15">
+            <a:extLst>
+              <a:ext uri="{28A0092B-C50C-407E-A947-70E740481C1C}">
+                <a14:useLocalDpi xmlns:a14="http://schemas.microsoft.com/office/drawing/2010/main" val="0"/>
+              </a:ext>
+            </a:extLst>
+          </a:blip>
+          <a:stretch>
+            <a:fillRect/>
+          </a:stretch>
+        </p:blipFill>
+        <p:spPr>
+          <a:xfrm>
+            <a:off x="336693" y="2624764"/>
+            <a:ext cx="4750268" cy="2398885"/>
           </a:xfrm>
           <a:prstGeom prst="rect">
             <a:avLst/>

--- a/cs_day_poster_2016/LS.pptx
+++ b/cs_day_poster_2016/LS.pptx
@@ -13,8 +13,8 @@
   <p:sldIdLst>
     <p:sldId id="256" r:id="rId2"/>
   </p:sldIdLst>
-  <p:sldSz cx="43891200" cy="32918400"/>
-  <p:notesSz cx="6858000" cy="9144000"/>
+  <p:sldSz cx="36576000" cy="32918400"/>
+  <p:notesSz cx="9144000" cy="6858000"/>
   <p:defaultTextStyle>
     <a:defPPr>
       <a:defRPr lang="en-US"/>
@@ -113,12 +113,12 @@
   <p:extLst>
     <p:ext uri="{EFAFB233-063F-42B5-8137-9DF3F51BA10A}">
       <p15:sldGuideLst xmlns:p15="http://schemas.microsoft.com/office/powerpoint/2012/main">
-        <p15:guide id="1" orient="horz" pos="10368">
+        <p15:guide id="1" orient="horz" pos="20184" userDrawn="1">
           <p15:clr>
             <a:srgbClr val="A4A3A4"/>
           </p15:clr>
         </p15:guide>
-        <p15:guide id="2" pos="13824">
+        <p15:guide id="2" pos="15408" userDrawn="1">
           <p15:clr>
             <a:srgbClr val="A4A3A4"/>
           </p15:clr>
@@ -164,7 +164,7 @@
         <p:spPr>
           <a:xfrm>
             <a:off x="0" y="0"/>
-            <a:ext cx="2971800" cy="457200"/>
+            <a:ext cx="3962400" cy="342900"/>
           </a:xfrm>
           <a:prstGeom prst="rect">
             <a:avLst/>
@@ -194,8 +194,8 @@
         </p:nvSpPr>
         <p:spPr>
           <a:xfrm>
-            <a:off x="3884613" y="0"/>
-            <a:ext cx="2971800" cy="457200"/>
+            <a:off x="5179484" y="0"/>
+            <a:ext cx="3962400" cy="342900"/>
           </a:xfrm>
           <a:prstGeom prst="rect">
             <a:avLst/>
@@ -211,7 +211,7 @@
           <a:p>
             <a:fld id="{2B47378C-A678-CA45-9706-151C76D086D1}" type="datetime1">
               <a:rPr lang="en-US" smtClean="0"/>
-              <a:t>3/8/16</a:t>
+              <a:t>3/9/16</a:t>
             </a:fld>
             <a:endParaRPr lang="en-US"/>
           </a:p>
@@ -229,8 +229,8 @@
         </p:nvSpPr>
         <p:spPr>
           <a:xfrm>
-            <a:off x="0" y="8685213"/>
-            <a:ext cx="2971800" cy="457200"/>
+            <a:off x="0" y="6513910"/>
+            <a:ext cx="3962400" cy="342900"/>
           </a:xfrm>
           <a:prstGeom prst="rect">
             <a:avLst/>
@@ -260,8 +260,8 @@
         </p:nvSpPr>
         <p:spPr>
           <a:xfrm>
-            <a:off x="3884613" y="8685213"/>
-            <a:ext cx="2971800" cy="457200"/>
+            <a:off x="5179484" y="6513910"/>
+            <a:ext cx="3962400" cy="342900"/>
           </a:xfrm>
           <a:prstGeom prst="rect">
             <a:avLst/>
@@ -330,7 +330,7 @@
         <p:spPr>
           <a:xfrm>
             <a:off x="0" y="0"/>
-            <a:ext cx="2971800" cy="457200"/>
+            <a:ext cx="3962400" cy="342900"/>
           </a:xfrm>
           <a:prstGeom prst="rect">
             <a:avLst/>
@@ -360,8 +360,8 @@
         </p:nvSpPr>
         <p:spPr>
           <a:xfrm>
-            <a:off x="3884613" y="0"/>
-            <a:ext cx="2971800" cy="457200"/>
+            <a:off x="5179484" y="0"/>
+            <a:ext cx="3962400" cy="342900"/>
           </a:xfrm>
           <a:prstGeom prst="rect">
             <a:avLst/>
@@ -377,7 +377,7 @@
           <a:p>
             <a:fld id="{BCBAADAE-F06B-A24F-848F-CB40EC90EB76}" type="datetime1">
               <a:rPr lang="en-US" smtClean="0"/>
-              <a:t>3/8/16</a:t>
+              <a:t>3/9/16</a:t>
             </a:fld>
             <a:endParaRPr lang="en-US"/>
           </a:p>
@@ -395,8 +395,8 @@
         </p:nvSpPr>
         <p:spPr>
           <a:xfrm>
-            <a:off x="1143000" y="685800"/>
-            <a:ext cx="4572000" cy="3429000"/>
+            <a:off x="3143250" y="514350"/>
+            <a:ext cx="2857500" cy="2571750"/>
           </a:xfrm>
           <a:prstGeom prst="rect">
             <a:avLst/>
@@ -428,8 +428,8 @@
         </p:nvSpPr>
         <p:spPr>
           <a:xfrm>
-            <a:off x="685800" y="4343400"/>
-            <a:ext cx="5486400" cy="4114800"/>
+            <a:off x="914400" y="3257550"/>
+            <a:ext cx="7315200" cy="3086100"/>
           </a:xfrm>
           <a:prstGeom prst="rect">
             <a:avLst/>
@@ -488,8 +488,8 @@
         </p:nvSpPr>
         <p:spPr>
           <a:xfrm>
-            <a:off x="0" y="8685213"/>
-            <a:ext cx="2971800" cy="457200"/>
+            <a:off x="0" y="6513910"/>
+            <a:ext cx="3962400" cy="342900"/>
           </a:xfrm>
           <a:prstGeom prst="rect">
             <a:avLst/>
@@ -519,8 +519,8 @@
         </p:nvSpPr>
         <p:spPr>
           <a:xfrm>
-            <a:off x="3884613" y="8685213"/>
-            <a:ext cx="2971800" cy="457200"/>
+            <a:off x="5179484" y="6513910"/>
+            <a:ext cx="3962400" cy="342900"/>
           </a:xfrm>
           <a:prstGeom prst="rect">
             <a:avLst/>
@@ -673,7 +673,12 @@
             <p:ph type="sldImg"/>
           </p:nvPr>
         </p:nvSpPr>
-        <p:spPr/>
+        <p:spPr>
+          <a:xfrm>
+            <a:off x="3143250" y="514350"/>
+            <a:ext cx="2857500" cy="2571750"/>
+          </a:xfrm>
+        </p:spPr>
       </p:sp>
       <p:sp>
         <p:nvSpPr>
@@ -736,8 +741,8 @@
         </p:nvSpPr>
         <p:spPr>
           <a:xfrm>
-            <a:off x="3291840" y="10226042"/>
-            <a:ext cx="37307520" cy="7056120"/>
+            <a:off x="2743200" y="10226042"/>
+            <a:ext cx="31089600" cy="7056120"/>
           </a:xfrm>
         </p:spPr>
         <p:txBody>
@@ -764,8 +769,8 @@
         </p:nvSpPr>
         <p:spPr>
           <a:xfrm>
-            <a:off x="6583680" y="18653760"/>
-            <a:ext cx="30723840" cy="8412480"/>
+            <a:off x="5486400" y="18653760"/>
+            <a:ext cx="25603200" cy="8412480"/>
           </a:xfrm>
         </p:spPr>
         <p:txBody>
@@ -781,7 +786,7 @@
                 </a:solidFill>
               </a:defRPr>
             </a:lvl1pPr>
-            <a:lvl2pPr marL="2194560" indent="0" algn="ctr">
+            <a:lvl2pPr marL="1828727" indent="0" algn="ctr">
               <a:buNone/>
               <a:defRPr>
                 <a:solidFill>
@@ -791,7 +796,7 @@
                 </a:solidFill>
               </a:defRPr>
             </a:lvl2pPr>
-            <a:lvl3pPr marL="4389120" indent="0" algn="ctr">
+            <a:lvl3pPr marL="3657454" indent="0" algn="ctr">
               <a:buNone/>
               <a:defRPr>
                 <a:solidFill>
@@ -801,7 +806,7 @@
                 </a:solidFill>
               </a:defRPr>
             </a:lvl3pPr>
-            <a:lvl4pPr marL="6583680" indent="0" algn="ctr">
+            <a:lvl4pPr marL="5486181" indent="0" algn="ctr">
               <a:buNone/>
               <a:defRPr>
                 <a:solidFill>
@@ -811,7 +816,7 @@
                 </a:solidFill>
               </a:defRPr>
             </a:lvl4pPr>
-            <a:lvl5pPr marL="8778240" indent="0" algn="ctr">
+            <a:lvl5pPr marL="7314907" indent="0" algn="ctr">
               <a:buNone/>
               <a:defRPr>
                 <a:solidFill>
@@ -821,7 +826,7 @@
                 </a:solidFill>
               </a:defRPr>
             </a:lvl5pPr>
-            <a:lvl6pPr marL="10972800" indent="0" algn="ctr">
+            <a:lvl6pPr marL="9143634" indent="0" algn="ctr">
               <a:buNone/>
               <a:defRPr>
                 <a:solidFill>
@@ -831,7 +836,7 @@
                 </a:solidFill>
               </a:defRPr>
             </a:lvl6pPr>
-            <a:lvl7pPr marL="13167360" indent="0" algn="ctr">
+            <a:lvl7pPr marL="10972361" indent="0" algn="ctr">
               <a:buNone/>
               <a:defRPr>
                 <a:solidFill>
@@ -841,7 +846,7 @@
                 </a:solidFill>
               </a:defRPr>
             </a:lvl7pPr>
-            <a:lvl8pPr marL="15361920" indent="0" algn="ctr">
+            <a:lvl8pPr marL="12801088" indent="0" algn="ctr">
               <a:buNone/>
               <a:defRPr>
                 <a:solidFill>
@@ -851,7 +856,7 @@
                 </a:solidFill>
               </a:defRPr>
             </a:lvl8pPr>
-            <a:lvl9pPr marL="17556480" indent="0" algn="ctr">
+            <a:lvl9pPr marL="14629815" indent="0" algn="ctr">
               <a:buNone/>
               <a:defRPr>
                 <a:solidFill>
@@ -888,7 +893,7 @@
           <a:p>
             <a:fld id="{A46538F5-FACD-354B-B614-5B0AA09E8511}" type="datetime1">
               <a:rPr lang="en-US" smtClean="0"/>
-              <a:t>3/8/16</a:t>
+              <a:t>3/9/16</a:t>
             </a:fld>
             <a:endParaRPr lang="en-US" dirty="0"/>
           </a:p>
@@ -1058,7 +1063,7 @@
           <a:p>
             <a:fld id="{837E00F0-3E84-3541-B76C-5CC59D0E4AA8}" type="datetime1">
               <a:rPr lang="en-US" smtClean="0"/>
-              <a:t>3/8/16</a:t>
+              <a:t>3/9/16</a:t>
             </a:fld>
             <a:endParaRPr lang="en-US" dirty="0"/>
           </a:p>
@@ -1148,8 +1153,8 @@
         </p:nvSpPr>
         <p:spPr>
           <a:xfrm>
-            <a:off x="152742905" y="6324600"/>
-            <a:ext cx="47404018" cy="134820662"/>
+            <a:off x="127285754" y="6324600"/>
+            <a:ext cx="39503348" cy="134820662"/>
           </a:xfrm>
         </p:spPr>
         <p:txBody>
@@ -1176,8 +1181,8 @@
         </p:nvSpPr>
         <p:spPr>
           <a:xfrm>
-            <a:off x="10530843" y="6324600"/>
-            <a:ext cx="141480542" cy="134820662"/>
+            <a:off x="8775702" y="6324600"/>
+            <a:ext cx="117900452" cy="134820662"/>
           </a:xfrm>
         </p:spPr>
         <p:txBody>
@@ -1238,7 +1243,7 @@
           <a:p>
             <a:fld id="{3F887D6F-D964-BB4C-A07E-B83C735C4BC9}" type="datetime1">
               <a:rPr lang="en-US" smtClean="0"/>
-              <a:t>3/8/16</a:t>
+              <a:t>3/9/16</a:t>
             </a:fld>
             <a:endParaRPr lang="en-US" dirty="0"/>
           </a:p>
@@ -1408,7 +1413,7 @@
           <a:p>
             <a:fld id="{69650BE9-73CE-A84B-8FED-55DF93E2183C}" type="datetime1">
               <a:rPr lang="en-US" smtClean="0"/>
-              <a:t>3/8/16</a:t>
+              <a:t>3/9/16</a:t>
             </a:fld>
             <a:endParaRPr lang="en-US" dirty="0"/>
           </a:p>
@@ -1498,15 +1503,15 @@
         </p:nvSpPr>
         <p:spPr>
           <a:xfrm>
-            <a:off x="3467102" y="21153122"/>
-            <a:ext cx="37307520" cy="6537960"/>
+            <a:off x="2889252" y="21153122"/>
+            <a:ext cx="31089600" cy="6537960"/>
           </a:xfrm>
         </p:spPr>
         <p:txBody>
           <a:bodyPr anchor="t"/>
           <a:lstStyle>
             <a:lvl1pPr algn="l">
-              <a:defRPr sz="19200" b="1" cap="all"/>
+              <a:defRPr sz="15999" b="1" cap="all"/>
             </a:lvl1pPr>
           </a:lstStyle>
           <a:p>
@@ -1530,8 +1535,8 @@
         </p:nvSpPr>
         <p:spPr>
           <a:xfrm>
-            <a:off x="3467102" y="13952225"/>
-            <a:ext cx="37307520" cy="7200898"/>
+            <a:off x="2889252" y="13952225"/>
+            <a:ext cx="31089600" cy="7200898"/>
           </a:xfrm>
         </p:spPr>
         <p:txBody>
@@ -1539,7 +1544,7 @@
           <a:lstStyle>
             <a:lvl1pPr marL="0" indent="0">
               <a:buNone/>
-              <a:defRPr sz="9600">
+              <a:defRPr sz="8000">
                 <a:solidFill>
                   <a:schemeClr val="tx1">
                     <a:tint val="75000"/>
@@ -1547,9 +1552,9 @@
                 </a:solidFill>
               </a:defRPr>
             </a:lvl1pPr>
-            <a:lvl2pPr marL="2194560" indent="0">
+            <a:lvl2pPr marL="1828727" indent="0">
               <a:buNone/>
-              <a:defRPr sz="8600">
+              <a:defRPr sz="7166">
                 <a:solidFill>
                   <a:schemeClr val="tx1">
                     <a:tint val="75000"/>
@@ -1557,9 +1562,9 @@
                 </a:solidFill>
               </a:defRPr>
             </a:lvl2pPr>
-            <a:lvl3pPr marL="4389120" indent="0">
+            <a:lvl3pPr marL="3657454" indent="0">
               <a:buNone/>
-              <a:defRPr sz="7700">
+              <a:defRPr sz="6416">
                 <a:solidFill>
                   <a:schemeClr val="tx1">
                     <a:tint val="75000"/>
@@ -1567,9 +1572,9 @@
                 </a:solidFill>
               </a:defRPr>
             </a:lvl3pPr>
-            <a:lvl4pPr marL="6583680" indent="0">
+            <a:lvl4pPr marL="5486181" indent="0">
               <a:buNone/>
-              <a:defRPr sz="6700">
+              <a:defRPr sz="5583">
                 <a:solidFill>
                   <a:schemeClr val="tx1">
                     <a:tint val="75000"/>
@@ -1577,9 +1582,9 @@
                 </a:solidFill>
               </a:defRPr>
             </a:lvl4pPr>
-            <a:lvl5pPr marL="8778240" indent="0">
+            <a:lvl5pPr marL="7314907" indent="0">
               <a:buNone/>
-              <a:defRPr sz="6700">
+              <a:defRPr sz="5583">
                 <a:solidFill>
                   <a:schemeClr val="tx1">
                     <a:tint val="75000"/>
@@ -1587,9 +1592,9 @@
                 </a:solidFill>
               </a:defRPr>
             </a:lvl5pPr>
-            <a:lvl6pPr marL="10972800" indent="0">
+            <a:lvl6pPr marL="9143634" indent="0">
               <a:buNone/>
-              <a:defRPr sz="6700">
+              <a:defRPr sz="5583">
                 <a:solidFill>
                   <a:schemeClr val="tx1">
                     <a:tint val="75000"/>
@@ -1597,9 +1602,9 @@
                 </a:solidFill>
               </a:defRPr>
             </a:lvl6pPr>
-            <a:lvl7pPr marL="13167360" indent="0">
+            <a:lvl7pPr marL="10972361" indent="0">
               <a:buNone/>
-              <a:defRPr sz="6700">
+              <a:defRPr sz="5583">
                 <a:solidFill>
                   <a:schemeClr val="tx1">
                     <a:tint val="75000"/>
@@ -1607,9 +1612,9 @@
                 </a:solidFill>
               </a:defRPr>
             </a:lvl7pPr>
-            <a:lvl8pPr marL="15361920" indent="0">
+            <a:lvl8pPr marL="12801088" indent="0">
               <a:buNone/>
-              <a:defRPr sz="6700">
+              <a:defRPr sz="5583">
                 <a:solidFill>
                   <a:schemeClr val="tx1">
                     <a:tint val="75000"/>
@@ -1617,9 +1622,9 @@
                 </a:solidFill>
               </a:defRPr>
             </a:lvl8pPr>
-            <a:lvl9pPr marL="17556480" indent="0">
+            <a:lvl9pPr marL="14629815" indent="0">
               <a:buNone/>
-              <a:defRPr sz="6700">
+              <a:defRPr sz="5583">
                 <a:solidFill>
                   <a:schemeClr val="tx1">
                     <a:tint val="75000"/>
@@ -1654,7 +1659,7 @@
           <a:p>
             <a:fld id="{CD849A9C-B0B0-7347-B5B6-8AF3A89FD1B4}" type="datetime1">
               <a:rPr lang="en-US" smtClean="0"/>
-              <a:t>3/8/16</a:t>
+              <a:t>3/9/16</a:t>
             </a:fld>
             <a:endParaRPr lang="en-US" dirty="0"/>
           </a:p>
@@ -1767,39 +1772,39 @@
         </p:nvSpPr>
         <p:spPr>
           <a:xfrm>
-            <a:off x="10530842" y="36865560"/>
-            <a:ext cx="94442280" cy="104279702"/>
+            <a:off x="8775702" y="36865560"/>
+            <a:ext cx="78701900" cy="104279702"/>
           </a:xfrm>
         </p:spPr>
         <p:txBody>
           <a:bodyPr/>
           <a:lstStyle>
             <a:lvl1pPr>
-              <a:defRPr sz="13400"/>
+              <a:defRPr sz="11166"/>
             </a:lvl1pPr>
             <a:lvl2pPr>
-              <a:defRPr sz="11500"/>
+              <a:defRPr sz="9583"/>
             </a:lvl2pPr>
             <a:lvl3pPr>
-              <a:defRPr sz="9600"/>
+              <a:defRPr sz="8000"/>
             </a:lvl3pPr>
             <a:lvl4pPr>
-              <a:defRPr sz="8600"/>
+              <a:defRPr sz="7166"/>
             </a:lvl4pPr>
             <a:lvl5pPr>
-              <a:defRPr sz="8600"/>
+              <a:defRPr sz="7166"/>
             </a:lvl5pPr>
             <a:lvl6pPr>
-              <a:defRPr sz="8600"/>
+              <a:defRPr sz="7166"/>
             </a:lvl6pPr>
             <a:lvl7pPr>
-              <a:defRPr sz="8600"/>
+              <a:defRPr sz="7166"/>
             </a:lvl7pPr>
             <a:lvl8pPr>
-              <a:defRPr sz="8600"/>
+              <a:defRPr sz="7166"/>
             </a:lvl8pPr>
             <a:lvl9pPr>
-              <a:defRPr sz="8600"/>
+              <a:defRPr sz="7166"/>
             </a:lvl9pPr>
           </a:lstStyle>
           <a:p>
@@ -1852,39 +1857,39 @@
         </p:nvSpPr>
         <p:spPr>
           <a:xfrm>
-            <a:off x="105704642" y="36865560"/>
-            <a:ext cx="94442280" cy="104279702"/>
+            <a:off x="88087202" y="36865560"/>
+            <a:ext cx="78701900" cy="104279702"/>
           </a:xfrm>
         </p:spPr>
         <p:txBody>
           <a:bodyPr/>
           <a:lstStyle>
             <a:lvl1pPr>
-              <a:defRPr sz="13400"/>
+              <a:defRPr sz="11166"/>
             </a:lvl1pPr>
             <a:lvl2pPr>
-              <a:defRPr sz="11500"/>
+              <a:defRPr sz="9583"/>
             </a:lvl2pPr>
             <a:lvl3pPr>
-              <a:defRPr sz="9600"/>
+              <a:defRPr sz="8000"/>
             </a:lvl3pPr>
             <a:lvl4pPr>
-              <a:defRPr sz="8600"/>
+              <a:defRPr sz="7166"/>
             </a:lvl4pPr>
             <a:lvl5pPr>
-              <a:defRPr sz="8600"/>
+              <a:defRPr sz="7166"/>
             </a:lvl5pPr>
             <a:lvl6pPr>
-              <a:defRPr sz="8600"/>
+              <a:defRPr sz="7166"/>
             </a:lvl6pPr>
             <a:lvl7pPr>
-              <a:defRPr sz="8600"/>
+              <a:defRPr sz="7166"/>
             </a:lvl7pPr>
             <a:lvl8pPr>
-              <a:defRPr sz="8600"/>
+              <a:defRPr sz="7166"/>
             </a:lvl8pPr>
             <a:lvl9pPr>
-              <a:defRPr sz="8600"/>
+              <a:defRPr sz="7166"/>
             </a:lvl9pPr>
           </a:lstStyle>
           <a:p>
@@ -1942,7 +1947,7 @@
           <a:p>
             <a:fld id="{A1EDF427-BB19-684D-8483-AAC555965719}" type="datetime1">
               <a:rPr lang="en-US" smtClean="0"/>
-              <a:t>3/8/16</a:t>
+              <a:t>3/9/16</a:t>
             </a:fld>
             <a:endParaRPr lang="en-US" dirty="0"/>
           </a:p>
@@ -2032,8 +2037,8 @@
         </p:nvSpPr>
         <p:spPr>
           <a:xfrm>
-            <a:off x="2194560" y="1318262"/>
-            <a:ext cx="39502080" cy="5486400"/>
+            <a:off x="1828800" y="1318262"/>
+            <a:ext cx="32918400" cy="5486400"/>
           </a:xfrm>
         </p:spPr>
         <p:txBody>
@@ -2064,8 +2069,8 @@
         </p:nvSpPr>
         <p:spPr>
           <a:xfrm>
-            <a:off x="2194560" y="7368542"/>
-            <a:ext cx="19392902" cy="3070858"/>
+            <a:off x="1828800" y="7368542"/>
+            <a:ext cx="16160752" cy="3070858"/>
           </a:xfrm>
         </p:spPr>
         <p:txBody>
@@ -2073,39 +2078,39 @@
           <a:lstStyle>
             <a:lvl1pPr marL="0" indent="0">
               <a:buNone/>
-              <a:defRPr sz="11500" b="1"/>
+              <a:defRPr sz="9583" b="1"/>
             </a:lvl1pPr>
-            <a:lvl2pPr marL="2194560" indent="0">
+            <a:lvl2pPr marL="1828727" indent="0">
               <a:buNone/>
-              <a:defRPr sz="9600" b="1"/>
+              <a:defRPr sz="8000" b="1"/>
             </a:lvl2pPr>
-            <a:lvl3pPr marL="4389120" indent="0">
+            <a:lvl3pPr marL="3657454" indent="0">
               <a:buNone/>
-              <a:defRPr sz="8600" b="1"/>
+              <a:defRPr sz="7166" b="1"/>
             </a:lvl3pPr>
-            <a:lvl4pPr marL="6583680" indent="0">
+            <a:lvl4pPr marL="5486181" indent="0">
               <a:buNone/>
-              <a:defRPr sz="7700" b="1"/>
+              <a:defRPr sz="6416" b="1"/>
             </a:lvl4pPr>
-            <a:lvl5pPr marL="8778240" indent="0">
+            <a:lvl5pPr marL="7314907" indent="0">
               <a:buNone/>
-              <a:defRPr sz="7700" b="1"/>
+              <a:defRPr sz="6416" b="1"/>
             </a:lvl5pPr>
-            <a:lvl6pPr marL="10972800" indent="0">
+            <a:lvl6pPr marL="9143634" indent="0">
               <a:buNone/>
-              <a:defRPr sz="7700" b="1"/>
+              <a:defRPr sz="6416" b="1"/>
             </a:lvl6pPr>
-            <a:lvl7pPr marL="13167360" indent="0">
+            <a:lvl7pPr marL="10972361" indent="0">
               <a:buNone/>
-              <a:defRPr sz="7700" b="1"/>
+              <a:defRPr sz="6416" b="1"/>
             </a:lvl7pPr>
-            <a:lvl8pPr marL="15361920" indent="0">
+            <a:lvl8pPr marL="12801088" indent="0">
               <a:buNone/>
-              <a:defRPr sz="7700" b="1"/>
+              <a:defRPr sz="6416" b="1"/>
             </a:lvl8pPr>
-            <a:lvl9pPr marL="17556480" indent="0">
+            <a:lvl9pPr marL="14629815" indent="0">
               <a:buNone/>
-              <a:defRPr sz="7700" b="1"/>
+              <a:defRPr sz="6416" b="1"/>
             </a:lvl9pPr>
           </a:lstStyle>
           <a:p>
@@ -2129,39 +2134,39 @@
         </p:nvSpPr>
         <p:spPr>
           <a:xfrm>
-            <a:off x="2194560" y="10439400"/>
-            <a:ext cx="19392902" cy="18966182"/>
+            <a:off x="1828800" y="10439400"/>
+            <a:ext cx="16160752" cy="18966182"/>
           </a:xfrm>
         </p:spPr>
         <p:txBody>
           <a:bodyPr/>
           <a:lstStyle>
             <a:lvl1pPr>
-              <a:defRPr sz="11500"/>
+              <a:defRPr sz="9583"/>
             </a:lvl1pPr>
             <a:lvl2pPr>
-              <a:defRPr sz="9600"/>
+              <a:defRPr sz="8000"/>
             </a:lvl2pPr>
             <a:lvl3pPr>
-              <a:defRPr sz="8600"/>
+              <a:defRPr sz="7166"/>
             </a:lvl3pPr>
             <a:lvl4pPr>
-              <a:defRPr sz="7700"/>
+              <a:defRPr sz="6416"/>
             </a:lvl4pPr>
             <a:lvl5pPr>
-              <a:defRPr sz="7700"/>
+              <a:defRPr sz="6416"/>
             </a:lvl5pPr>
             <a:lvl6pPr>
-              <a:defRPr sz="7700"/>
+              <a:defRPr sz="6416"/>
             </a:lvl6pPr>
             <a:lvl7pPr>
-              <a:defRPr sz="7700"/>
+              <a:defRPr sz="6416"/>
             </a:lvl7pPr>
             <a:lvl8pPr>
-              <a:defRPr sz="7700"/>
+              <a:defRPr sz="6416"/>
             </a:lvl8pPr>
             <a:lvl9pPr>
-              <a:defRPr sz="7700"/>
+              <a:defRPr sz="6416"/>
             </a:lvl9pPr>
           </a:lstStyle>
           <a:p>
@@ -2214,8 +2219,8 @@
         </p:nvSpPr>
         <p:spPr>
           <a:xfrm>
-            <a:off x="22296122" y="7368542"/>
-            <a:ext cx="19400520" cy="3070858"/>
+            <a:off x="18580102" y="7368542"/>
+            <a:ext cx="16167100" cy="3070858"/>
           </a:xfrm>
         </p:spPr>
         <p:txBody>
@@ -2223,39 +2228,39 @@
           <a:lstStyle>
             <a:lvl1pPr marL="0" indent="0">
               <a:buNone/>
-              <a:defRPr sz="11500" b="1"/>
+              <a:defRPr sz="9583" b="1"/>
             </a:lvl1pPr>
-            <a:lvl2pPr marL="2194560" indent="0">
+            <a:lvl2pPr marL="1828727" indent="0">
               <a:buNone/>
-              <a:defRPr sz="9600" b="1"/>
+              <a:defRPr sz="8000" b="1"/>
             </a:lvl2pPr>
-            <a:lvl3pPr marL="4389120" indent="0">
+            <a:lvl3pPr marL="3657454" indent="0">
               <a:buNone/>
-              <a:defRPr sz="8600" b="1"/>
+              <a:defRPr sz="7166" b="1"/>
             </a:lvl3pPr>
-            <a:lvl4pPr marL="6583680" indent="0">
+            <a:lvl4pPr marL="5486181" indent="0">
               <a:buNone/>
-              <a:defRPr sz="7700" b="1"/>
+              <a:defRPr sz="6416" b="1"/>
             </a:lvl4pPr>
-            <a:lvl5pPr marL="8778240" indent="0">
+            <a:lvl5pPr marL="7314907" indent="0">
               <a:buNone/>
-              <a:defRPr sz="7700" b="1"/>
+              <a:defRPr sz="6416" b="1"/>
             </a:lvl5pPr>
-            <a:lvl6pPr marL="10972800" indent="0">
+            <a:lvl6pPr marL="9143634" indent="0">
               <a:buNone/>
-              <a:defRPr sz="7700" b="1"/>
+              <a:defRPr sz="6416" b="1"/>
             </a:lvl6pPr>
-            <a:lvl7pPr marL="13167360" indent="0">
+            <a:lvl7pPr marL="10972361" indent="0">
               <a:buNone/>
-              <a:defRPr sz="7700" b="1"/>
+              <a:defRPr sz="6416" b="1"/>
             </a:lvl7pPr>
-            <a:lvl8pPr marL="15361920" indent="0">
+            <a:lvl8pPr marL="12801088" indent="0">
               <a:buNone/>
-              <a:defRPr sz="7700" b="1"/>
+              <a:defRPr sz="6416" b="1"/>
             </a:lvl8pPr>
-            <a:lvl9pPr marL="17556480" indent="0">
+            <a:lvl9pPr marL="14629815" indent="0">
               <a:buNone/>
-              <a:defRPr sz="7700" b="1"/>
+              <a:defRPr sz="6416" b="1"/>
             </a:lvl9pPr>
           </a:lstStyle>
           <a:p>
@@ -2279,39 +2284,39 @@
         </p:nvSpPr>
         <p:spPr>
           <a:xfrm>
-            <a:off x="22296122" y="10439400"/>
-            <a:ext cx="19400520" cy="18966182"/>
+            <a:off x="18580102" y="10439400"/>
+            <a:ext cx="16167100" cy="18966182"/>
           </a:xfrm>
         </p:spPr>
         <p:txBody>
           <a:bodyPr/>
           <a:lstStyle>
             <a:lvl1pPr>
-              <a:defRPr sz="11500"/>
+              <a:defRPr sz="9583"/>
             </a:lvl1pPr>
             <a:lvl2pPr>
-              <a:defRPr sz="9600"/>
+              <a:defRPr sz="8000"/>
             </a:lvl2pPr>
             <a:lvl3pPr>
-              <a:defRPr sz="8600"/>
+              <a:defRPr sz="7166"/>
             </a:lvl3pPr>
             <a:lvl4pPr>
-              <a:defRPr sz="7700"/>
+              <a:defRPr sz="6416"/>
             </a:lvl4pPr>
             <a:lvl5pPr>
-              <a:defRPr sz="7700"/>
+              <a:defRPr sz="6416"/>
             </a:lvl5pPr>
             <a:lvl6pPr>
-              <a:defRPr sz="7700"/>
+              <a:defRPr sz="6416"/>
             </a:lvl6pPr>
             <a:lvl7pPr>
-              <a:defRPr sz="7700"/>
+              <a:defRPr sz="6416"/>
             </a:lvl7pPr>
             <a:lvl8pPr>
-              <a:defRPr sz="7700"/>
+              <a:defRPr sz="6416"/>
             </a:lvl8pPr>
             <a:lvl9pPr>
-              <a:defRPr sz="7700"/>
+              <a:defRPr sz="6416"/>
             </a:lvl9pPr>
           </a:lstStyle>
           <a:p>
@@ -2369,7 +2374,7 @@
           <a:p>
             <a:fld id="{58366A7D-5D08-9747-839F-B35EDB75C311}" type="datetime1">
               <a:rPr lang="en-US" smtClean="0"/>
-              <a:t>3/8/16</a:t>
+              <a:t>3/9/16</a:t>
             </a:fld>
             <a:endParaRPr lang="en-US" dirty="0"/>
           </a:p>
@@ -2487,7 +2492,7 @@
           <a:p>
             <a:fld id="{C091706B-3406-CE4E-95F9-29EC94B22D28}" type="datetime1">
               <a:rPr lang="en-US" smtClean="0"/>
-              <a:t>3/8/16</a:t>
+              <a:t>3/9/16</a:t>
             </a:fld>
             <a:endParaRPr lang="en-US" dirty="0"/>
           </a:p>
@@ -2582,7 +2587,7 @@
           <a:p>
             <a:fld id="{0DF0AEE6-03F9-F14C-915D-1E27D8DA1473}" type="datetime1">
               <a:rPr lang="en-US" smtClean="0"/>
-              <a:t>3/8/16</a:t>
+              <a:t>3/9/16</a:t>
             </a:fld>
             <a:endParaRPr lang="en-US" dirty="0"/>
           </a:p>
@@ -2672,15 +2677,15 @@
         </p:nvSpPr>
         <p:spPr>
           <a:xfrm>
-            <a:off x="2194563" y="1310640"/>
-            <a:ext cx="14439902" cy="5577840"/>
+            <a:off x="1828802" y="1310640"/>
+            <a:ext cx="12033252" cy="5577840"/>
           </a:xfrm>
         </p:spPr>
         <p:txBody>
           <a:bodyPr anchor="b"/>
           <a:lstStyle>
             <a:lvl1pPr algn="l">
-              <a:defRPr sz="9600" b="1"/>
+              <a:defRPr sz="8000" b="1"/>
             </a:lvl1pPr>
           </a:lstStyle>
           <a:p>
@@ -2704,39 +2709,39 @@
         </p:nvSpPr>
         <p:spPr>
           <a:xfrm>
-            <a:off x="17160240" y="1310643"/>
-            <a:ext cx="24536400" cy="28094942"/>
+            <a:off x="14300200" y="1310643"/>
+            <a:ext cx="20447000" cy="28094942"/>
           </a:xfrm>
         </p:spPr>
         <p:txBody>
           <a:bodyPr/>
           <a:lstStyle>
             <a:lvl1pPr>
-              <a:defRPr sz="15400"/>
+              <a:defRPr sz="12833"/>
             </a:lvl1pPr>
             <a:lvl2pPr>
-              <a:defRPr sz="13400"/>
+              <a:defRPr sz="11166"/>
             </a:lvl2pPr>
             <a:lvl3pPr>
-              <a:defRPr sz="11500"/>
+              <a:defRPr sz="9583"/>
             </a:lvl3pPr>
             <a:lvl4pPr>
-              <a:defRPr sz="9600"/>
+              <a:defRPr sz="8000"/>
             </a:lvl4pPr>
             <a:lvl5pPr>
-              <a:defRPr sz="9600"/>
+              <a:defRPr sz="8000"/>
             </a:lvl5pPr>
             <a:lvl6pPr>
-              <a:defRPr sz="9600"/>
+              <a:defRPr sz="8000"/>
             </a:lvl6pPr>
             <a:lvl7pPr>
-              <a:defRPr sz="9600"/>
+              <a:defRPr sz="8000"/>
             </a:lvl7pPr>
             <a:lvl8pPr>
-              <a:defRPr sz="9600"/>
+              <a:defRPr sz="8000"/>
             </a:lvl8pPr>
             <a:lvl9pPr>
-              <a:defRPr sz="9600"/>
+              <a:defRPr sz="8000"/>
             </a:lvl9pPr>
           </a:lstStyle>
           <a:p>
@@ -2789,8 +2794,8 @@
         </p:nvSpPr>
         <p:spPr>
           <a:xfrm>
-            <a:off x="2194563" y="6888483"/>
-            <a:ext cx="14439902" cy="22517102"/>
+            <a:off x="1828802" y="6888483"/>
+            <a:ext cx="12033252" cy="22517102"/>
           </a:xfrm>
         </p:spPr>
         <p:txBody>
@@ -2798,39 +2803,39 @@
           <a:lstStyle>
             <a:lvl1pPr marL="0" indent="0">
               <a:buNone/>
-              <a:defRPr sz="6700"/>
+              <a:defRPr sz="5583"/>
             </a:lvl1pPr>
-            <a:lvl2pPr marL="2194560" indent="0">
+            <a:lvl2pPr marL="1828727" indent="0">
               <a:buNone/>
-              <a:defRPr sz="5800"/>
+              <a:defRPr sz="4833"/>
             </a:lvl2pPr>
-            <a:lvl3pPr marL="4389120" indent="0">
+            <a:lvl3pPr marL="3657454" indent="0">
               <a:buNone/>
-              <a:defRPr sz="4800"/>
+              <a:defRPr sz="4000"/>
             </a:lvl3pPr>
-            <a:lvl4pPr marL="6583680" indent="0">
+            <a:lvl4pPr marL="5486181" indent="0">
               <a:buNone/>
-              <a:defRPr sz="4300"/>
+              <a:defRPr sz="3583"/>
             </a:lvl4pPr>
-            <a:lvl5pPr marL="8778240" indent="0">
+            <a:lvl5pPr marL="7314907" indent="0">
               <a:buNone/>
-              <a:defRPr sz="4300"/>
+              <a:defRPr sz="3583"/>
             </a:lvl5pPr>
-            <a:lvl6pPr marL="10972800" indent="0">
+            <a:lvl6pPr marL="9143634" indent="0">
               <a:buNone/>
-              <a:defRPr sz="4300"/>
+              <a:defRPr sz="3583"/>
             </a:lvl6pPr>
-            <a:lvl7pPr marL="13167360" indent="0">
+            <a:lvl7pPr marL="10972361" indent="0">
               <a:buNone/>
-              <a:defRPr sz="4300"/>
+              <a:defRPr sz="3583"/>
             </a:lvl7pPr>
-            <a:lvl8pPr marL="15361920" indent="0">
+            <a:lvl8pPr marL="12801088" indent="0">
               <a:buNone/>
-              <a:defRPr sz="4300"/>
+              <a:defRPr sz="3583"/>
             </a:lvl8pPr>
-            <a:lvl9pPr marL="17556480" indent="0">
+            <a:lvl9pPr marL="14629815" indent="0">
               <a:buNone/>
-              <a:defRPr sz="4300"/>
+              <a:defRPr sz="3583"/>
             </a:lvl9pPr>
           </a:lstStyle>
           <a:p>
@@ -2859,7 +2864,7 @@
           <a:p>
             <a:fld id="{DDB90C25-7C1D-9A4F-887F-8D727E29C0F6}" type="datetime1">
               <a:rPr lang="en-US" smtClean="0"/>
-              <a:t>3/8/16</a:t>
+              <a:t>3/9/16</a:t>
             </a:fld>
             <a:endParaRPr lang="en-US" dirty="0"/>
           </a:p>
@@ -2949,15 +2954,15 @@
         </p:nvSpPr>
         <p:spPr>
           <a:xfrm>
-            <a:off x="8602982" y="23042880"/>
-            <a:ext cx="26334720" cy="2720342"/>
+            <a:off x="7169152" y="23042880"/>
+            <a:ext cx="21945600" cy="2720342"/>
           </a:xfrm>
         </p:spPr>
         <p:txBody>
           <a:bodyPr anchor="b"/>
           <a:lstStyle>
             <a:lvl1pPr algn="l">
-              <a:defRPr sz="9600" b="1"/>
+              <a:defRPr sz="8000" b="1"/>
             </a:lvl1pPr>
           </a:lstStyle>
           <a:p>
@@ -2981,8 +2986,8 @@
         </p:nvSpPr>
         <p:spPr>
           <a:xfrm>
-            <a:off x="8602982" y="2941320"/>
-            <a:ext cx="26334720" cy="19751040"/>
+            <a:off x="7169152" y="2941320"/>
+            <a:ext cx="21945600" cy="19751040"/>
           </a:xfrm>
         </p:spPr>
         <p:txBody>
@@ -2990,39 +2995,39 @@
           <a:lstStyle>
             <a:lvl1pPr marL="0" indent="0">
               <a:buNone/>
-              <a:defRPr sz="15400"/>
+              <a:defRPr sz="12833"/>
             </a:lvl1pPr>
-            <a:lvl2pPr marL="2194560" indent="0">
+            <a:lvl2pPr marL="1828727" indent="0">
               <a:buNone/>
-              <a:defRPr sz="13400"/>
+              <a:defRPr sz="11166"/>
             </a:lvl2pPr>
-            <a:lvl3pPr marL="4389120" indent="0">
+            <a:lvl3pPr marL="3657454" indent="0">
               <a:buNone/>
-              <a:defRPr sz="11500"/>
+              <a:defRPr sz="9583"/>
             </a:lvl3pPr>
-            <a:lvl4pPr marL="6583680" indent="0">
+            <a:lvl4pPr marL="5486181" indent="0">
               <a:buNone/>
-              <a:defRPr sz="9600"/>
+              <a:defRPr sz="8000"/>
             </a:lvl4pPr>
-            <a:lvl5pPr marL="8778240" indent="0">
+            <a:lvl5pPr marL="7314907" indent="0">
               <a:buNone/>
-              <a:defRPr sz="9600"/>
+              <a:defRPr sz="8000"/>
             </a:lvl5pPr>
-            <a:lvl6pPr marL="10972800" indent="0">
+            <a:lvl6pPr marL="9143634" indent="0">
               <a:buNone/>
-              <a:defRPr sz="9600"/>
+              <a:defRPr sz="8000"/>
             </a:lvl6pPr>
-            <a:lvl7pPr marL="13167360" indent="0">
+            <a:lvl7pPr marL="10972361" indent="0">
               <a:buNone/>
-              <a:defRPr sz="9600"/>
+              <a:defRPr sz="8000"/>
             </a:lvl7pPr>
-            <a:lvl8pPr marL="15361920" indent="0">
+            <a:lvl8pPr marL="12801088" indent="0">
               <a:buNone/>
-              <a:defRPr sz="9600"/>
+              <a:defRPr sz="8000"/>
             </a:lvl8pPr>
-            <a:lvl9pPr marL="17556480" indent="0">
+            <a:lvl9pPr marL="14629815" indent="0">
               <a:buNone/>
-              <a:defRPr sz="9600"/>
+              <a:defRPr sz="8000"/>
             </a:lvl9pPr>
           </a:lstStyle>
           <a:p>
@@ -3042,8 +3047,8 @@
         </p:nvSpPr>
         <p:spPr>
           <a:xfrm>
-            <a:off x="8602982" y="25763222"/>
-            <a:ext cx="26334720" cy="3863338"/>
+            <a:off x="7169152" y="25763222"/>
+            <a:ext cx="21945600" cy="3863338"/>
           </a:xfrm>
         </p:spPr>
         <p:txBody>
@@ -3051,39 +3056,39 @@
           <a:lstStyle>
             <a:lvl1pPr marL="0" indent="0">
               <a:buNone/>
-              <a:defRPr sz="6700"/>
+              <a:defRPr sz="5583"/>
             </a:lvl1pPr>
-            <a:lvl2pPr marL="2194560" indent="0">
+            <a:lvl2pPr marL="1828727" indent="0">
               <a:buNone/>
-              <a:defRPr sz="5800"/>
+              <a:defRPr sz="4833"/>
             </a:lvl2pPr>
-            <a:lvl3pPr marL="4389120" indent="0">
+            <a:lvl3pPr marL="3657454" indent="0">
               <a:buNone/>
-              <a:defRPr sz="4800"/>
+              <a:defRPr sz="4000"/>
             </a:lvl3pPr>
-            <a:lvl4pPr marL="6583680" indent="0">
+            <a:lvl4pPr marL="5486181" indent="0">
               <a:buNone/>
-              <a:defRPr sz="4300"/>
+              <a:defRPr sz="3583"/>
             </a:lvl4pPr>
-            <a:lvl5pPr marL="8778240" indent="0">
+            <a:lvl5pPr marL="7314907" indent="0">
               <a:buNone/>
-              <a:defRPr sz="4300"/>
+              <a:defRPr sz="3583"/>
             </a:lvl5pPr>
-            <a:lvl6pPr marL="10972800" indent="0">
+            <a:lvl6pPr marL="9143634" indent="0">
               <a:buNone/>
-              <a:defRPr sz="4300"/>
+              <a:defRPr sz="3583"/>
             </a:lvl6pPr>
-            <a:lvl7pPr marL="13167360" indent="0">
+            <a:lvl7pPr marL="10972361" indent="0">
               <a:buNone/>
-              <a:defRPr sz="4300"/>
+              <a:defRPr sz="3583"/>
             </a:lvl7pPr>
-            <a:lvl8pPr marL="15361920" indent="0">
+            <a:lvl8pPr marL="12801088" indent="0">
               <a:buNone/>
-              <a:defRPr sz="4300"/>
+              <a:defRPr sz="3583"/>
             </a:lvl8pPr>
-            <a:lvl9pPr marL="17556480" indent="0">
+            <a:lvl9pPr marL="14629815" indent="0">
               <a:buNone/>
-              <a:defRPr sz="4300"/>
+              <a:defRPr sz="3583"/>
             </a:lvl9pPr>
           </a:lstStyle>
           <a:p>
@@ -3112,7 +3117,7 @@
           <a:p>
             <a:fld id="{EF5EDABA-CCFC-4340-9F61-4CCCB56E6B33}" type="datetime1">
               <a:rPr lang="en-US" smtClean="0"/>
-              <a:t>3/8/16</a:t>
+              <a:t>3/9/16</a:t>
             </a:fld>
             <a:endParaRPr lang="en-US" dirty="0"/>
           </a:p>
@@ -3207,8 +3212,8 @@
         </p:nvSpPr>
         <p:spPr>
           <a:xfrm>
-            <a:off x="2194560" y="1318262"/>
-            <a:ext cx="39502080" cy="5486400"/>
+            <a:off x="1828800" y="1318262"/>
+            <a:ext cx="32918400" cy="5486400"/>
           </a:xfrm>
           <a:prstGeom prst="rect">
             <a:avLst/>
@@ -3240,8 +3245,8 @@
         </p:nvSpPr>
         <p:spPr>
           <a:xfrm>
-            <a:off x="2194560" y="7680963"/>
-            <a:ext cx="39502080" cy="21724622"/>
+            <a:off x="1828800" y="7680963"/>
+            <a:ext cx="32918400" cy="21724622"/>
           </a:xfrm>
           <a:prstGeom prst="rect">
             <a:avLst/>
@@ -3302,8 +3307,8 @@
         </p:nvSpPr>
         <p:spPr>
           <a:xfrm>
-            <a:off x="2194560" y="30510482"/>
-            <a:ext cx="10241280" cy="1752600"/>
+            <a:off x="1828800" y="30510482"/>
+            <a:ext cx="8534400" cy="1752600"/>
           </a:xfrm>
           <a:prstGeom prst="rect">
             <a:avLst/>
@@ -3313,7 +3318,7 @@
           <a:bodyPr vert="horz" lIns="438912" tIns="219456" rIns="438912" bIns="219456" rtlCol="0" anchor="ctr"/>
           <a:lstStyle>
             <a:lvl1pPr algn="l">
-              <a:defRPr sz="5800">
+              <a:defRPr sz="4833">
                 <a:solidFill>
                   <a:schemeClr val="tx1">
                     <a:tint val="75000"/>
@@ -3325,7 +3330,7 @@
           <a:p>
             <a:fld id="{05DC264B-F0AB-BC4C-8546-797CBE8BDD6A}" type="datetime1">
               <a:rPr lang="en-US" smtClean="0"/>
-              <a:t>3/8/16</a:t>
+              <a:t>3/9/16</a:t>
             </a:fld>
             <a:endParaRPr lang="en-US" dirty="0"/>
           </a:p>
@@ -3343,8 +3348,8 @@
         </p:nvSpPr>
         <p:spPr>
           <a:xfrm>
-            <a:off x="14996160" y="30510482"/>
-            <a:ext cx="13898880" cy="1752600"/>
+            <a:off x="12496800" y="30510482"/>
+            <a:ext cx="11582400" cy="1752600"/>
           </a:xfrm>
           <a:prstGeom prst="rect">
             <a:avLst/>
@@ -3354,7 +3359,7 @@
           <a:bodyPr vert="horz" lIns="438912" tIns="219456" rIns="438912" bIns="219456" rtlCol="0" anchor="ctr"/>
           <a:lstStyle>
             <a:lvl1pPr algn="ctr">
-              <a:defRPr sz="5800">
+              <a:defRPr sz="4833">
                 <a:solidFill>
                   <a:schemeClr val="tx1">
                     <a:tint val="75000"/>
@@ -3380,8 +3385,8 @@
         </p:nvSpPr>
         <p:spPr>
           <a:xfrm>
-            <a:off x="31455360" y="30510482"/>
-            <a:ext cx="10241280" cy="1752600"/>
+            <a:off x="26212800" y="30510482"/>
+            <a:ext cx="8534400" cy="1752600"/>
           </a:xfrm>
           <a:prstGeom prst="rect">
             <a:avLst/>
@@ -3391,7 +3396,7 @@
           <a:bodyPr vert="horz" lIns="438912" tIns="219456" rIns="438912" bIns="219456" rtlCol="0" anchor="ctr"/>
           <a:lstStyle>
             <a:lvl1pPr algn="r">
-              <a:defRPr sz="5800">
+              <a:defRPr sz="4833">
                 <a:solidFill>
                   <a:schemeClr val="tx1">
                     <a:tint val="75000"/>
@@ -3433,12 +3438,12 @@
   <p:hf sldNum="0" hdr="0" ftr="0" dt="0"/>
   <p:txStyles>
     <p:titleStyle>
-      <a:lvl1pPr algn="ctr" defTabSz="2194560" rtl="0" eaLnBrk="1" latinLnBrk="0" hangingPunct="1">
+      <a:lvl1pPr algn="ctr" defTabSz="1828727" rtl="0" eaLnBrk="1" latinLnBrk="0" hangingPunct="1">
         <a:spcBef>
           <a:spcPct val="0"/>
         </a:spcBef>
         <a:buNone/>
-        <a:defRPr sz="21100" kern="1200">
+        <a:defRPr sz="17583" kern="1200">
           <a:solidFill>
             <a:schemeClr val="tx1"/>
           </a:solidFill>
@@ -3449,13 +3454,13 @@
       </a:lvl1pPr>
     </p:titleStyle>
     <p:bodyStyle>
-      <a:lvl1pPr marL="1645920" indent="-1645920" algn="l" defTabSz="2194560" rtl="0" eaLnBrk="1" latinLnBrk="0" hangingPunct="1">
+      <a:lvl1pPr marL="1371545" indent="-1371545" algn="l" defTabSz="1828727" rtl="0" eaLnBrk="1" latinLnBrk="0" hangingPunct="1">
         <a:spcBef>
           <a:spcPct val="20000"/>
         </a:spcBef>
         <a:buFont typeface="Arial"/>
         <a:buChar char="•"/>
-        <a:defRPr sz="15400" kern="1200">
+        <a:defRPr sz="12833" kern="1200">
           <a:solidFill>
             <a:schemeClr val="tx1"/>
           </a:solidFill>
@@ -3464,13 +3469,13 @@
           <a:cs typeface="+mn-cs"/>
         </a:defRPr>
       </a:lvl1pPr>
-      <a:lvl2pPr marL="3566160" indent="-1371600" algn="l" defTabSz="2194560" rtl="0" eaLnBrk="1" latinLnBrk="0" hangingPunct="1">
+      <a:lvl2pPr marL="2971681" indent="-1142954" algn="l" defTabSz="1828727" rtl="0" eaLnBrk="1" latinLnBrk="0" hangingPunct="1">
         <a:spcBef>
           <a:spcPct val="20000"/>
         </a:spcBef>
         <a:buFont typeface="Arial"/>
         <a:buChar char="–"/>
-        <a:defRPr sz="13400" kern="1200">
+        <a:defRPr sz="11166" kern="1200">
           <a:solidFill>
             <a:schemeClr val="tx1"/>
           </a:solidFill>
@@ -3479,13 +3484,13 @@
           <a:cs typeface="+mn-cs"/>
         </a:defRPr>
       </a:lvl2pPr>
-      <a:lvl3pPr marL="5486400" indent="-1097280" algn="l" defTabSz="2194560" rtl="0" eaLnBrk="1" latinLnBrk="0" hangingPunct="1">
+      <a:lvl3pPr marL="4571817" indent="-914363" algn="l" defTabSz="1828727" rtl="0" eaLnBrk="1" latinLnBrk="0" hangingPunct="1">
         <a:spcBef>
           <a:spcPct val="20000"/>
         </a:spcBef>
         <a:buFont typeface="Arial"/>
         <a:buChar char="•"/>
-        <a:defRPr sz="11500" kern="1200">
+        <a:defRPr sz="9583" kern="1200">
           <a:solidFill>
             <a:schemeClr val="tx1"/>
           </a:solidFill>
@@ -3494,13 +3499,13 @@
           <a:cs typeface="+mn-cs"/>
         </a:defRPr>
       </a:lvl3pPr>
-      <a:lvl4pPr marL="7680960" indent="-1097280" algn="l" defTabSz="2194560" rtl="0" eaLnBrk="1" latinLnBrk="0" hangingPunct="1">
+      <a:lvl4pPr marL="6400544" indent="-914363" algn="l" defTabSz="1828727" rtl="0" eaLnBrk="1" latinLnBrk="0" hangingPunct="1">
         <a:spcBef>
           <a:spcPct val="20000"/>
         </a:spcBef>
         <a:buFont typeface="Arial"/>
         <a:buChar char="–"/>
-        <a:defRPr sz="9600" kern="1200">
+        <a:defRPr sz="8000" kern="1200">
           <a:solidFill>
             <a:schemeClr val="tx1"/>
           </a:solidFill>
@@ -3509,13 +3514,13 @@
           <a:cs typeface="+mn-cs"/>
         </a:defRPr>
       </a:lvl4pPr>
-      <a:lvl5pPr marL="9875520" indent="-1097280" algn="l" defTabSz="2194560" rtl="0" eaLnBrk="1" latinLnBrk="0" hangingPunct="1">
+      <a:lvl5pPr marL="8229271" indent="-914363" algn="l" defTabSz="1828727" rtl="0" eaLnBrk="1" latinLnBrk="0" hangingPunct="1">
         <a:spcBef>
           <a:spcPct val="20000"/>
         </a:spcBef>
         <a:buFont typeface="Arial"/>
         <a:buChar char="»"/>
-        <a:defRPr sz="9600" kern="1200">
+        <a:defRPr sz="8000" kern="1200">
           <a:solidFill>
             <a:schemeClr val="tx1"/>
           </a:solidFill>
@@ -3524,13 +3529,13 @@
           <a:cs typeface="+mn-cs"/>
         </a:defRPr>
       </a:lvl5pPr>
-      <a:lvl6pPr marL="12070080" indent="-1097280" algn="l" defTabSz="2194560" rtl="0" eaLnBrk="1" latinLnBrk="0" hangingPunct="1">
+      <a:lvl6pPr marL="10057998" indent="-914363" algn="l" defTabSz="1828727" rtl="0" eaLnBrk="1" latinLnBrk="0" hangingPunct="1">
         <a:spcBef>
           <a:spcPct val="20000"/>
         </a:spcBef>
         <a:buFont typeface="Arial"/>
         <a:buChar char="•"/>
-        <a:defRPr sz="9600" kern="1200">
+        <a:defRPr sz="8000" kern="1200">
           <a:solidFill>
             <a:schemeClr val="tx1"/>
           </a:solidFill>
@@ -3539,13 +3544,13 @@
           <a:cs typeface="+mn-cs"/>
         </a:defRPr>
       </a:lvl6pPr>
-      <a:lvl7pPr marL="14264640" indent="-1097280" algn="l" defTabSz="2194560" rtl="0" eaLnBrk="1" latinLnBrk="0" hangingPunct="1">
+      <a:lvl7pPr marL="11886725" indent="-914363" algn="l" defTabSz="1828727" rtl="0" eaLnBrk="1" latinLnBrk="0" hangingPunct="1">
         <a:spcBef>
           <a:spcPct val="20000"/>
         </a:spcBef>
         <a:buFont typeface="Arial"/>
         <a:buChar char="•"/>
-        <a:defRPr sz="9600" kern="1200">
+        <a:defRPr sz="8000" kern="1200">
           <a:solidFill>
             <a:schemeClr val="tx1"/>
           </a:solidFill>
@@ -3554,13 +3559,13 @@
           <a:cs typeface="+mn-cs"/>
         </a:defRPr>
       </a:lvl7pPr>
-      <a:lvl8pPr marL="16459200" indent="-1097280" algn="l" defTabSz="2194560" rtl="0" eaLnBrk="1" latinLnBrk="0" hangingPunct="1">
+      <a:lvl8pPr marL="13715451" indent="-914363" algn="l" defTabSz="1828727" rtl="0" eaLnBrk="1" latinLnBrk="0" hangingPunct="1">
         <a:spcBef>
           <a:spcPct val="20000"/>
         </a:spcBef>
         <a:buFont typeface="Arial"/>
         <a:buChar char="•"/>
-        <a:defRPr sz="9600" kern="1200">
+        <a:defRPr sz="8000" kern="1200">
           <a:solidFill>
             <a:schemeClr val="tx1"/>
           </a:solidFill>
@@ -3569,13 +3574,13 @@
           <a:cs typeface="+mn-cs"/>
         </a:defRPr>
       </a:lvl8pPr>
-      <a:lvl9pPr marL="18653760" indent="-1097280" algn="l" defTabSz="2194560" rtl="0" eaLnBrk="1" latinLnBrk="0" hangingPunct="1">
+      <a:lvl9pPr marL="15544178" indent="-914363" algn="l" defTabSz="1828727" rtl="0" eaLnBrk="1" latinLnBrk="0" hangingPunct="1">
         <a:spcBef>
           <a:spcPct val="20000"/>
         </a:spcBef>
         <a:buFont typeface="Arial"/>
         <a:buChar char="•"/>
-        <a:defRPr sz="9600" kern="1200">
+        <a:defRPr sz="8000" kern="1200">
           <a:solidFill>
             <a:schemeClr val="tx1"/>
           </a:solidFill>
@@ -3589,8 +3594,8 @@
       <a:defPPr>
         <a:defRPr lang="en-US"/>
       </a:defPPr>
-      <a:lvl1pPr marL="0" algn="l" defTabSz="2194560" rtl="0" eaLnBrk="1" latinLnBrk="0" hangingPunct="1">
-        <a:defRPr sz="8600" kern="1200">
+      <a:lvl1pPr marL="0" algn="l" defTabSz="1828727" rtl="0" eaLnBrk="1" latinLnBrk="0" hangingPunct="1">
+        <a:defRPr sz="7166" kern="1200">
           <a:solidFill>
             <a:schemeClr val="tx1"/>
           </a:solidFill>
@@ -3599,8 +3604,8 @@
           <a:cs typeface="+mn-cs"/>
         </a:defRPr>
       </a:lvl1pPr>
-      <a:lvl2pPr marL="2194560" algn="l" defTabSz="2194560" rtl="0" eaLnBrk="1" latinLnBrk="0" hangingPunct="1">
-        <a:defRPr sz="8600" kern="1200">
+      <a:lvl2pPr marL="1828727" algn="l" defTabSz="1828727" rtl="0" eaLnBrk="1" latinLnBrk="0" hangingPunct="1">
+        <a:defRPr sz="7166" kern="1200">
           <a:solidFill>
             <a:schemeClr val="tx1"/>
           </a:solidFill>
@@ -3609,8 +3614,8 @@
           <a:cs typeface="+mn-cs"/>
         </a:defRPr>
       </a:lvl2pPr>
-      <a:lvl3pPr marL="4389120" algn="l" defTabSz="2194560" rtl="0" eaLnBrk="1" latinLnBrk="0" hangingPunct="1">
-        <a:defRPr sz="8600" kern="1200">
+      <a:lvl3pPr marL="3657454" algn="l" defTabSz="1828727" rtl="0" eaLnBrk="1" latinLnBrk="0" hangingPunct="1">
+        <a:defRPr sz="7166" kern="1200">
           <a:solidFill>
             <a:schemeClr val="tx1"/>
           </a:solidFill>
@@ -3619,8 +3624,8 @@
           <a:cs typeface="+mn-cs"/>
         </a:defRPr>
       </a:lvl3pPr>
-      <a:lvl4pPr marL="6583680" algn="l" defTabSz="2194560" rtl="0" eaLnBrk="1" latinLnBrk="0" hangingPunct="1">
-        <a:defRPr sz="8600" kern="1200">
+      <a:lvl4pPr marL="5486181" algn="l" defTabSz="1828727" rtl="0" eaLnBrk="1" latinLnBrk="0" hangingPunct="1">
+        <a:defRPr sz="7166" kern="1200">
           <a:solidFill>
             <a:schemeClr val="tx1"/>
           </a:solidFill>
@@ -3629,8 +3634,8 @@
           <a:cs typeface="+mn-cs"/>
         </a:defRPr>
       </a:lvl4pPr>
-      <a:lvl5pPr marL="8778240" algn="l" defTabSz="2194560" rtl="0" eaLnBrk="1" latinLnBrk="0" hangingPunct="1">
-        <a:defRPr sz="8600" kern="1200">
+      <a:lvl5pPr marL="7314907" algn="l" defTabSz="1828727" rtl="0" eaLnBrk="1" latinLnBrk="0" hangingPunct="1">
+        <a:defRPr sz="7166" kern="1200">
           <a:solidFill>
             <a:schemeClr val="tx1"/>
           </a:solidFill>
@@ -3639,8 +3644,8 @@
           <a:cs typeface="+mn-cs"/>
         </a:defRPr>
       </a:lvl5pPr>
-      <a:lvl6pPr marL="10972800" algn="l" defTabSz="2194560" rtl="0" eaLnBrk="1" latinLnBrk="0" hangingPunct="1">
-        <a:defRPr sz="8600" kern="1200">
+      <a:lvl6pPr marL="9143634" algn="l" defTabSz="1828727" rtl="0" eaLnBrk="1" latinLnBrk="0" hangingPunct="1">
+        <a:defRPr sz="7166" kern="1200">
           <a:solidFill>
             <a:schemeClr val="tx1"/>
           </a:solidFill>
@@ -3649,8 +3654,8 @@
           <a:cs typeface="+mn-cs"/>
         </a:defRPr>
       </a:lvl6pPr>
-      <a:lvl7pPr marL="13167360" algn="l" defTabSz="2194560" rtl="0" eaLnBrk="1" latinLnBrk="0" hangingPunct="1">
-        <a:defRPr sz="8600" kern="1200">
+      <a:lvl7pPr marL="10972361" algn="l" defTabSz="1828727" rtl="0" eaLnBrk="1" latinLnBrk="0" hangingPunct="1">
+        <a:defRPr sz="7166" kern="1200">
           <a:solidFill>
             <a:schemeClr val="tx1"/>
           </a:solidFill>
@@ -3659,8 +3664,8 @@
           <a:cs typeface="+mn-cs"/>
         </a:defRPr>
       </a:lvl7pPr>
-      <a:lvl8pPr marL="15361920" algn="l" defTabSz="2194560" rtl="0" eaLnBrk="1" latinLnBrk="0" hangingPunct="1">
-        <a:defRPr sz="8600" kern="1200">
+      <a:lvl8pPr marL="12801088" algn="l" defTabSz="1828727" rtl="0" eaLnBrk="1" latinLnBrk="0" hangingPunct="1">
+        <a:defRPr sz="7166" kern="1200">
           <a:solidFill>
             <a:schemeClr val="tx1"/>
           </a:solidFill>
@@ -3669,8 +3674,8 @@
           <a:cs typeface="+mn-cs"/>
         </a:defRPr>
       </a:lvl8pPr>
-      <a:lvl9pPr marL="17556480" algn="l" defTabSz="2194560" rtl="0" eaLnBrk="1" latinLnBrk="0" hangingPunct="1">
-        <a:defRPr sz="8600" kern="1200">
+      <a:lvl9pPr marL="14629815" algn="l" defTabSz="1828727" rtl="0" eaLnBrk="1" latinLnBrk="0" hangingPunct="1">
+        <a:defRPr sz="7166" kern="1200">
           <a:solidFill>
             <a:schemeClr val="tx1"/>
           </a:solidFill>
@@ -3703,7 +3708,7 @@
       </p:grpSpPr>
       <p:pic>
         <p:nvPicPr>
-          <p:cNvPr id="9" name="Picture 8"/>
+          <p:cNvPr id="3" name="Picture 2"/>
           <p:cNvPicPr>
             <a:picLocks noChangeAspect="1"/>
           </p:cNvPicPr>
@@ -3723,8 +3728,8 @@
         </p:blipFill>
         <p:spPr>
           <a:xfrm>
-            <a:off x="4933159" y="2352989"/>
-            <a:ext cx="2889796" cy="2889796"/>
+            <a:off x="13346648" y="9902398"/>
+            <a:ext cx="9544099" cy="4098239"/>
           </a:xfrm>
           <a:prstGeom prst="rect">
             <a:avLst/>
@@ -3733,7 +3738,7 @@
       </p:pic>
       <p:pic>
         <p:nvPicPr>
-          <p:cNvPr id="16" name="Picture 15"/>
+          <p:cNvPr id="9" name="Picture 8"/>
           <p:cNvPicPr>
             <a:picLocks noChangeAspect="1"/>
           </p:cNvPicPr>
@@ -3753,8 +3758,8 @@
         </p:blipFill>
         <p:spPr>
           <a:xfrm>
-            <a:off x="13511619" y="14125001"/>
-            <a:ext cx="17203313" cy="8995612"/>
+            <a:off x="4697659" y="2469085"/>
+            <a:ext cx="2408163" cy="2408163"/>
           </a:xfrm>
           <a:prstGeom prst="rect">
             <a:avLst/>
@@ -3763,7 +3768,7 @@
       </p:pic>
       <p:pic>
         <p:nvPicPr>
-          <p:cNvPr id="31" name="Picture 30"/>
+          <p:cNvPr id="16" name="Picture 15"/>
           <p:cNvPicPr>
             <a:picLocks noChangeAspect="1"/>
           </p:cNvPicPr>
@@ -3783,8 +3788,8 @@
         </p:blipFill>
         <p:spPr>
           <a:xfrm>
-            <a:off x="1271417" y="26762784"/>
-            <a:ext cx="8498226" cy="5139867"/>
+            <a:off x="10604565" y="16070846"/>
+            <a:ext cx="15898012" cy="8313070"/>
           </a:xfrm>
           <a:prstGeom prst="rect">
             <a:avLst/>
@@ -3793,7 +3798,7 @@
       </p:pic>
       <p:pic>
         <p:nvPicPr>
-          <p:cNvPr id="30" name="Picture 29"/>
+          <p:cNvPr id="31" name="Picture 30"/>
           <p:cNvPicPr>
             <a:picLocks noChangeAspect="1"/>
           </p:cNvPicPr>
@@ -3813,8 +3818,8 @@
         </p:blipFill>
         <p:spPr>
           <a:xfrm>
-            <a:off x="1478454" y="22663690"/>
-            <a:ext cx="7331278" cy="4637026"/>
+            <a:off x="1059514" y="26545136"/>
+            <a:ext cx="7081855" cy="4283223"/>
           </a:xfrm>
           <a:prstGeom prst="rect">
             <a:avLst/>
@@ -3823,7 +3828,7 @@
       </p:pic>
       <p:pic>
         <p:nvPicPr>
-          <p:cNvPr id="13" name="Picture 12"/>
+          <p:cNvPr id="30" name="Picture 29"/>
           <p:cNvPicPr>
             <a:picLocks noChangeAspect="1"/>
           </p:cNvPicPr>
@@ -3843,14 +3848,44 @@
         </p:blipFill>
         <p:spPr>
           <a:xfrm>
-            <a:off x="35949292" y="517848"/>
-            <a:ext cx="6908095" cy="4587407"/>
+            <a:off x="1232045" y="23129225"/>
+            <a:ext cx="6109398" cy="3864188"/>
           </a:xfrm>
           <a:prstGeom prst="rect">
             <a:avLst/>
           </a:prstGeom>
         </p:spPr>
       </p:pic>
+      <p:pic>
+        <p:nvPicPr>
+          <p:cNvPr id="13" name="Picture 12"/>
+          <p:cNvPicPr>
+            <a:picLocks noChangeAspect="1"/>
+          </p:cNvPicPr>
+          <p:nvPr/>
+        </p:nvPicPr>
+        <p:blipFill>
+          <a:blip r:embed="rId8">
+            <a:extLst>
+              <a:ext uri="{28A0092B-C50C-407E-A947-70E740481C1C}">
+                <a14:useLocalDpi xmlns:a14="http://schemas.microsoft.com/office/drawing/2010/main" val="0"/>
+              </a:ext>
+            </a:extLst>
+          </a:blip>
+          <a:stretch>
+            <a:fillRect/>
+          </a:stretch>
+        </p:blipFill>
+        <p:spPr>
+          <a:xfrm>
+            <a:off x="29575680" y="614936"/>
+            <a:ext cx="6406492" cy="4254311"/>
+          </a:xfrm>
+          <a:prstGeom prst="rect">
+            <a:avLst/>
+          </a:prstGeom>
+        </p:spPr>
+      </p:pic>
       <p:sp>
         <p:nvSpPr>
           <p:cNvPr id="49" name="TextBox 48"/>
@@ -3859,8 +3894,8 @@
         </p:nvSpPr>
         <p:spPr>
           <a:xfrm>
-            <a:off x="1261147" y="19468804"/>
-            <a:ext cx="12838282" cy="3170099"/>
+            <a:off x="1133595" y="19879087"/>
+            <a:ext cx="10698568" cy="3169842"/>
           </a:xfrm>
           <a:prstGeom prst="rect">
             <a:avLst/>
@@ -3873,9 +3908,9 @@
           </a:bodyPr>
           <a:lstStyle/>
           <a:p>
-            <a:pPr marL="571500" indent="-571500">
+            <a:pPr marL="476231" indent="-476231">
               <a:lnSpc>
-                <a:spcPts val="6000"/>
+                <a:spcPct val="150000"/>
               </a:lnSpc>
               <a:buClr>
                 <a:srgbClr val="009966"/>
@@ -3884,7 +3919,7 @@
               <a:buChar char="v"/>
             </a:pPr>
             <a:r>
-              <a:rPr lang="en-US" sz="4000" dirty="0" smtClean="0">
+              <a:rPr lang="en-US" sz="3333" dirty="0">
                 <a:solidFill>
                   <a:sysClr val="windowText" lastClr="000000"/>
                 </a:solidFill>
@@ -3893,7 +3928,7 @@
               <a:t>Each process is associated with a “</a:t>
             </a:r>
             <a:r>
-              <a:rPr lang="en-US" sz="4000" b="1" dirty="0" smtClean="0">
+              <a:rPr lang="en-US" sz="3333" b="1" dirty="0">
                 <a:solidFill>
                   <a:srgbClr val="00B050"/>
                 </a:solidFill>
@@ -3902,7 +3937,7 @@
               <a:t>shadow</a:t>
             </a:r>
             <a:r>
-              <a:rPr lang="en-US" sz="4000" dirty="0" smtClean="0">
+              <a:rPr lang="en-US" sz="3333" dirty="0">
                 <a:solidFill>
                   <a:sysClr val="windowText" lastClr="000000"/>
                 </a:solidFill>
@@ -3912,9 +3947,9 @@
             </a:r>
           </a:p>
           <a:p>
-            <a:pPr marL="571500" indent="-571500">
+            <a:pPr marL="476231" indent="-476231">
               <a:lnSpc>
-                <a:spcPts val="6000"/>
+                <a:spcPct val="150000"/>
               </a:lnSpc>
               <a:buClr>
                 <a:srgbClr val="009966"/>
@@ -3923,7 +3958,7 @@
               <a:buChar char="v"/>
             </a:pPr>
             <a:r>
-              <a:rPr lang="en-US" sz="4000" dirty="0" smtClean="0">
+              <a:rPr lang="en-US" sz="3333" dirty="0">
                 <a:solidFill>
                   <a:sysClr val="windowText" lastClr="000000"/>
                 </a:solidFill>
@@ -3932,7 +3967,7 @@
               <a:t>Shadow processes initially execute at </a:t>
             </a:r>
             <a:r>
-              <a:rPr lang="en-US" sz="4000" dirty="0" smtClean="0">
+              <a:rPr lang="en-US" sz="3333" dirty="0">
                 <a:solidFill>
                   <a:srgbClr val="00B050"/>
                 </a:solidFill>
@@ -3942,9 +3977,9 @@
             </a:r>
           </a:p>
           <a:p>
-            <a:pPr marL="571500" indent="-571500">
+            <a:pPr marL="476231" indent="-476231">
               <a:lnSpc>
-                <a:spcPts val="6000"/>
+                <a:spcPct val="150000"/>
               </a:lnSpc>
               <a:buClr>
                 <a:srgbClr val="009966"/>
@@ -3953,7 +3988,7 @@
               <a:buChar char="v"/>
             </a:pPr>
             <a:r>
-              <a:rPr lang="en-US" sz="4000" dirty="0" smtClean="0">
+              <a:rPr lang="en-US" sz="3333" dirty="0">
                 <a:solidFill>
                   <a:sysClr val="windowText" lastClr="000000"/>
                 </a:solidFill>
@@ -3974,25 +4009,25 @@
         </p:nvSpPr>
         <p:spPr>
           <a:xfrm>
-            <a:off x="5295733" y="558304"/>
-            <a:ext cx="32009976" cy="1447800"/>
+            <a:off x="5090240" y="179041"/>
+            <a:ext cx="26674980" cy="2625235"/>
           </a:xfrm>
           <a:prstGeom prst="rect">
             <a:avLst/>
           </a:prstGeom>
         </p:spPr>
         <p:txBody>
-          <a:bodyPr lIns="91436" tIns="45717" rIns="91436" bIns="45717" anchor="ctr" anchorCtr="0"/>
+          <a:bodyPr lIns="76197" tIns="38098" rIns="76197" bIns="38098" anchor="ctr" anchorCtr="0"/>
           <a:lstStyle/>
           <a:p>
-            <a:pPr lvl="0" algn="ctr" defTabSz="4388900">
+            <a:pPr algn="ctr" defTabSz="3657270">
               <a:spcBef>
                 <a:spcPct val="0"/>
               </a:spcBef>
               <a:defRPr/>
             </a:pPr>
             <a:r>
-              <a:rPr lang="en-US" sz="8800" b="1" dirty="0" smtClean="0">
+              <a:rPr lang="en-US" sz="8000" b="1" dirty="0">
                 <a:latin typeface="Gill Sans MT" charset="0"/>
                 <a:ea typeface="Gill Sans MT" charset="0"/>
                 <a:cs typeface="Gill Sans MT" charset="0"/>
@@ -4001,27 +4036,21 @@
             </a:r>
           </a:p>
           <a:p>
-            <a:pPr lvl="0" algn="ctr" defTabSz="4388900">
+            <a:pPr algn="ctr" defTabSz="3657270">
               <a:spcBef>
                 <a:spcPct val="0"/>
               </a:spcBef>
               <a:defRPr/>
             </a:pPr>
             <a:r>
-              <a:rPr lang="en-US" sz="8800" b="1" dirty="0" smtClean="0">
+              <a:rPr lang="en-US" sz="8000" b="1" dirty="0">
                 <a:latin typeface="Gill Sans MT" charset="0"/>
                 <a:ea typeface="Gill Sans MT" charset="0"/>
                 <a:cs typeface="Gill Sans MT" charset="0"/>
               </a:rPr>
               <a:t>Resilience for Extreme-scale Systems</a:t>
             </a:r>
-            <a:endParaRPr kumimoji="0" lang="en-US" sz="8800" b="1" i="0" u="none" strike="noStrike" kern="1200" cap="none" spc="0" normalizeH="0" baseline="0" noProof="0" dirty="0">
-              <a:ln>
-                <a:noFill/>
-              </a:ln>
-              <a:effectLst/>
-              <a:uLnTx/>
-              <a:uFillTx/>
+            <a:endParaRPr lang="en-US" sz="8000" b="1" dirty="0">
               <a:latin typeface="Gill Sans MT" charset="0"/>
               <a:ea typeface="Gill Sans MT" charset="0"/>
               <a:cs typeface="Gill Sans MT" charset="0"/>
@@ -4039,8 +4068,8 @@
         </p:nvSpPr>
         <p:spPr>
           <a:xfrm>
-            <a:off x="5366081" y="2665405"/>
-            <a:ext cx="31998968" cy="3005612"/>
+            <a:off x="5220667" y="2770190"/>
+            <a:ext cx="26665807" cy="2971856"/>
           </a:xfrm>
           <a:prstGeom prst="rect">
             <a:avLst/>
@@ -4050,17 +4079,14 @@
           <a:bodyPr/>
           <a:lstStyle/>
           <a:p>
-            <a:pPr marL="1645838" indent="-1645838" algn="ctr" defTabSz="4388900">
-              <a:lnSpc>
-                <a:spcPts val="4500"/>
-              </a:lnSpc>
+            <a:pPr marL="1371477" indent="-1371477" algn="ctr" defTabSz="3657270">
               <a:spcBef>
                 <a:spcPct val="20000"/>
               </a:spcBef>
               <a:defRPr/>
             </a:pPr>
             <a:r>
-              <a:rPr lang="en-US" sz="4400" dirty="0" err="1" smtClean="0">
+              <a:rPr lang="en-US" sz="4400" dirty="0" err="1">
                 <a:latin typeface="Gill Sans MT" charset="0"/>
                 <a:ea typeface="Gill Sans MT" charset="0"/>
                 <a:cs typeface="Gill Sans MT" charset="0"/>
@@ -4068,7 +4094,7 @@
               <a:t>Xiaolong</a:t>
             </a:r>
             <a:r>
-              <a:rPr lang="en-US" sz="4400" dirty="0" smtClean="0">
+              <a:rPr lang="en-US" sz="4400" dirty="0">
                 <a:latin typeface="Gill Sans MT" charset="0"/>
                 <a:ea typeface="Gill Sans MT" charset="0"/>
                 <a:cs typeface="Gill Sans MT" charset="0"/>
@@ -4174,54 +4200,19 @@
             </a:endParaRPr>
           </a:p>
           <a:p>
-            <a:pPr marL="1645838" lvl="0" indent="-1645838" algn="ctr" defTabSz="4388900">
-              <a:lnSpc>
-                <a:spcPts val="4500"/>
-              </a:lnSpc>
+            <a:pPr marL="1371477" indent="-1371477" algn="ctr" defTabSz="3657270">
               <a:spcBef>
                 <a:spcPct val="20000"/>
               </a:spcBef>
               <a:defRPr/>
             </a:pPr>
             <a:r>
-              <a:rPr lang="en-US" altLang="zh-CN" sz="4400" baseline="30000" dirty="0" smtClean="0">
+              <a:rPr lang="en-US" altLang="zh-CN" sz="4400" baseline="30000" dirty="0">
                 <a:latin typeface="Gill Sans MT" charset="0"/>
                 <a:ea typeface="Gill Sans MT" charset="0"/>
                 <a:cs typeface="Gill Sans MT" charset="0"/>
               </a:rPr>
               <a:t>1</a:t>
-            </a:r>
-            <a:r>
-              <a:rPr lang="en-US" altLang="zh-CN" sz="4400" dirty="0" smtClean="0">
-                <a:latin typeface="Gill Sans MT" charset="0"/>
-                <a:ea typeface="Gill Sans MT" charset="0"/>
-                <a:cs typeface="Gill Sans MT" charset="0"/>
-              </a:rPr>
-              <a:t>Computer </a:t>
-            </a:r>
-            <a:r>
-              <a:rPr lang="en-US" altLang="zh-CN" sz="4400" dirty="0" smtClean="0">
-                <a:latin typeface="Gill Sans MT" charset="0"/>
-                <a:ea typeface="Gill Sans MT" charset="0"/>
-                <a:cs typeface="Gill Sans MT" charset="0"/>
-              </a:rPr>
-              <a:t>Science, </a:t>
-            </a:r>
-            <a:r>
-              <a:rPr lang="en-US" sz="4400" dirty="0" smtClean="0">
-                <a:latin typeface="Gill Sans MT" charset="0"/>
-                <a:ea typeface="Gill Sans MT" charset="0"/>
-                <a:cs typeface="Gill Sans MT" charset="0"/>
-              </a:rPr>
-              <a:t>U</a:t>
-            </a:r>
-            <a:r>
-              <a:rPr lang="en-US" altLang="zh-CN" sz="4400" dirty="0" smtClean="0">
-                <a:latin typeface="Gill Sans MT" charset="0"/>
-                <a:ea typeface="Gill Sans MT" charset="0"/>
-                <a:cs typeface="Gill Sans MT" charset="0"/>
-              </a:rPr>
-              <a:t>niversity </a:t>
             </a:r>
             <a:r>
               <a:rPr lang="en-US" altLang="zh-CN" sz="4400" dirty="0">
@@ -4229,42 +4220,55 @@
                 <a:ea typeface="Gill Sans MT" charset="0"/>
                 <a:cs typeface="Gill Sans MT" charset="0"/>
               </a:rPr>
-              <a:t>of </a:t>
-            </a:r>
-            <a:r>
-              <a:rPr lang="en-US" altLang="zh-CN" sz="4400" dirty="0" smtClean="0">
+              <a:t>Computer Science, </a:t>
+            </a:r>
+            <a:r>
+              <a:rPr lang="en-US" sz="4400" dirty="0">
                 <a:latin typeface="Gill Sans MT" charset="0"/>
                 <a:ea typeface="Gill Sans MT" charset="0"/>
                 <a:cs typeface="Gill Sans MT" charset="0"/>
               </a:rPr>
+              <a:t>U</a:t>
+            </a:r>
+            <a:r>
+              <a:rPr lang="en-US" altLang="zh-CN" sz="4400" dirty="0">
+                <a:latin typeface="Gill Sans MT" charset="0"/>
+                <a:ea typeface="Gill Sans MT" charset="0"/>
+                <a:cs typeface="Gill Sans MT" charset="0"/>
+              </a:rPr>
+              <a:t>niversity </a:t>
+            </a:r>
+            <a:r>
+              <a:rPr lang="en-US" altLang="zh-CN" sz="4400" dirty="0">
+                <a:latin typeface="Gill Sans MT" charset="0"/>
+                <a:ea typeface="Gill Sans MT" charset="0"/>
+                <a:cs typeface="Gill Sans MT" charset="0"/>
+              </a:rPr>
+              <a:t>of </a:t>
+            </a:r>
+            <a:r>
+              <a:rPr lang="en-US" altLang="zh-CN" sz="4400" dirty="0">
+                <a:latin typeface="Gill Sans MT" charset="0"/>
+                <a:ea typeface="Gill Sans MT" charset="0"/>
+                <a:cs typeface="Gill Sans MT" charset="0"/>
+              </a:rPr>
               <a:t>Pittsburgh, USA</a:t>
             </a:r>
           </a:p>
           <a:p>
-            <a:pPr marL="1645838" indent="-1645838" algn="ctr" defTabSz="4388900">
-              <a:lnSpc>
-                <a:spcPts val="4500"/>
-              </a:lnSpc>
+            <a:pPr marL="1371477" indent="-1371477" algn="ctr" defTabSz="3657270">
               <a:spcBef>
                 <a:spcPct val="20000"/>
               </a:spcBef>
               <a:defRPr/>
             </a:pPr>
             <a:r>
-              <a:rPr lang="en-US" sz="4400" baseline="30000" dirty="0" smtClean="0">
+              <a:rPr lang="en-US" sz="4400" baseline="30000" dirty="0">
                 <a:latin typeface="Gill Sans MT" charset="0"/>
                 <a:ea typeface="Gill Sans MT" charset="0"/>
                 <a:cs typeface="Gill Sans MT" charset="0"/>
               </a:rPr>
               <a:t>2</a:t>
-            </a:r>
-            <a:r>
-              <a:rPr lang="en-US" sz="4400" dirty="0" smtClean="0">
-                <a:latin typeface="Gill Sans MT" charset="0"/>
-                <a:ea typeface="Gill Sans MT" charset="0"/>
-                <a:cs typeface="Gill Sans MT" charset="0"/>
-              </a:rPr>
-              <a:t>King </a:t>
             </a:r>
             <a:r>
               <a:rPr lang="en-US" sz="4400" dirty="0">
@@ -4272,6 +4276,14 @@
                 <a:ea typeface="Gill Sans MT" charset="0"/>
                 <a:cs typeface="Gill Sans MT" charset="0"/>
               </a:rPr>
+              <a:t>King </a:t>
+            </a:r>
+            <a:r>
+              <a:rPr lang="en-US" sz="4400" dirty="0">
+                <a:latin typeface="Gill Sans MT" charset="0"/>
+                <a:ea typeface="Gill Sans MT" charset="0"/>
+                <a:cs typeface="Gill Sans MT" charset="0"/>
+              </a:rPr>
               <a:t>Abdullah University of Science and Technology, </a:t>
             </a:r>
             <a:r>
@@ -4291,51 +4303,23 @@
               <a:t>, Saudi </a:t>
             </a:r>
             <a:r>
-              <a:rPr lang="en-US" sz="4400" dirty="0" smtClean="0">
-                <a:latin typeface="Gill Sans MT" charset="0"/>
-                <a:ea typeface="Gill Sans MT" charset="0"/>
-                <a:cs typeface="Gill Sans MT" charset="0"/>
-              </a:rPr>
-              <a:t>Arabia</a:t>
-            </a:r>
-          </a:p>
-          <a:p>
-            <a:pPr algn="ctr">
-              <a:lnSpc>
-                <a:spcPts val="4500"/>
-              </a:lnSpc>
-            </a:pPr>
-            <a:r>
-              <a:rPr lang="en-US" sz="4400" baseline="30000" dirty="0" smtClean="0">
-                <a:latin typeface="Gill Sans MT" charset="0"/>
-                <a:ea typeface="Gill Sans MT" charset="0"/>
-                <a:cs typeface="Gill Sans MT" charset="0"/>
-              </a:rPr>
-              <a:t>3</a:t>
-            </a:r>
-            <a:r>
-              <a:rPr lang="en-US" sz="4400" dirty="0" smtClean="0">
-                <a:latin typeface="Gill Sans MT" charset="0"/>
-                <a:ea typeface="Gill Sans MT" charset="0"/>
-                <a:cs typeface="Gill Sans MT" charset="0"/>
-              </a:rPr>
-              <a:t>School </a:t>
-            </a:r>
-            <a:r>
               <a:rPr lang="en-US" sz="4400" dirty="0">
                 <a:latin typeface="Gill Sans MT" charset="0"/>
                 <a:ea typeface="Gill Sans MT" charset="0"/>
                 <a:cs typeface="Gill Sans MT" charset="0"/>
               </a:rPr>
-              <a:t>of </a:t>
-            </a:r>
-            <a:r>
-              <a:rPr lang="en-US" sz="4400" dirty="0" smtClean="0">
+              <a:t>Arabia</a:t>
+            </a:r>
+          </a:p>
+          <a:p>
+            <a:pPr algn="ctr"/>
+            <a:r>
+              <a:rPr lang="en-US" sz="4400" baseline="30000" dirty="0">
                 <a:latin typeface="Gill Sans MT" charset="0"/>
                 <a:ea typeface="Gill Sans MT" charset="0"/>
                 <a:cs typeface="Gill Sans MT" charset="0"/>
               </a:rPr>
-              <a:t>Computing, Costa </a:t>
+              <a:t>3</a:t>
             </a:r>
             <a:r>
               <a:rPr lang="en-US" sz="4400" dirty="0">
@@ -4343,15 +4327,7 @@
                 <a:ea typeface="Gill Sans MT" charset="0"/>
                 <a:cs typeface="Gill Sans MT" charset="0"/>
               </a:rPr>
-              <a:t>Rica Institute of </a:t>
-            </a:r>
-            <a:r>
-              <a:rPr lang="en-US" sz="4400" dirty="0" smtClean="0">
-                <a:latin typeface="Gill Sans MT" charset="0"/>
-                <a:ea typeface="Gill Sans MT" charset="0"/>
-                <a:cs typeface="Gill Sans MT" charset="0"/>
-              </a:rPr>
-              <a:t>Technology, </a:t>
+              <a:t>School </a:t>
             </a:r>
             <a:r>
               <a:rPr lang="en-US" sz="4400" dirty="0">
@@ -4359,10 +4335,42 @@
                 <a:ea typeface="Gill Sans MT" charset="0"/>
                 <a:cs typeface="Gill Sans MT" charset="0"/>
               </a:rPr>
+              <a:t>of </a:t>
+            </a:r>
+            <a:r>
+              <a:rPr lang="en-US" sz="4400" dirty="0">
+                <a:latin typeface="Gill Sans MT" charset="0"/>
+                <a:ea typeface="Gill Sans MT" charset="0"/>
+                <a:cs typeface="Gill Sans MT" charset="0"/>
+              </a:rPr>
+              <a:t>Computing, Costa </a:t>
+            </a:r>
+            <a:r>
+              <a:rPr lang="en-US" sz="4400" dirty="0">
+                <a:latin typeface="Gill Sans MT" charset="0"/>
+                <a:ea typeface="Gill Sans MT" charset="0"/>
+                <a:cs typeface="Gill Sans MT" charset="0"/>
+              </a:rPr>
+              <a:t>Rica Institute of </a:t>
+            </a:r>
+            <a:r>
+              <a:rPr lang="en-US" sz="4400" dirty="0">
+                <a:latin typeface="Gill Sans MT" charset="0"/>
+                <a:ea typeface="Gill Sans MT" charset="0"/>
+                <a:cs typeface="Gill Sans MT" charset="0"/>
+              </a:rPr>
+              <a:t>Technology, </a:t>
+            </a:r>
+            <a:r>
+              <a:rPr lang="en-US" sz="4400" dirty="0">
+                <a:latin typeface="Gill Sans MT" charset="0"/>
+                <a:ea typeface="Gill Sans MT" charset="0"/>
+                <a:cs typeface="Gill Sans MT" charset="0"/>
+              </a:rPr>
               <a:t>Costa Rica</a:t>
             </a:r>
             <a:r>
-              <a:rPr lang="en-US" sz="4400" dirty="0" smtClean="0">
+              <a:rPr lang="en-US" sz="4400" dirty="0">
                 <a:latin typeface="Gill Sans MT" charset="0"/>
                 <a:ea typeface="Gill Sans MT" charset="0"/>
                 <a:cs typeface="Gill Sans MT" charset="0"/>
@@ -4376,38 +4384,26 @@
             </a:endParaRPr>
           </a:p>
           <a:p>
-            <a:pPr marL="1645838" lvl="0" indent="-1645838" algn="ctr" defTabSz="4388900">
-              <a:lnSpc>
-                <a:spcPts val="4500"/>
-              </a:lnSpc>
+            <a:pPr marL="1371477" indent="-1371477" algn="ctr" defTabSz="3657270">
               <a:spcBef>
                 <a:spcPct val="20000"/>
               </a:spcBef>
               <a:defRPr/>
             </a:pPr>
-            <a:endParaRPr lang="en-US" altLang="zh-CN" sz="4400" dirty="0" smtClean="0">
+            <a:endParaRPr lang="en-US" altLang="zh-CN" sz="4400" dirty="0">
               <a:latin typeface="Gill Sans MT" charset="0"/>
               <a:ea typeface="Gill Sans MT" charset="0"/>
               <a:cs typeface="Gill Sans MT" charset="0"/>
             </a:endParaRPr>
           </a:p>
           <a:p>
-            <a:pPr marL="1645838" lvl="0" indent="-1645838" algn="ctr" defTabSz="4388900">
-              <a:lnSpc>
-                <a:spcPts val="4500"/>
-              </a:lnSpc>
+            <a:pPr marL="1371477" indent="-1371477" algn="ctr" defTabSz="3657270">
               <a:spcBef>
                 <a:spcPct val="20000"/>
               </a:spcBef>
               <a:defRPr/>
             </a:pPr>
-            <a:endParaRPr kumimoji="0" lang="en-US" sz="4400" b="0" i="0" u="none" strike="noStrike" kern="1200" cap="none" spc="0" normalizeH="0" baseline="0" noProof="0" dirty="0">
-              <a:ln>
-                <a:noFill/>
-              </a:ln>
-              <a:effectLst/>
-              <a:uLnTx/>
-              <a:uFillTx/>
+            <a:endParaRPr lang="en-US" sz="4400" dirty="0">
               <a:latin typeface="Gill Sans MT" charset="0"/>
               <a:ea typeface="Gill Sans MT" charset="0"/>
               <a:cs typeface="Gill Sans MT" charset="0"/>
@@ -4425,8 +4421,8 @@
         </p:nvSpPr>
         <p:spPr>
           <a:xfrm>
-            <a:off x="5441198" y="2648649"/>
-            <a:ext cx="31998968" cy="821181"/>
+            <a:off x="4534332" y="4950408"/>
+            <a:ext cx="26665807" cy="684318"/>
           </a:xfrm>
           <a:prstGeom prst="rect">
             <a:avLst/>
@@ -4436,19 +4432,13 @@
           <a:bodyPr/>
           <a:lstStyle/>
           <a:p>
-            <a:pPr marL="1645838" lvl="0" indent="-1645838" algn="ctr" defTabSz="4388900">
+            <a:pPr marL="1371477" indent="-1371477" algn="ctr" defTabSz="3657270">
               <a:spcBef>
                 <a:spcPct val="20000"/>
               </a:spcBef>
               <a:defRPr/>
             </a:pPr>
-            <a:endParaRPr kumimoji="0" lang="en-US" sz="4400" b="0" i="0" u="none" strike="noStrike" kern="1200" cap="none" spc="0" normalizeH="0" baseline="0" noProof="0" dirty="0">
-              <a:ln>
-                <a:noFill/>
-              </a:ln>
-              <a:effectLst/>
-              <a:uLnTx/>
-              <a:uFillTx/>
+            <a:endParaRPr lang="en-US" sz="3667" dirty="0">
               <a:latin typeface="Gill Sans MT" charset="0"/>
               <a:ea typeface="Gill Sans MT" charset="0"/>
               <a:cs typeface="Gill Sans MT" charset="0"/>
@@ -4465,15 +4455,15 @@
           <p:nvPr/>
         </p:nvPicPr>
         <p:blipFill>
-          <a:blip r:embed="rId8"/>
+          <a:blip r:embed="rId9"/>
           <a:stretch>
             <a:fillRect/>
           </a:stretch>
         </p:blipFill>
         <p:spPr>
           <a:xfrm>
-            <a:off x="2855470" y="558304"/>
-            <a:ext cx="2602510" cy="2594933"/>
+            <a:off x="2781895" y="648134"/>
+            <a:ext cx="2168758" cy="2162444"/>
           </a:xfrm>
           <a:prstGeom prst="rect">
             <a:avLst/>
@@ -4488,12 +4478,12 @@
         </p:nvSpPr>
         <p:spPr>
           <a:xfrm>
-            <a:off x="904185" y="18597545"/>
-            <a:ext cx="13791732" cy="13330657"/>
+            <a:off x="753488" y="18835667"/>
+            <a:ext cx="11493110" cy="12196865"/>
           </a:xfrm>
           <a:prstGeom prst="snip1Rect">
             <a:avLst>
-              <a:gd name="adj" fmla="val 24666"/>
+              <a:gd name="adj" fmla="val 32622"/>
             </a:avLst>
           </a:prstGeom>
           <a:noFill/>
@@ -4524,14 +4514,14 @@
           <a:bodyPr rtlCol="0" anchor="ctr"/>
           <a:lstStyle/>
           <a:p>
-            <a:pPr marL="571500" indent="-571500" algn="ctr" defTabSz="914400">
+            <a:pPr marL="476231" indent="-476231" algn="ctr" defTabSz="761970">
               <a:buClr>
                 <a:srgbClr val="F07F09"/>
               </a:buClr>
               <a:buFont typeface="Courier New"/>
               <a:buChar char="o"/>
             </a:pPr>
-            <a:endParaRPr lang="en-US" sz="4000" dirty="0" smtClean="0">
+            <a:endParaRPr lang="en-US" sz="3333" dirty="0">
               <a:solidFill>
                 <a:sysClr val="windowText" lastClr="000000"/>
               </a:solidFill>
@@ -4548,12 +4538,12 @@
         </p:nvSpPr>
         <p:spPr>
           <a:xfrm rot="16200000" flipH="1" flipV="1">
-            <a:off x="1549910" y="4795838"/>
-            <a:ext cx="12500273" cy="13791731"/>
+            <a:off x="428512" y="6287042"/>
+            <a:ext cx="12143048" cy="11493109"/>
           </a:xfrm>
           <a:prstGeom prst="snip1Rect">
             <a:avLst>
-              <a:gd name="adj" fmla="val 26484"/>
+              <a:gd name="adj" fmla="val 33319"/>
             </a:avLst>
           </a:prstGeom>
           <a:noFill/>
@@ -4584,14 +4574,14 @@
           <a:bodyPr rtlCol="0" anchor="ctr"/>
           <a:lstStyle/>
           <a:p>
-            <a:pPr marL="571500" indent="-571500" algn="ctr" defTabSz="914400">
+            <a:pPr marL="476231" indent="-476231" algn="ctr" defTabSz="761970">
               <a:buClr>
                 <a:srgbClr val="F07F09"/>
               </a:buClr>
               <a:buFont typeface="Courier New"/>
               <a:buChar char="o"/>
             </a:pPr>
-            <a:endParaRPr lang="en-US" sz="4000" dirty="0" smtClean="0">
+            <a:endParaRPr lang="en-US" sz="3333" dirty="0">
               <a:ln>
                 <a:solidFill>
                   <a:srgbClr val="FF6600"/>
@@ -4613,12 +4603,12 @@
         </p:nvSpPr>
         <p:spPr>
           <a:xfrm flipH="1">
-            <a:off x="28667202" y="18529341"/>
-            <a:ext cx="14455333" cy="13398861"/>
+            <a:off x="23889334" y="18835667"/>
+            <a:ext cx="12046111" cy="12196865"/>
           </a:xfrm>
           <a:prstGeom prst="snip1Rect">
             <a:avLst>
-              <a:gd name="adj" fmla="val 24666"/>
+              <a:gd name="adj" fmla="val 31954"/>
             </a:avLst>
           </a:prstGeom>
           <a:noFill/>
@@ -4651,14 +4641,14 @@
           <a:bodyPr rtlCol="0" anchor="ctr"/>
           <a:lstStyle/>
           <a:p>
-            <a:pPr marL="571500" indent="-571500" algn="ctr" defTabSz="914400">
+            <a:pPr marL="476231" indent="-476231" algn="ctr" defTabSz="761970">
               <a:buClr>
                 <a:srgbClr val="F07F09"/>
               </a:buClr>
               <a:buFont typeface="Courier New"/>
               <a:buChar char="o"/>
             </a:pPr>
-            <a:endParaRPr lang="en-US" sz="4000" dirty="0" smtClean="0">
+            <a:endParaRPr lang="en-US" sz="3333" dirty="0">
               <a:solidFill>
                 <a:sysClr val="windowText" lastClr="000000"/>
               </a:solidFill>
@@ -4675,12 +4665,12 @@
         </p:nvSpPr>
         <p:spPr>
           <a:xfrm rot="5400000" flipV="1">
-            <a:off x="29644735" y="4464038"/>
-            <a:ext cx="12500272" cy="14455332"/>
+            <a:off x="23840383" y="6010058"/>
+            <a:ext cx="12144019" cy="12046110"/>
           </a:xfrm>
           <a:prstGeom prst="snip1Rect">
             <a:avLst>
-              <a:gd name="adj" fmla="val 25858"/>
+              <a:gd name="adj" fmla="val 31020"/>
             </a:avLst>
           </a:prstGeom>
           <a:noFill/>
@@ -4711,14 +4701,14 @@
           <a:bodyPr rtlCol="0" anchor="ctr"/>
           <a:lstStyle/>
           <a:p>
-            <a:pPr marL="571500" indent="-571500" algn="ctr" defTabSz="914400">
+            <a:pPr marL="476231" indent="-476231" algn="ctr" defTabSz="761970">
               <a:buClr>
                 <a:srgbClr val="F07F09"/>
               </a:buClr>
               <a:buFont typeface="Courier New"/>
               <a:buChar char="o"/>
             </a:pPr>
-            <a:endParaRPr lang="en-US" sz="4000" dirty="0" smtClean="0">
+            <a:endParaRPr lang="en-US" sz="3333" dirty="0">
               <a:solidFill>
                 <a:sysClr val="windowText" lastClr="000000"/>
               </a:solidFill>
@@ -4735,8 +4725,8 @@
         </p:nvSpPr>
         <p:spPr>
           <a:xfrm>
-            <a:off x="1017656" y="5489450"/>
-            <a:ext cx="4077526" cy="1015663"/>
+            <a:off x="1231423" y="6257272"/>
+            <a:ext cx="3428183" cy="861774"/>
           </a:xfrm>
           <a:prstGeom prst="rect">
             <a:avLst/>
@@ -4750,7 +4740,7 @@
           <a:lstStyle/>
           <a:p>
             <a:r>
-              <a:rPr lang="en-US" altLang="zh-CN" sz="6000" dirty="0" smtClean="0">
+              <a:rPr lang="en-US" altLang="zh-CN" sz="5000" dirty="0">
                 <a:solidFill>
                   <a:srgbClr val="FF0000"/>
                 </a:solidFill>
@@ -4759,7 +4749,7 @@
               </a:rPr>
               <a:t>Introduction</a:t>
             </a:r>
-            <a:endParaRPr lang="en-US" sz="4800" dirty="0">
+            <a:endParaRPr lang="en-US" sz="4000" dirty="0">
               <a:solidFill>
                 <a:srgbClr val="FF0000"/>
               </a:solidFill>
@@ -4777,8 +4767,8 @@
         </p:nvSpPr>
         <p:spPr>
           <a:xfrm>
-            <a:off x="940762" y="18632971"/>
-            <a:ext cx="5071709" cy="1015663"/>
+            <a:off x="1207199" y="19111322"/>
+            <a:ext cx="4260141" cy="861774"/>
           </a:xfrm>
           <a:prstGeom prst="rect">
             <a:avLst/>
@@ -4792,7 +4782,7 @@
           <a:lstStyle/>
           <a:p>
             <a:r>
-              <a:rPr lang="en-US" altLang="zh-CN" sz="6000" dirty="0" smtClean="0">
+              <a:rPr lang="en-US" altLang="zh-CN" sz="5000" dirty="0">
                 <a:solidFill>
                   <a:srgbClr val="009966"/>
                 </a:solidFill>
@@ -4801,7 +4791,7 @@
               </a:rPr>
               <a:t>Lazy Shadowing</a:t>
             </a:r>
-            <a:endParaRPr lang="en-US" sz="6000" dirty="0">
+            <a:endParaRPr lang="en-US" sz="5000" dirty="0">
               <a:solidFill>
                 <a:srgbClr val="009966"/>
               </a:solidFill>
@@ -4819,8 +4809,8 @@
         </p:nvSpPr>
         <p:spPr>
           <a:xfrm>
-            <a:off x="37797971" y="5489450"/>
-            <a:ext cx="5160965" cy="1015663"/>
+            <a:off x="31179788" y="6254679"/>
+            <a:ext cx="4334520" cy="861774"/>
           </a:xfrm>
           <a:prstGeom prst="rect">
             <a:avLst/>
@@ -4834,7 +4824,7 @@
           <a:lstStyle/>
           <a:p>
             <a:r>
-              <a:rPr lang="en-US" altLang="zh-CN" sz="6000" dirty="0" smtClean="0">
+              <a:rPr lang="en-US" altLang="zh-CN" sz="5000" dirty="0">
                 <a:solidFill>
                   <a:srgbClr val="0000FF"/>
                 </a:solidFill>
@@ -4843,7 +4833,7 @@
               </a:rPr>
               <a:t>Shadow Leaping</a:t>
             </a:r>
-            <a:endParaRPr lang="en-US" sz="6000" dirty="0">
+            <a:endParaRPr lang="en-US" sz="5000" dirty="0">
               <a:solidFill>
                 <a:srgbClr val="0000FF"/>
               </a:solidFill>
@@ -4861,8 +4851,8 @@
         </p:nvSpPr>
         <p:spPr>
           <a:xfrm>
-            <a:off x="36588462" y="18597545"/>
-            <a:ext cx="6457217" cy="1015663"/>
+            <a:off x="30302431" y="19113783"/>
+            <a:ext cx="5412059" cy="861774"/>
           </a:xfrm>
           <a:prstGeom prst="rect">
             <a:avLst/>
@@ -4876,7 +4866,7 @@
           <a:lstStyle/>
           <a:p>
             <a:r>
-              <a:rPr lang="en-US" altLang="zh-CN" sz="6000" dirty="0" smtClean="0">
+              <a:rPr lang="en-US" altLang="zh-CN" sz="5000" dirty="0">
                 <a:solidFill>
                   <a:schemeClr val="accent6">
                     <a:lumMod val="75000"/>
@@ -4887,7 +4877,7 @@
               </a:rPr>
               <a:t>MPI Implementation</a:t>
             </a:r>
-            <a:endParaRPr lang="en-US" sz="6000" dirty="0">
+            <a:endParaRPr lang="en-US" sz="5000" dirty="0">
               <a:solidFill>
                 <a:schemeClr val="accent6">
                   <a:lumMod val="75000"/>
@@ -4907,8 +4897,8 @@
         </p:nvSpPr>
         <p:spPr>
           <a:xfrm>
-            <a:off x="29679336" y="31948583"/>
-            <a:ext cx="13443201" cy="923330"/>
+            <a:off x="23054591" y="31499421"/>
+            <a:ext cx="11202668" cy="784830"/>
           </a:xfrm>
           <a:prstGeom prst="rect">
             <a:avLst/>
@@ -4923,13 +4913,13 @@
           <a:p>
             <a:pPr algn="r"/>
             <a:r>
-              <a:rPr lang="en-US" sz="5400" i="1" dirty="0" smtClean="0">
+              <a:rPr lang="en-US" sz="4500" i="1" dirty="0">
                 <a:latin typeface="Times"/>
                 <a:cs typeface="Times"/>
               </a:rPr>
               <a:t>This poster is supported by US DoE funding.</a:t>
             </a:r>
-            <a:endParaRPr lang="en-US" sz="5400" i="1" dirty="0">
+            <a:endParaRPr lang="en-US" sz="4500" i="1" dirty="0">
               <a:latin typeface="Times"/>
               <a:cs typeface="Times"/>
             </a:endParaRPr>
@@ -4944,8 +4934,8 @@
         </p:nvSpPr>
         <p:spPr>
           <a:xfrm>
-            <a:off x="1360856" y="6392543"/>
-            <a:ext cx="13442415" cy="769441"/>
+            <a:off x="1194847" y="7228262"/>
+            <a:ext cx="11202013" cy="656655"/>
           </a:xfrm>
           <a:prstGeom prst="rect">
             <a:avLst/>
@@ -4958,7 +4948,7 @@
           </a:bodyPr>
           <a:lstStyle/>
           <a:p>
-            <a:pPr marL="571500" indent="-571500">
+            <a:pPr marL="476231" indent="-476231">
               <a:buClr>
                 <a:srgbClr val="FF0000"/>
               </a:buClr>
@@ -4966,13 +4956,13 @@
               <a:buChar char="v"/>
             </a:pPr>
             <a:r>
-              <a:rPr lang="en-US" sz="4400" dirty="0" smtClean="0">
+              <a:rPr lang="en-US" sz="3667" dirty="0">
                 <a:latin typeface="Gill Sans MT"/>
                 <a:cs typeface="Gill Sans MT"/>
               </a:rPr>
               <a:t>System scale keeps growing for both HPC and Cloud.</a:t>
             </a:r>
-            <a:endParaRPr lang="en-US" sz="4400" dirty="0">
+            <a:endParaRPr lang="en-US" sz="3667" dirty="0">
               <a:latin typeface="Gill Sans MT"/>
               <a:cs typeface="Gill Sans MT"/>
             </a:endParaRPr>
@@ -4987,8 +4977,8 @@
         </p:nvSpPr>
         <p:spPr>
           <a:xfrm>
-            <a:off x="15128835" y="5441566"/>
-            <a:ext cx="13120702" cy="9269252"/>
+            <a:off x="12607363" y="5961104"/>
+            <a:ext cx="10933918" cy="8365945"/>
           </a:xfrm>
           <a:prstGeom prst="rect">
             <a:avLst/>
@@ -5023,14 +5013,14 @@
           <a:bodyPr rtlCol="0" anchor="ctr"/>
           <a:lstStyle/>
           <a:p>
-            <a:pPr marL="571500" indent="-571500" algn="ctr" defTabSz="914400">
+            <a:pPr marL="476231" indent="-476231" algn="ctr" defTabSz="761970">
               <a:buClr>
                 <a:srgbClr val="F07F09"/>
               </a:buClr>
               <a:buFont typeface="Courier New"/>
               <a:buChar char="o"/>
             </a:pPr>
-            <a:endParaRPr lang="en-US" sz="4000" dirty="0" smtClean="0">
+            <a:endParaRPr lang="en-US" sz="3333" dirty="0">
               <a:solidFill>
                 <a:sysClr val="windowText" lastClr="000000"/>
               </a:solidFill>
@@ -5047,8 +5037,8 @@
         </p:nvSpPr>
         <p:spPr>
           <a:xfrm>
-            <a:off x="15201986" y="5489450"/>
-            <a:ext cx="6458306" cy="1015663"/>
+            <a:off x="13066687" y="6258008"/>
+            <a:ext cx="5415906" cy="861774"/>
           </a:xfrm>
           <a:prstGeom prst="rect">
             <a:avLst/>
@@ -5062,7 +5052,7 @@
           <a:lstStyle/>
           <a:p>
             <a:r>
-              <a:rPr lang="en-US" altLang="zh-CN" sz="6000" dirty="0" smtClean="0">
+              <a:rPr lang="en-US" altLang="zh-CN" sz="5000" dirty="0">
                 <a:solidFill>
                   <a:schemeClr val="tx1">
                     <a:lumMod val="65000"/>
@@ -5074,7 +5064,7 @@
               </a:rPr>
               <a:t>Shadow Collocation</a:t>
             </a:r>
-            <a:endParaRPr lang="en-US" sz="4000" dirty="0">
+            <a:endParaRPr lang="en-US" sz="3333" dirty="0">
               <a:solidFill>
                 <a:schemeClr val="tx1">
                   <a:lumMod val="65000"/>
@@ -5095,8 +5085,8 @@
         </p:nvSpPr>
         <p:spPr>
           <a:xfrm>
-            <a:off x="15522410" y="6392543"/>
-            <a:ext cx="12968612" cy="2123658"/>
+            <a:off x="13005852" y="7059360"/>
+            <a:ext cx="10807177" cy="2631874"/>
           </a:xfrm>
           <a:prstGeom prst="rect">
             <a:avLst/>
@@ -5109,7 +5099,10 @@
           </a:bodyPr>
           <a:lstStyle/>
           <a:p>
-            <a:pPr marL="571500" indent="-571500">
+            <a:pPr marL="476231" indent="-476231">
+              <a:lnSpc>
+                <a:spcPct val="150000"/>
+              </a:lnSpc>
               <a:buClr>
                 <a:schemeClr val="tx1">
                   <a:lumMod val="65000"/>
@@ -5120,7 +5113,7 @@
               <a:buChar char="v"/>
             </a:pPr>
             <a:r>
-              <a:rPr lang="en-US" altLang="zh-CN" sz="4400" dirty="0" smtClean="0">
+              <a:rPr lang="en-US" altLang="zh-CN" sz="3667" dirty="0">
                 <a:solidFill>
                   <a:sysClr val="windowText" lastClr="000000"/>
                 </a:solidFill>
@@ -5131,7 +5124,7 @@
               <a:t>Collocate</a:t>
             </a:r>
             <a:r>
-              <a:rPr lang="zh-CN" altLang="en-US" sz="4400" dirty="0" smtClean="0">
+              <a:rPr lang="zh-CN" altLang="en-US" sz="3667" dirty="0">
                 <a:solidFill>
                   <a:sysClr val="windowText" lastClr="000000"/>
                 </a:solidFill>
@@ -5142,7 +5135,7 @@
               <a:t> </a:t>
             </a:r>
             <a:r>
-              <a:rPr lang="en-US" altLang="zh-CN" sz="4400" dirty="0" smtClean="0">
+              <a:rPr lang="en-US" altLang="zh-CN" sz="3667" dirty="0">
                 <a:solidFill>
                   <a:sysClr val="windowText" lastClr="000000"/>
                 </a:solidFill>
@@ -5153,7 +5146,7 @@
               <a:t>multiple</a:t>
             </a:r>
             <a:r>
-              <a:rPr lang="zh-CN" altLang="en-US" sz="4400" dirty="0" smtClean="0">
+              <a:rPr lang="zh-CN" altLang="en-US" sz="3667" dirty="0">
                 <a:solidFill>
                   <a:sysClr val="windowText" lastClr="000000"/>
                 </a:solidFill>
@@ -5164,7 +5157,7 @@
               <a:t> </a:t>
             </a:r>
             <a:r>
-              <a:rPr lang="en-US" altLang="zh-CN" sz="4400" dirty="0" smtClean="0">
+              <a:rPr lang="en-US" altLang="zh-CN" sz="3667" dirty="0">
                 <a:solidFill>
                   <a:sysClr val="windowText" lastClr="000000"/>
                 </a:solidFill>
@@ -5175,7 +5168,7 @@
               <a:t>shadow</a:t>
             </a:r>
             <a:r>
-              <a:rPr lang="zh-CN" altLang="en-US" sz="4400" dirty="0" smtClean="0">
+              <a:rPr lang="zh-CN" altLang="en-US" sz="3667" dirty="0">
                 <a:solidFill>
                   <a:sysClr val="windowText" lastClr="000000"/>
                 </a:solidFill>
@@ -5186,7 +5179,7 @@
               <a:t> </a:t>
             </a:r>
             <a:r>
-              <a:rPr lang="en-US" altLang="zh-CN" sz="4400" dirty="0" smtClean="0">
+              <a:rPr lang="en-US" altLang="zh-CN" sz="3667" dirty="0">
                 <a:solidFill>
                   <a:sysClr val="windowText" lastClr="000000"/>
                 </a:solidFill>
@@ -5197,7 +5190,7 @@
               <a:t>processes</a:t>
             </a:r>
             <a:r>
-              <a:rPr lang="zh-CN" altLang="en-US" sz="4400" dirty="0" smtClean="0">
+              <a:rPr lang="zh-CN" altLang="en-US" sz="3667" dirty="0">
                 <a:solidFill>
                   <a:sysClr val="windowText" lastClr="000000"/>
                 </a:solidFill>
@@ -5208,7 +5201,7 @@
               <a:t> </a:t>
             </a:r>
             <a:r>
-              <a:rPr lang="en-US" altLang="zh-CN" sz="4400" dirty="0" smtClean="0">
+              <a:rPr lang="en-US" altLang="zh-CN" sz="3667" dirty="0">
                 <a:solidFill>
                   <a:sysClr val="windowText" lastClr="000000"/>
                 </a:solidFill>
@@ -5219,7 +5212,7 @@
               <a:t>on</a:t>
             </a:r>
             <a:r>
-              <a:rPr lang="zh-CN" altLang="en-US" sz="4400" dirty="0" smtClean="0">
+              <a:rPr lang="zh-CN" altLang="en-US" sz="3667" dirty="0">
                 <a:solidFill>
                   <a:sysClr val="windowText" lastClr="000000"/>
                 </a:solidFill>
@@ -5230,7 +5223,7 @@
               <a:t> </a:t>
             </a:r>
             <a:r>
-              <a:rPr lang="en-US" altLang="zh-CN" sz="4400" dirty="0" smtClean="0">
+              <a:rPr lang="en-US" altLang="zh-CN" sz="3667" dirty="0">
                 <a:solidFill>
                   <a:sysClr val="windowText" lastClr="000000"/>
                 </a:solidFill>
@@ -5241,7 +5234,7 @@
               <a:t>each</a:t>
             </a:r>
             <a:r>
-              <a:rPr lang="zh-CN" altLang="en-US" sz="4400" dirty="0" smtClean="0">
+              <a:rPr lang="zh-CN" altLang="en-US" sz="3667" dirty="0">
                 <a:solidFill>
                   <a:sysClr val="windowText" lastClr="000000"/>
                 </a:solidFill>
@@ -5252,7 +5245,7 @@
               <a:t> </a:t>
             </a:r>
             <a:r>
-              <a:rPr lang="en-US" altLang="zh-CN" sz="4400" dirty="0" smtClean="0">
+              <a:rPr lang="en-US" altLang="zh-CN" sz="3667" dirty="0">
                 <a:solidFill>
                   <a:sysClr val="windowText" lastClr="000000"/>
                 </a:solidFill>
@@ -5264,7 +5257,10 @@
             </a:r>
           </a:p>
           <a:p>
-            <a:pPr marL="1341438" lvl="1" indent="-508000">
+            <a:pPr marL="1117820" lvl="1" indent="-423316">
+              <a:lnSpc>
+                <a:spcPct val="150000"/>
+              </a:lnSpc>
               <a:buClr>
                 <a:schemeClr val="tx1">
                   <a:lumMod val="65000"/>
@@ -5275,7 +5271,7 @@
               <a:buChar char="v"/>
             </a:pPr>
             <a:r>
-              <a:rPr lang="en-US" altLang="zh-CN" sz="4400" dirty="0">
+              <a:rPr lang="en-US" altLang="zh-CN" sz="3667" dirty="0">
                 <a:solidFill>
                   <a:sysClr val="windowText" lastClr="000000"/>
                 </a:solidFill>
@@ -5286,7 +5282,7 @@
               <a:t>Reduces</a:t>
             </a:r>
             <a:r>
-              <a:rPr lang="zh-CN" altLang="en-US" sz="4400" dirty="0">
+              <a:rPr lang="zh-CN" altLang="en-US" sz="3667" dirty="0">
                 <a:solidFill>
                   <a:sysClr val="windowText" lastClr="000000"/>
                 </a:solidFill>
@@ -5297,7 +5293,7 @@
               <a:t> </a:t>
             </a:r>
             <a:r>
-              <a:rPr lang="en-US" altLang="zh-CN" sz="4400" dirty="0">
+              <a:rPr lang="en-US" altLang="zh-CN" sz="3667" dirty="0">
                 <a:solidFill>
                   <a:sysClr val="windowText" lastClr="000000"/>
                 </a:solidFill>
@@ -5308,7 +5304,7 @@
               <a:t>shadow</a:t>
             </a:r>
             <a:r>
-              <a:rPr lang="zh-CN" altLang="en-US" sz="4400" dirty="0">
+              <a:rPr lang="zh-CN" altLang="en-US" sz="3667" dirty="0">
                 <a:solidFill>
                   <a:sysClr val="windowText" lastClr="000000"/>
                 </a:solidFill>
@@ -5319,7 +5315,7 @@
               <a:t> </a:t>
             </a:r>
             <a:r>
-              <a:rPr lang="en-US" altLang="zh-CN" sz="4400" dirty="0">
+              <a:rPr lang="en-US" altLang="zh-CN" sz="3667" dirty="0">
                 <a:solidFill>
                   <a:sysClr val="windowText" lastClr="000000"/>
                 </a:solidFill>
@@ -5330,7 +5326,7 @@
               <a:t>processes’</a:t>
             </a:r>
             <a:r>
-              <a:rPr lang="zh-CN" altLang="en-US" sz="4400" dirty="0">
+              <a:rPr lang="zh-CN" altLang="en-US" sz="3667" dirty="0">
                 <a:solidFill>
                   <a:sysClr val="windowText" lastClr="000000"/>
                 </a:solidFill>
@@ -5341,7 +5337,7 @@
               <a:t> </a:t>
             </a:r>
             <a:r>
-              <a:rPr lang="en-US" altLang="zh-CN" sz="4400" dirty="0">
+              <a:rPr lang="en-US" altLang="zh-CN" sz="3667" dirty="0">
                 <a:solidFill>
                   <a:sysClr val="windowText" lastClr="000000"/>
                 </a:solidFill>
@@ -5352,7 +5348,7 @@
               <a:t>execution</a:t>
             </a:r>
             <a:r>
-              <a:rPr lang="zh-CN" altLang="en-US" sz="4400" dirty="0">
+              <a:rPr lang="zh-CN" altLang="en-US" sz="3667" dirty="0">
                 <a:solidFill>
                   <a:sysClr val="windowText" lastClr="000000"/>
                 </a:solidFill>
@@ -5363,7 +5359,7 @@
               <a:t> </a:t>
             </a:r>
             <a:r>
-              <a:rPr lang="en-US" altLang="zh-CN" sz="4400" dirty="0" smtClean="0">
+              <a:rPr lang="en-US" altLang="zh-CN" sz="3667" dirty="0">
                 <a:solidFill>
                   <a:sysClr val="windowText" lastClr="000000"/>
                 </a:solidFill>
@@ -5375,7 +5371,10 @@
             </a:r>
           </a:p>
           <a:p>
-            <a:pPr marL="1341438" lvl="1" indent="-508000">
+            <a:pPr marL="1117820" lvl="1" indent="-423316">
+              <a:lnSpc>
+                <a:spcPct val="150000"/>
+              </a:lnSpc>
               <a:buClr>
                 <a:schemeClr val="tx1">
                   <a:lumMod val="65000"/>
@@ -5386,7 +5385,7 @@
               <a:buChar char="v"/>
             </a:pPr>
             <a:r>
-              <a:rPr lang="en-US" altLang="zh-CN" sz="4400" dirty="0" smtClean="0">
+              <a:rPr lang="en-US" altLang="zh-CN" sz="3667" dirty="0">
                 <a:solidFill>
                   <a:sysClr val="windowText" lastClr="000000"/>
                 </a:solidFill>
@@ -5397,7 +5396,7 @@
               <a:t>Reduces </a:t>
             </a:r>
             <a:r>
-              <a:rPr lang="en-US" altLang="zh-CN" sz="4400" b="1" dirty="0" smtClean="0">
+              <a:rPr lang="en-US" altLang="zh-CN" sz="3667" b="1" dirty="0">
                 <a:solidFill>
                   <a:srgbClr val="00B050"/>
                 </a:solidFill>
@@ -5408,7 +5407,7 @@
               <a:t>hardware</a:t>
             </a:r>
             <a:r>
-              <a:rPr lang="en-US" altLang="zh-CN" sz="4400" dirty="0" smtClean="0">
+              <a:rPr lang="en-US" altLang="zh-CN" sz="3667" dirty="0">
                 <a:solidFill>
                   <a:sysClr val="windowText" lastClr="000000"/>
                 </a:solidFill>
@@ -5419,7 +5418,7 @@
               <a:t> and </a:t>
             </a:r>
             <a:r>
-              <a:rPr lang="en-US" altLang="zh-CN" sz="4400" b="1" dirty="0" smtClean="0">
+              <a:rPr lang="en-US" altLang="zh-CN" sz="3667" b="1" dirty="0">
                 <a:solidFill>
                   <a:srgbClr val="00B050"/>
                 </a:solidFill>
@@ -5430,7 +5429,7 @@
               <a:t>power</a:t>
             </a:r>
             <a:r>
-              <a:rPr lang="en-US" altLang="zh-CN" sz="4400" dirty="0" smtClean="0">
+              <a:rPr lang="en-US" altLang="zh-CN" sz="3667" dirty="0">
                 <a:solidFill>
                   <a:sysClr val="windowText" lastClr="000000"/>
                 </a:solidFill>
@@ -5440,7 +5439,7 @@
               </a:rPr>
               <a:t> requirement</a:t>
             </a:r>
-            <a:endParaRPr lang="en-US" altLang="zh-CN" sz="4400" dirty="0">
+            <a:endParaRPr lang="en-US" altLang="zh-CN" sz="3667" dirty="0">
               <a:solidFill>
                 <a:sysClr val="windowText" lastClr="000000"/>
               </a:solidFill>
@@ -5459,8 +5458,8 @@
         </p:nvSpPr>
         <p:spPr>
           <a:xfrm>
-            <a:off x="15128835" y="23712340"/>
-            <a:ext cx="13120702" cy="8215861"/>
+            <a:off x="12604952" y="22672839"/>
+            <a:ext cx="10933918" cy="8335149"/>
           </a:xfrm>
           <a:prstGeom prst="rect">
             <a:avLst/>
@@ -5495,14 +5494,14 @@
           <a:bodyPr rtlCol="0" anchor="ctr"/>
           <a:lstStyle/>
           <a:p>
-            <a:pPr marL="571500" indent="-571500" algn="ctr" defTabSz="914400">
+            <a:pPr marL="476231" indent="-476231" algn="ctr" defTabSz="761970">
               <a:buClr>
                 <a:srgbClr val="F07F09"/>
               </a:buClr>
               <a:buFont typeface="Courier New"/>
               <a:buChar char="o"/>
             </a:pPr>
-            <a:endParaRPr lang="en-US" sz="4000" dirty="0" smtClean="0">
+            <a:endParaRPr lang="en-US" sz="3333" dirty="0">
               <a:solidFill>
                 <a:sysClr val="windowText" lastClr="000000"/>
               </a:solidFill>
@@ -5519,8 +5518,8 @@
         </p:nvSpPr>
         <p:spPr>
           <a:xfrm>
-            <a:off x="31573120" y="19572894"/>
-            <a:ext cx="11602942" cy="1323439"/>
+            <a:off x="27050910" y="19860933"/>
+            <a:ext cx="8708767" cy="1631088"/>
           </a:xfrm>
           <a:prstGeom prst="rect">
             <a:avLst/>
@@ -5533,7 +5532,10 @@
           </a:bodyPr>
           <a:lstStyle/>
           <a:p>
-            <a:pPr marL="571500" indent="-571500">
+            <a:pPr marL="476231" indent="-476231" algn="just">
+              <a:lnSpc>
+                <a:spcPct val="150000"/>
+              </a:lnSpc>
               <a:buClr>
                 <a:schemeClr val="accent6"/>
               </a:buClr>
@@ -5541,33 +5543,51 @@
               <a:buChar char="v"/>
             </a:pPr>
             <a:r>
-              <a:rPr lang="en-US" sz="4000" dirty="0" smtClean="0">
+              <a:rPr lang="en-US" sz="3333" b="1" dirty="0" err="1" smtClean="0">
                 <a:solidFill>
                   <a:sysClr val="windowText" lastClr="000000"/>
                 </a:solidFill>
                 <a:latin typeface="Gill Sans MT"/>
               </a:rPr>
-              <a:t>A library (</a:t>
-            </a:r>
-            <a:r>
-              <a:rPr lang="en-US" sz="4000" dirty="0" err="1" smtClean="0">
+              <a:t>lsMPI</a:t>
+            </a:r>
+            <a:r>
+              <a:rPr lang="en-US" sz="3333" dirty="0" smtClean="0">
                 <a:solidFill>
                   <a:sysClr val="windowText" lastClr="000000"/>
                 </a:solidFill>
                 <a:latin typeface="Gill Sans MT"/>
               </a:rPr>
-              <a:t>lsMPI</a:t>
-            </a:r>
-            <a:r>
-              <a:rPr lang="en-US" sz="4000" dirty="0" smtClean="0">
+              <a:t> lies between </a:t>
+            </a:r>
+            <a:r>
+              <a:rPr lang="en-US" sz="3333" dirty="0">
                 <a:solidFill>
                   <a:sysClr val="windowText" lastClr="000000"/>
                 </a:solidFill>
                 <a:latin typeface="Gill Sans MT"/>
               </a:rPr>
-              <a:t>) is inserted between application and MPI that transparently supports Leaping Shadows</a:t>
-            </a:r>
-            <a:endParaRPr lang="en-US" sz="4000" dirty="0">
+              <a:t>application and </a:t>
+            </a:r>
+            <a:r>
+              <a:rPr lang="en-US" sz="3333" dirty="0" smtClean="0">
+                <a:solidFill>
+                  <a:sysClr val="windowText" lastClr="000000"/>
+                </a:solidFill>
+                <a:latin typeface="Gill Sans MT"/>
+              </a:rPr>
+              <a:t>MPI that </a:t>
+            </a:r>
+            <a:r>
+              <a:rPr lang="en-US" sz="3333" dirty="0">
+                <a:solidFill>
+                  <a:sysClr val="windowText" lastClr="000000"/>
+                </a:solidFill>
+                <a:latin typeface="Gill Sans MT"/>
+              </a:rPr>
+              <a:t>transparently supports Leaping Shadows</a:t>
+            </a:r>
+            <a:endParaRPr lang="en-US" sz="3333" dirty="0">
               <a:solidFill>
                 <a:sysClr val="windowText" lastClr="000000"/>
               </a:solidFill>
@@ -5584,8 +5604,8 @@
         </p:nvSpPr>
         <p:spPr>
           <a:xfrm>
-            <a:off x="29223894" y="27865207"/>
-            <a:ext cx="13633493" cy="3785652"/>
+            <a:off x="24353246" y="27012151"/>
+            <a:ext cx="11361244" cy="3939220"/>
           </a:xfrm>
           <a:prstGeom prst="rect">
             <a:avLst/>
@@ -5598,7 +5618,10 @@
           </a:bodyPr>
           <a:lstStyle/>
           <a:p>
-            <a:pPr marL="571500" indent="-571500">
+            <a:pPr marL="476231" indent="-476231" algn="just">
+              <a:lnSpc>
+                <a:spcPct val="150000"/>
+              </a:lnSpc>
               <a:buClr>
                 <a:schemeClr val="accent6"/>
               </a:buClr>
@@ -5606,17 +5629,83 @@
               <a:buChar char="v"/>
             </a:pPr>
             <a:r>
-              <a:rPr lang="en-US" sz="4000" dirty="0" smtClean="0">
+              <a:rPr lang="en-US" sz="3333" dirty="0" smtClean="0">
                 <a:solidFill>
                   <a:sysClr val="windowText" lastClr="000000"/>
                 </a:solidFill>
                 <a:latin typeface="Gill Sans MT"/>
               </a:rPr>
-              <a:t>Main process duplicates each message</a:t>
-            </a:r>
-          </a:p>
-          <a:p>
-            <a:pPr marL="571500" indent="-571500">
+              <a:t>ACK/NAK </a:t>
+            </a:r>
+            <a:r>
+              <a:rPr lang="en-US" sz="3333" dirty="0">
+                <a:solidFill>
+                  <a:sysClr val="windowText" lastClr="000000"/>
+                </a:solidFill>
+                <a:latin typeface="Gill Sans MT"/>
+              </a:rPr>
+              <a:t>is used to guarantee consistent promotion of </a:t>
+            </a:r>
+            <a:r>
+              <a:rPr lang="en-US" altLang="zh-CN" sz="3333" dirty="0">
+                <a:solidFill>
+                  <a:sysClr val="windowText" lastClr="000000"/>
+                </a:solidFill>
+                <a:latin typeface="Gill Sans MT"/>
+              </a:rPr>
+              <a:t>a</a:t>
+            </a:r>
+            <a:r>
+              <a:rPr lang="zh-CN" altLang="en-US" sz="3333" dirty="0">
+                <a:solidFill>
+                  <a:sysClr val="windowText" lastClr="000000"/>
+                </a:solidFill>
+                <a:latin typeface="Gill Sans MT"/>
+              </a:rPr>
+              <a:t> </a:t>
+            </a:r>
+            <a:r>
+              <a:rPr lang="en-US" sz="3333" dirty="0">
+                <a:solidFill>
+                  <a:sysClr val="windowText" lastClr="000000"/>
+                </a:solidFill>
+                <a:latin typeface="Gill Sans MT"/>
+              </a:rPr>
+              <a:t>shadow</a:t>
+            </a:r>
+            <a:r>
+              <a:rPr lang="zh-CN" altLang="en-US" sz="3333" dirty="0">
+                <a:solidFill>
+                  <a:sysClr val="windowText" lastClr="000000"/>
+                </a:solidFill>
+                <a:latin typeface="Gill Sans MT"/>
+              </a:rPr>
+              <a:t> </a:t>
+            </a:r>
+            <a:r>
+              <a:rPr lang="en-US" altLang="zh-CN" sz="3333" dirty="0">
+                <a:solidFill>
+                  <a:sysClr val="windowText" lastClr="000000"/>
+                </a:solidFill>
+                <a:latin typeface="Gill Sans MT"/>
+              </a:rPr>
+              <a:t>process</a:t>
+            </a:r>
+            <a:r>
+              <a:rPr lang="en-US" sz="3333" dirty="0">
+                <a:solidFill>
+                  <a:sysClr val="windowText" lastClr="000000"/>
+                </a:solidFill>
+                <a:latin typeface="Gill Sans MT"/>
+              </a:rPr>
+              <a:t> in the case of a failure</a:t>
+            </a:r>
+          </a:p>
+          <a:p>
+            <a:pPr marL="476231" indent="-476231" algn="just">
+              <a:lnSpc>
+                <a:spcPct val="150000"/>
+              </a:lnSpc>
               <a:buClr>
                 <a:schemeClr val="accent6"/>
               </a:buClr>
@@ -5624,80 +5713,62 @@
               <a:buChar char="v"/>
             </a:pPr>
             <a:r>
-              <a:rPr lang="en-US" sz="4000" dirty="0" smtClean="0">
+              <a:rPr lang="en-US" sz="3333" dirty="0">
                 <a:solidFill>
                   <a:sysClr val="windowText" lastClr="000000"/>
                 </a:solidFill>
                 <a:latin typeface="Gill Sans MT"/>
               </a:rPr>
-              <a:t>ACK/NAK is used to guarantee consistent promotion of </a:t>
-            </a:r>
-            <a:r>
-              <a:rPr lang="en-US" altLang="zh-CN" sz="4000" dirty="0" smtClean="0">
+              <a:t>Main </a:t>
+            </a:r>
+            <a:r>
+              <a:rPr lang="en-US" sz="3333" dirty="0">
                 <a:solidFill>
                   <a:sysClr val="windowText" lastClr="000000"/>
                 </a:solidFill>
                 <a:latin typeface="Gill Sans MT"/>
               </a:rPr>
-              <a:t>a</a:t>
-            </a:r>
-            <a:r>
-              <a:rPr lang="zh-CN" altLang="en-US" sz="4000" dirty="0" smtClean="0">
+              <a:t>process is responsible for resolving </a:t>
+            </a:r>
+            <a:r>
+              <a:rPr lang="en-US" sz="3333" dirty="0">
                 <a:solidFill>
                   <a:sysClr val="windowText" lastClr="000000"/>
                 </a:solidFill>
                 <a:latin typeface="Gill Sans MT"/>
               </a:rPr>
-              <a:t> </a:t>
-            </a:r>
-            <a:r>
-              <a:rPr lang="en-US" sz="4000" dirty="0" smtClean="0">
+              <a:t>non-determinism, such as MPI_ANY_SOURCE receive, </a:t>
+            </a:r>
+            <a:r>
+              <a:rPr lang="en-US" sz="3333" dirty="0" err="1">
                 <a:solidFill>
                   <a:sysClr val="windowText" lastClr="000000"/>
                 </a:solidFill>
                 <a:latin typeface="Gill Sans MT"/>
               </a:rPr>
-              <a:t>shadow</a:t>
-            </a:r>
-            <a:r>
-              <a:rPr lang="zh-CN" altLang="en-US" sz="4000" dirty="0" smtClean="0">
+              <a:t>MPI_Wtime</a:t>
+            </a:r>
+            <a:r>
+              <a:rPr lang="en-US" sz="3333" dirty="0">
                 <a:solidFill>
                   <a:sysClr val="windowText" lastClr="000000"/>
                 </a:solidFill>
                 <a:latin typeface="Gill Sans MT"/>
               </a:rPr>
-              <a:t> </a:t>
-            </a:r>
-            <a:r>
-              <a:rPr lang="en-US" altLang="zh-CN" sz="4000" smtClean="0">
-                <a:solidFill>
-                  <a:sysClr val="windowText" lastClr="000000"/>
-                </a:solidFill>
-                <a:latin typeface="Gill Sans MT"/>
-              </a:rPr>
-              <a:t>process</a:t>
-            </a:r>
-            <a:r>
-              <a:rPr lang="en-US" sz="4000" smtClean="0">
-                <a:solidFill>
-                  <a:sysClr val="windowText" lastClr="000000"/>
-                </a:solidFill>
-                <a:latin typeface="Gill Sans MT"/>
-              </a:rPr>
-              <a:t> </a:t>
-            </a:r>
-            <a:r>
-              <a:rPr lang="en-US" sz="4000" dirty="0" smtClean="0">
-                <a:solidFill>
-                  <a:sysClr val="windowText" lastClr="000000"/>
-                </a:solidFill>
-                <a:latin typeface="Gill Sans MT"/>
-              </a:rPr>
-              <a:t>in the case of a failure</a:t>
-            </a:r>
-          </a:p>
-          <a:p>
-            <a:pPr marL="571500" indent="-571500">
+              <a:t>( )</a:t>
+            </a:r>
+            <a:endParaRPr lang="en-US" sz="3333" dirty="0">
+              <a:solidFill>
+                <a:sysClr val="windowText" lastClr="000000"/>
+              </a:solidFill>
+              <a:latin typeface="Gill Sans MT"/>
+            </a:endParaRPr>
+          </a:p>
+          <a:p>
+            <a:pPr marL="476231" indent="-476231" algn="just">
+              <a:lnSpc>
+                <a:spcPct val="150000"/>
+              </a:lnSpc>
               <a:buClr>
                 <a:schemeClr val="accent6"/>
               </a:buClr>
@@ -5705,85 +5776,25 @@
               <a:buChar char="v"/>
             </a:pPr>
             <a:r>
-              <a:rPr lang="en-US" sz="4000" dirty="0" smtClean="0">
+              <a:rPr lang="en-US" sz="3333" dirty="0">
                 <a:solidFill>
                   <a:sysClr val="windowText" lastClr="000000"/>
                 </a:solidFill>
                 <a:latin typeface="Gill Sans MT"/>
               </a:rPr>
-              <a:t>Main </a:t>
-            </a:r>
-            <a:r>
-              <a:rPr lang="en-US" sz="4000" dirty="0">
+              <a:t>Collectives use </a:t>
+            </a:r>
+            <a:r>
+              <a:rPr lang="en-US" sz="3333" dirty="0" err="1">
                 <a:solidFill>
                   <a:sysClr val="windowText" lastClr="000000"/>
                 </a:solidFill>
                 <a:latin typeface="Gill Sans MT"/>
               </a:rPr>
-              <a:t>process is responsible for resolving </a:t>
-            </a:r>
-            <a:r>
-              <a:rPr lang="en-US" sz="4000" dirty="0" smtClean="0">
-                <a:solidFill>
-                  <a:sysClr val="windowText" lastClr="000000"/>
-                </a:solidFill>
-                <a:latin typeface="Gill Sans MT"/>
-              </a:rPr>
-              <a:t>non-determinism, such as MPI_ANY_SOURCE receive, </a:t>
-            </a:r>
-            <a:r>
-              <a:rPr lang="en-US" sz="4000" dirty="0" err="1" smtClean="0">
-                <a:solidFill>
-                  <a:sysClr val="windowText" lastClr="000000"/>
-                </a:solidFill>
-                <a:latin typeface="Gill Sans MT"/>
-              </a:rPr>
-              <a:t>MPI_Wtime</a:t>
-            </a:r>
-            <a:r>
-              <a:rPr lang="en-US" sz="4000" dirty="0" smtClean="0">
-                <a:solidFill>
-                  <a:sysClr val="windowText" lastClr="000000"/>
-                </a:solidFill>
-                <a:latin typeface="Gill Sans MT"/>
-              </a:rPr>
-              <a:t>( )</a:t>
-            </a:r>
-            <a:endParaRPr lang="en-US" sz="4000" dirty="0">
-              <a:solidFill>
-                <a:sysClr val="windowText" lastClr="000000"/>
-              </a:solidFill>
-              <a:latin typeface="Gill Sans MT"/>
-            </a:endParaRPr>
-          </a:p>
-          <a:p>
-            <a:pPr marL="571500" indent="-571500">
-              <a:buClr>
-                <a:schemeClr val="accent6"/>
-              </a:buClr>
-              <a:buFont typeface="Wingdings" charset="2"/>
-              <a:buChar char="v"/>
-            </a:pPr>
-            <a:r>
-              <a:rPr lang="en-US" sz="4000" dirty="0" smtClean="0">
-                <a:solidFill>
-                  <a:sysClr val="windowText" lastClr="000000"/>
-                </a:solidFill>
-                <a:latin typeface="Gill Sans MT"/>
-              </a:rPr>
-              <a:t>Collectives use </a:t>
-            </a:r>
-            <a:r>
-              <a:rPr lang="en-US" sz="4000" dirty="0" err="1" smtClean="0">
-                <a:solidFill>
-                  <a:sysClr val="windowText" lastClr="000000"/>
-                </a:solidFill>
-                <a:latin typeface="Gill Sans MT"/>
-              </a:rPr>
               <a:t>lsMPI</a:t>
             </a:r>
             <a:r>
-              <a:rPr lang="en-US" sz="4000" dirty="0" smtClean="0">
+              <a:rPr lang="en-US" sz="3333" dirty="0">
                 <a:solidFill>
                   <a:sysClr val="windowText" lastClr="000000"/>
                 </a:solidFill>
@@ -5802,8 +5813,8 @@
         </p:nvSpPr>
         <p:spPr>
           <a:xfrm>
-            <a:off x="904185" y="31961776"/>
-            <a:ext cx="13443201" cy="923330"/>
+            <a:off x="2655440" y="31499421"/>
+            <a:ext cx="11202668" cy="784830"/>
           </a:xfrm>
           <a:prstGeom prst="rect">
             <a:avLst/>
@@ -5817,13 +5828,13 @@
           <a:lstStyle/>
           <a:p>
             <a:r>
-              <a:rPr lang="en-US" sz="5400" i="1" dirty="0" smtClean="0">
+              <a:rPr lang="en-US" sz="4500" i="1" dirty="0">
                 <a:latin typeface="Times"/>
                 <a:cs typeface="Times"/>
               </a:rPr>
               <a:t>CONTACT: Xiaolong Cui xic51@pitt.edu</a:t>
             </a:r>
-            <a:endParaRPr lang="en-US" sz="5400" i="1" dirty="0">
+            <a:endParaRPr lang="en-US" sz="4500" i="1" dirty="0">
               <a:latin typeface="Times"/>
               <a:cs typeface="Times"/>
             </a:endParaRPr>
@@ -5838,8 +5849,8 @@
         </p:nvGrpSpPr>
         <p:grpSpPr>
           <a:xfrm>
-            <a:off x="9438899" y="23137623"/>
-            <a:ext cx="4627852" cy="3270567"/>
+            <a:off x="7865749" y="23560745"/>
+            <a:ext cx="3856543" cy="2725473"/>
             <a:chOff x="9438899" y="23493223"/>
             <a:chExt cx="4627852" cy="3270567"/>
           </a:xfrm>
@@ -5873,11 +5884,11 @@
             <a:bodyPr rtlCol="0" anchor="ctr"/>
             <a:lstStyle/>
             <a:p>
-              <a:pPr lvl="0" algn="ctr" defTabSz="914400">
+              <a:pPr algn="ctr" defTabSz="761970">
                 <a:defRPr/>
               </a:pPr>
               <a:r>
-                <a:rPr lang="en-US" sz="3200" b="1" kern="0" dirty="0" smtClean="0">
+                <a:rPr lang="en-US" sz="2667" b="1" kern="0" dirty="0">
                   <a:solidFill>
                     <a:srgbClr val="00B050"/>
                   </a:solidFill>
@@ -5888,7 +5899,7 @@
                 <a:t>Reduced</a:t>
               </a:r>
               <a:r>
-                <a:rPr lang="en-US" sz="3200" kern="0" dirty="0" smtClean="0">
+                <a:rPr lang="en-US" sz="2667" kern="0" dirty="0">
                   <a:solidFill>
                     <a:srgbClr val="00B050"/>
                   </a:solidFill>
@@ -5899,7 +5910,7 @@
                 <a:t> </a:t>
               </a:r>
               <a:r>
-                <a:rPr lang="en-US" sz="3200" kern="0" dirty="0" smtClean="0">
+                <a:rPr lang="en-US" sz="2667" kern="0" dirty="0">
                   <a:solidFill>
                     <a:sysClr val="windowText" lastClr="000000"/>
                   </a:solidFill>
@@ -5909,7 +5920,7 @@
                 </a:rPr>
                 <a:t>execution rate</a:t>
               </a:r>
-              <a:endParaRPr lang="en-US" sz="3200" kern="0" dirty="0">
+              <a:endParaRPr lang="en-US" sz="2667" kern="0" dirty="0">
                 <a:solidFill>
                   <a:sysClr val="windowText" lastClr="000000"/>
                 </a:solidFill>
@@ -5949,34 +5960,14 @@
             <a:bodyPr rtlCol="0" anchor="ctr"/>
             <a:lstStyle/>
             <a:p>
-              <a:pPr marL="0" marR="0" lvl="0" indent="0" algn="ctr" defTabSz="914400" eaLnBrk="1" fontAlgn="auto" latinLnBrk="0" hangingPunct="1">
-                <a:lnSpc>
-                  <a:spcPct val="100000"/>
-                </a:lnSpc>
-                <a:spcBef>
-                  <a:spcPts val="0"/>
-                </a:spcBef>
-                <a:spcAft>
-                  <a:spcPts val="0"/>
-                </a:spcAft>
-                <a:buClrTx/>
-                <a:buSzTx/>
-                <a:buFontTx/>
-                <a:buNone/>
-                <a:tabLst/>
+              <a:pPr algn="ctr" defTabSz="761970">
                 <a:defRPr/>
               </a:pPr>
               <a:r>
-                <a:rPr kumimoji="0" lang="en-US" sz="3600" b="0" i="0" u="none" strike="noStrike" kern="0" cap="none" spc="0" normalizeH="0" baseline="0" noProof="0" dirty="0" smtClean="0">
-                  <a:ln>
-                    <a:noFill/>
-                  </a:ln>
+                <a:rPr lang="en-US" sz="3000" kern="0" dirty="0">
                   <a:solidFill>
                     <a:sysClr val="windowText" lastClr="000000"/>
                   </a:solidFill>
-                  <a:effectLst/>
-                  <a:uLnTx/>
-                  <a:uFillTx/>
                   <a:latin typeface="Gill Sans MT" charset="0"/>
                   <a:ea typeface="Gill Sans MT" charset="0"/>
                   <a:cs typeface="Gill Sans MT" charset="0"/>
@@ -5984,32 +5975,20 @@
                 <a:t>Power/Energy </a:t>
               </a:r>
               <a:r>
-                <a:rPr kumimoji="0" lang="en-US" sz="3600" b="1" i="0" u="none" strike="noStrike" kern="0" cap="none" spc="0" normalizeH="0" baseline="0" noProof="0" dirty="0" smtClean="0">
-                  <a:ln>
-                    <a:noFill/>
-                  </a:ln>
+                <a:rPr lang="en-US" sz="3000" b="1" kern="0" dirty="0">
                   <a:solidFill>
                     <a:srgbClr val="00B050"/>
                   </a:solidFill>
-                  <a:effectLst/>
-                  <a:uLnTx/>
-                  <a:uFillTx/>
                   <a:latin typeface="Gill Sans MT" charset="0"/>
                   <a:ea typeface="Gill Sans MT" charset="0"/>
                   <a:cs typeface="Gill Sans MT" charset="0"/>
                 </a:rPr>
                 <a:t>savings</a:t>
               </a:r>
-              <a:endParaRPr kumimoji="0" lang="en-US" sz="3600" b="1" i="0" u="none" strike="noStrike" kern="0" cap="none" spc="0" normalizeH="0" baseline="0" noProof="0" dirty="0">
-                <a:ln>
-                  <a:noFill/>
-                </a:ln>
+              <a:endParaRPr lang="en-US" sz="3000" b="1" kern="0" dirty="0">
                 <a:solidFill>
                   <a:srgbClr val="00B050"/>
                 </a:solidFill>
-                <a:effectLst/>
-                <a:uLnTx/>
-                <a:uFillTx/>
                 <a:latin typeface="Gill Sans MT" charset="0"/>
                 <a:ea typeface="Gill Sans MT" charset="0"/>
                 <a:cs typeface="Gill Sans MT" charset="0"/>
@@ -6059,14 +6038,14 @@
             <a:bodyPr rtlCol="0" anchor="ctr"/>
             <a:lstStyle/>
             <a:p>
-              <a:pPr marL="571500" indent="-571500" algn="ctr" defTabSz="914400">
+              <a:pPr marL="476231" indent="-476231" algn="ctr" defTabSz="761970">
                 <a:buClr>
                   <a:srgbClr val="F07F09"/>
                 </a:buClr>
                 <a:buFont typeface="Courier New"/>
                 <a:buChar char="o"/>
               </a:pPr>
-              <a:endParaRPr lang="en-US" sz="4000" dirty="0" smtClean="0">
+              <a:endParaRPr lang="en-US" sz="3333" dirty="0">
                 <a:solidFill>
                   <a:sysClr val="windowText" lastClr="000000"/>
                 </a:solidFill>
@@ -6084,8 +6063,8 @@
         </p:nvSpPr>
         <p:spPr>
           <a:xfrm>
-            <a:off x="30152218" y="20967806"/>
-            <a:ext cx="13178051" cy="707886"/>
+            <a:off x="25545639" y="21537693"/>
+            <a:ext cx="10981709" cy="605230"/>
           </a:xfrm>
           <a:prstGeom prst="rect">
             <a:avLst/>
@@ -6098,7 +6077,7 @@
           </a:bodyPr>
           <a:lstStyle/>
           <a:p>
-            <a:pPr marL="571500" indent="-571500">
+            <a:pPr marL="476231" indent="-476231">
               <a:buClr>
                 <a:schemeClr val="accent6"/>
               </a:buClr>
@@ -6106,14 +6085,20 @@
               <a:buChar char="v"/>
             </a:pPr>
             <a:r>
-              <a:rPr lang="en-US" sz="4000" dirty="0" smtClean="0">
+              <a:rPr lang="en-US" sz="3333" dirty="0" smtClean="0">
                 <a:solidFill>
                   <a:sysClr val="windowText" lastClr="000000"/>
                 </a:solidFill>
                 <a:latin typeface="Gill Sans MT"/>
               </a:rPr>
-              <a:t>Failure detection is delegated to User Level Fault Mitigation</a:t>
-            </a:r>
+              <a:t>Failure detection with User Level Fault Mitigation</a:t>
+            </a:r>
+            <a:endParaRPr lang="en-US" sz="3333" dirty="0">
+              <a:solidFill>
+                <a:sysClr val="windowText" lastClr="000000"/>
+              </a:solidFill>
+              <a:latin typeface="Gill Sans MT"/>
+            </a:endParaRPr>
           </a:p>
         </p:txBody>
       </p:sp>
@@ -6125,8 +6110,8 @@
         </p:nvSpPr>
         <p:spPr>
           <a:xfrm>
-            <a:off x="29223894" y="6415813"/>
-            <a:ext cx="13877091" cy="2123658"/>
+            <a:off x="24353247" y="7059360"/>
+            <a:ext cx="11102528" cy="2631874"/>
           </a:xfrm>
           <a:prstGeom prst="rect">
             <a:avLst/>
@@ -6138,7 +6123,10 @@
           </a:bodyPr>
           <a:lstStyle/>
           <a:p>
-            <a:pPr marL="571500" indent="-571500">
+            <a:pPr marL="476231" indent="-476231" algn="just">
+              <a:lnSpc>
+                <a:spcPct val="150000"/>
+              </a:lnSpc>
               <a:buClr>
                 <a:srgbClr val="0000FF"/>
               </a:buClr>
@@ -6146,7 +6134,7 @@
               <a:buChar char="v"/>
             </a:pPr>
             <a:r>
-              <a:rPr lang="en-US" sz="4400" dirty="0" smtClean="0">
+              <a:rPr lang="en-US" sz="3667" dirty="0">
                 <a:solidFill>
                   <a:sysClr val="windowText" lastClr="000000"/>
                 </a:solidFill>
@@ -6156,7 +6144,10 @@
             </a:r>
           </a:p>
           <a:p>
-            <a:pPr marL="571500" indent="-571500">
+            <a:pPr marL="476231" indent="-476231" algn="just">
+              <a:lnSpc>
+                <a:spcPct val="150000"/>
+              </a:lnSpc>
               <a:buClr>
                 <a:srgbClr val="0000FF"/>
               </a:buClr>
@@ -6164,7 +6155,7 @@
               <a:buChar char="v"/>
             </a:pPr>
             <a:r>
-              <a:rPr lang="en-US" sz="4400" dirty="0" smtClean="0">
+              <a:rPr lang="en-US" sz="3667" dirty="0">
                 <a:solidFill>
                   <a:sysClr val="windowText" lastClr="000000"/>
                 </a:solidFill>
@@ -6183,8 +6174,8 @@
         </p:nvSpPr>
         <p:spPr>
           <a:xfrm>
-            <a:off x="15073833" y="20843612"/>
-            <a:ext cx="13311015" cy="2492990"/>
+            <a:off x="12511446" y="14528293"/>
+            <a:ext cx="11120930" cy="2093073"/>
           </a:xfrm>
           <a:prstGeom prst="rect">
             <a:avLst/>
@@ -6199,7 +6190,7 @@
           <a:p>
             <a:pPr algn="ctr"/>
             <a:r>
-              <a:rPr lang="en-US" sz="6000" dirty="0" smtClean="0">
+              <a:rPr lang="en-US" sz="5000" dirty="0">
                 <a:latin typeface="Gill Sans MT" charset="0"/>
                 <a:ea typeface="Gill Sans MT" charset="0"/>
                 <a:cs typeface="Gill Sans MT" charset="0"/>
@@ -6210,7 +6201,7 @@
           <a:p>
             <a:pPr algn="ctr"/>
             <a:r>
-              <a:rPr lang="en-US" sz="3200" dirty="0" smtClean="0">
+              <a:rPr lang="en-US" sz="2667" dirty="0">
                 <a:latin typeface="Gill Sans MT" charset="0"/>
                 <a:ea typeface="Gill Sans MT" charset="0"/>
                 <a:cs typeface="Gill Sans MT" charset="0"/>
@@ -6221,7 +6212,7 @@
           <a:p>
             <a:pPr algn="ctr"/>
             <a:r>
-              <a:rPr lang="en-US" sz="3200" dirty="0" smtClean="0">
+              <a:rPr lang="en-US" sz="2667" dirty="0">
                 <a:latin typeface="Gill Sans MT" charset="0"/>
                 <a:ea typeface="Gill Sans MT" charset="0"/>
                 <a:cs typeface="Gill Sans MT" charset="0"/>
@@ -6232,7 +6223,7 @@
           <a:p>
             <a:pPr algn="ctr"/>
             <a:r>
-              <a:rPr lang="en-US" sz="3200" dirty="0" smtClean="0">
+              <a:rPr lang="en-US" sz="2667" dirty="0">
                 <a:latin typeface="Gill Sans MT" charset="0"/>
                 <a:ea typeface="Gill Sans MT" charset="0"/>
                 <a:cs typeface="Gill Sans MT" charset="0"/>
@@ -6240,14 +6231,14 @@
               <a:t>CPUs/GPUs working together – GPU accelerates | 20+ </a:t>
             </a:r>
             <a:r>
-              <a:rPr lang="en-US" sz="3200" dirty="0" err="1" smtClean="0">
+              <a:rPr lang="en-US" sz="2667" dirty="0" err="1">
                 <a:latin typeface="Gill Sans MT" charset="0"/>
                 <a:ea typeface="Gill Sans MT" charset="0"/>
                 <a:cs typeface="Gill Sans MT" charset="0"/>
               </a:rPr>
               <a:t>Petaflops</a:t>
             </a:r>
-            <a:endParaRPr lang="en-US" sz="3200" dirty="0">
+            <a:endParaRPr lang="en-US" sz="2667" dirty="0">
               <a:latin typeface="Gill Sans MT" charset="0"/>
               <a:ea typeface="Gill Sans MT" charset="0"/>
               <a:cs typeface="Gill Sans MT" charset="0"/>
@@ -6263,10 +6254,10 @@
         </p:nvGrpSpPr>
         <p:grpSpPr>
           <a:xfrm>
-            <a:off x="1360856" y="13972032"/>
-            <a:ext cx="12464871" cy="3624842"/>
-            <a:chOff x="1360856" y="12805714"/>
-            <a:chExt cx="12464871" cy="4791162"/>
+            <a:off x="1133595" y="14110963"/>
+            <a:ext cx="9796903" cy="3736356"/>
+            <a:chOff x="1360314" y="12880977"/>
+            <a:chExt cx="11756283" cy="4882391"/>
           </a:xfrm>
         </p:grpSpPr>
         <p:grpSp>
@@ -6277,10 +6268,10 @@
           </p:nvGrpSpPr>
           <p:grpSpPr>
             <a:xfrm>
-              <a:off x="1360856" y="12805714"/>
-              <a:ext cx="12464871" cy="3164071"/>
-              <a:chOff x="1221043" y="9663975"/>
-              <a:chExt cx="11821578" cy="3106446"/>
+              <a:off x="1360314" y="12880977"/>
+              <a:ext cx="11756283" cy="3115931"/>
+              <a:chOff x="1220529" y="9737864"/>
+              <a:chExt cx="11149559" cy="3059182"/>
             </a:xfrm>
           </p:grpSpPr>
           <p:sp>
@@ -6291,8 +6282,8 @@
             </p:nvSpPr>
             <p:spPr>
               <a:xfrm>
-                <a:off x="1221043" y="9663975"/>
-                <a:ext cx="11821578" cy="1395425"/>
+                <a:off x="1221043" y="9737864"/>
+                <a:ext cx="11149045" cy="1321536"/>
               </a:xfrm>
               <a:prstGeom prst="roundRect">
                 <a:avLst/>
@@ -6315,34 +6306,14 @@
               <a:bodyPr rtlCol="0" anchor="ctr"/>
               <a:lstStyle/>
               <a:p>
-                <a:pPr marL="0" marR="0" lvl="0" indent="0" algn="ctr" defTabSz="914400" eaLnBrk="1" fontAlgn="auto" latinLnBrk="0" hangingPunct="1">
-                  <a:lnSpc>
-                    <a:spcPct val="100000"/>
-                  </a:lnSpc>
-                  <a:spcBef>
-                    <a:spcPts val="0"/>
-                  </a:spcBef>
-                  <a:spcAft>
-                    <a:spcPts val="0"/>
-                  </a:spcAft>
-                  <a:buClrTx/>
-                  <a:buSzTx/>
-                  <a:buFontTx/>
-                  <a:buNone/>
-                  <a:tabLst/>
+                <a:pPr algn="ctr" defTabSz="761970">
                   <a:defRPr/>
                 </a:pPr>
                 <a:r>
-                  <a:rPr kumimoji="0" lang="en-US" sz="3600" b="0" i="0" u="none" strike="noStrike" kern="0" cap="none" spc="0" normalizeH="0" baseline="0" noProof="0" dirty="0" smtClean="0">
-                    <a:ln>
-                      <a:noFill/>
-                    </a:ln>
+                  <a:rPr lang="en-US" sz="3600" kern="0" dirty="0">
                     <a:solidFill>
                       <a:sysClr val="windowText" lastClr="000000"/>
                     </a:solidFill>
-                    <a:effectLst/>
-                    <a:uLnTx/>
-                    <a:uFillTx/>
                     <a:latin typeface="Gill Sans MT" charset="0"/>
                     <a:ea typeface="Gill Sans MT" charset="0"/>
                     <a:cs typeface="Gill Sans MT" charset="0"/>
@@ -6350,16 +6321,10 @@
                   <a:t>System level </a:t>
                 </a:r>
                 <a:r>
-                  <a:rPr kumimoji="0" lang="en-US" sz="3600" b="1" i="0" u="none" strike="noStrike" kern="0" cap="none" spc="0" normalizeH="0" baseline="0" noProof="0" dirty="0" smtClean="0">
-                    <a:ln>
-                      <a:noFill/>
-                    </a:ln>
+                  <a:rPr lang="en-US" sz="3600" b="1" kern="0" dirty="0">
                     <a:solidFill>
                       <a:srgbClr val="FF0000"/>
                     </a:solidFill>
-                    <a:effectLst/>
-                    <a:uLnTx/>
-                    <a:uFillTx/>
                     <a:latin typeface="Gill Sans MT" charset="0"/>
                     <a:ea typeface="Gill Sans MT" charset="0"/>
                     <a:cs typeface="Gill Sans MT" charset="0"/>
@@ -6367,21 +6332,15 @@
                   <a:t>failure rate </a:t>
                 </a:r>
                 <a:r>
-                  <a:rPr kumimoji="0" lang="en-US" sz="3600" b="0" i="0" u="none" strike="noStrike" kern="0" cap="none" spc="0" normalizeH="0" baseline="0" noProof="0" dirty="0" smtClean="0">
-                    <a:ln>
-                      <a:noFill/>
-                    </a:ln>
+                  <a:rPr lang="en-US" sz="3600" kern="0" dirty="0">
                     <a:solidFill>
                       <a:sysClr val="windowText" lastClr="000000"/>
                     </a:solidFill>
-                    <a:effectLst/>
-                    <a:uLnTx/>
-                    <a:uFillTx/>
                     <a:latin typeface="Gill Sans MT" charset="0"/>
                     <a:ea typeface="Gill Sans MT" charset="0"/>
                     <a:cs typeface="Gill Sans MT" charset="0"/>
                   </a:rPr>
-                  <a:t>will</a:t>
+                  <a:t>will </a:t>
                 </a:r>
                 <a:r>
                   <a:rPr lang="en-US" sz="3600" kern="0" dirty="0" smtClean="0">
@@ -6392,35 +6351,12 @@
                     <a:ea typeface="Gill Sans MT" charset="0"/>
                     <a:cs typeface="Gill Sans MT" charset="0"/>
                   </a:rPr>
-                  <a:t> increase by orders of magnitude</a:t>
+                  <a:t>dramatically increase</a:t>
                 </a:r>
-                <a:r>
-                  <a:rPr kumimoji="0" lang="en-US" sz="3600" b="0" i="0" u="none" strike="noStrike" kern="0" cap="none" spc="0" normalizeH="0" baseline="0" noProof="0" dirty="0" smtClean="0">
-                    <a:ln>
-                      <a:noFill/>
-                    </a:ln>
-                    <a:solidFill>
-                      <a:sysClr val="windowText" lastClr="000000"/>
-                    </a:solidFill>
-                    <a:effectLst/>
-                    <a:uLnTx/>
-                    <a:uFillTx/>
-                    <a:latin typeface="Gill Sans MT" charset="0"/>
-                    <a:ea typeface="Gill Sans MT" charset="0"/>
-                    <a:cs typeface="Gill Sans MT" charset="0"/>
-                  </a:rPr>
-                  <a:t> </a:t>
-                </a:r>
-                <a:endParaRPr kumimoji="0" lang="en-US" sz="3600" b="0" i="0" u="none" strike="noStrike" kern="0" cap="none" spc="0" normalizeH="0" baseline="0" noProof="0" dirty="0">
-                  <a:ln>
-                    <a:noFill/>
-                  </a:ln>
+                <a:endParaRPr lang="en-US" sz="3600" kern="0" dirty="0">
                   <a:solidFill>
                     <a:sysClr val="windowText" lastClr="000000"/>
                   </a:solidFill>
-                  <a:effectLst/>
-                  <a:uLnTx/>
-                  <a:uFillTx/>
                   <a:latin typeface="Gill Sans MT" charset="0"/>
                   <a:ea typeface="Gill Sans MT" charset="0"/>
                   <a:cs typeface="Gill Sans MT" charset="0"/>
@@ -6436,8 +6372,8 @@
             </p:nvSpPr>
             <p:spPr>
               <a:xfrm>
-                <a:off x="1221043" y="11374996"/>
-                <a:ext cx="10457951" cy="1395425"/>
+                <a:off x="1220529" y="11548394"/>
+                <a:ext cx="9546284" cy="1248652"/>
               </a:xfrm>
               <a:prstGeom prst="roundRect">
                 <a:avLst/>
@@ -6457,7 +6393,7 @@
               <a:bodyPr rtlCol="0" anchor="ctr"/>
               <a:lstStyle/>
               <a:p>
-                <a:pPr algn="ctr" defTabSz="914400">
+                <a:pPr algn="ctr" defTabSz="761970">
                   <a:defRPr/>
                 </a:pPr>
                 <a:r>
@@ -6491,7 +6427,7 @@
                     <a:ea typeface="Gill Sans MT" charset="0"/>
                     <a:cs typeface="Gill Sans MT" charset="0"/>
                   </a:rPr>
-                  <a:t>consumption will </a:t>
+                  <a:t>will </a:t>
                 </a:r>
                 <a:r>
                   <a:rPr lang="en-US" sz="3600" kern="0" dirty="0">
@@ -6505,7 +6441,7 @@
                   <a:t>dominate </a:t>
                 </a:r>
                 <a:r>
-                  <a:rPr lang="en-US" sz="3600" kern="0" dirty="0" smtClean="0">
+                  <a:rPr lang="en-US" sz="3600" kern="0" dirty="0">
                     <a:solidFill>
                       <a:sysClr val="windowText" lastClr="000000"/>
                     </a:solidFill>
@@ -6535,8 +6471,8 @@
           </p:nvSpPr>
           <p:spPr>
             <a:xfrm>
-              <a:off x="1360856" y="16329819"/>
-              <a:ext cx="10031816" cy="1267057"/>
+              <a:off x="1360314" y="16470396"/>
+              <a:ext cx="8596580" cy="1292972"/>
             </a:xfrm>
             <a:prstGeom prst="roundRect">
               <a:avLst/>
@@ -6556,25 +6492,11 @@
             <a:bodyPr rtlCol="0" anchor="ctr"/>
             <a:lstStyle/>
             <a:p>
-              <a:pPr marL="0" marR="0" lvl="0" indent="0" algn="ctr" defTabSz="914400" eaLnBrk="1" fontAlgn="auto" latinLnBrk="0" hangingPunct="1">
-                <a:lnSpc>
-                  <a:spcPct val="100000"/>
-                </a:lnSpc>
-                <a:spcBef>
-                  <a:spcPts val="0"/>
-                </a:spcBef>
-                <a:spcAft>
-                  <a:spcPts val="0"/>
-                </a:spcAft>
-                <a:buClrTx/>
-                <a:buSzTx/>
-                <a:buFontTx/>
-                <a:buNone/>
-                <a:tabLst/>
+              <a:pPr algn="ctr" defTabSz="761970">
                 <a:defRPr/>
               </a:pPr>
               <a:r>
-                <a:rPr lang="en-US" sz="4800" b="1" kern="0" dirty="0" smtClean="0">
+                <a:rPr lang="en-US" sz="4000" b="1" kern="0" dirty="0">
                   <a:solidFill>
                     <a:srgbClr val="FF0000"/>
                   </a:solidFill>
@@ -6585,7 +6507,7 @@
                 <a:t>Low efficiency </a:t>
               </a:r>
               <a:r>
-                <a:rPr lang="en-US" sz="4800" kern="0" dirty="0" smtClean="0">
+                <a:rPr lang="en-US" sz="4000" kern="0" dirty="0">
                   <a:latin typeface="Gill Sans MT" charset="0"/>
                   <a:ea typeface="Gill Sans MT" charset="0"/>
                   <a:cs typeface="Gill Sans MT" charset="0"/>
@@ -6593,7 +6515,7 @@
                 <a:t>+ </a:t>
               </a:r>
               <a:r>
-                <a:rPr lang="en-US" sz="4800" b="1" kern="0" dirty="0" smtClean="0">
+                <a:rPr lang="en-US" sz="4000" b="1" kern="0" dirty="0">
                   <a:solidFill>
                     <a:srgbClr val="FF0000"/>
                   </a:solidFill>
@@ -6603,16 +6525,10 @@
                 </a:rPr>
                 <a:t>high cost</a:t>
               </a:r>
-              <a:endParaRPr kumimoji="0" lang="en-US" sz="4800" b="1" u="none" strike="noStrike" kern="0" cap="none" spc="0" normalizeH="0" baseline="0" noProof="0" dirty="0">
-                <a:ln>
-                  <a:noFill/>
-                </a:ln>
+              <a:endParaRPr lang="en-US" sz="4000" b="1" kern="0" dirty="0">
                 <a:solidFill>
                   <a:srgbClr val="FF0000"/>
                 </a:solidFill>
-                <a:effectLst/>
-                <a:uLnTx/>
-                <a:uFillTx/>
                 <a:latin typeface="Gill Sans MT" charset="0"/>
                 <a:ea typeface="Gill Sans MT" charset="0"/>
                 <a:cs typeface="Gill Sans MT" charset="0"/>
@@ -6629,8 +6545,8 @@
         </p:nvGrpSpPr>
         <p:grpSpPr>
           <a:xfrm>
-            <a:off x="9472847" y="27834854"/>
-            <a:ext cx="4627852" cy="3625161"/>
+            <a:off x="7894039" y="27401952"/>
+            <a:ext cx="3856543" cy="3020968"/>
             <a:chOff x="9438899" y="23138629"/>
             <a:chExt cx="4627852" cy="3625161"/>
           </a:xfrm>
@@ -6664,11 +6580,11 @@
             <a:bodyPr rtlCol="0" anchor="ctr"/>
             <a:lstStyle/>
             <a:p>
-              <a:pPr lvl="0" algn="ctr" defTabSz="914400">
+              <a:pPr algn="ctr" defTabSz="761970">
                 <a:defRPr/>
               </a:pPr>
               <a:r>
-                <a:rPr lang="en-US" sz="3600" b="1" kern="0" dirty="0" smtClean="0">
+                <a:rPr lang="en-US" sz="3000" b="1" kern="0" dirty="0">
                   <a:solidFill>
                     <a:srgbClr val="00B050"/>
                   </a:solidFill>
@@ -6679,7 +6595,7 @@
                 <a:t>Dynamic </a:t>
               </a:r>
               <a:r>
-                <a:rPr lang="en-US" sz="3600" kern="0" dirty="0" smtClean="0">
+                <a:rPr lang="en-US" sz="3000" kern="0" dirty="0">
                   <a:latin typeface="Gill Sans MT" charset="0"/>
                   <a:ea typeface="Gill Sans MT" charset="0"/>
                   <a:cs typeface="Gill Sans MT" charset="0"/>
@@ -6687,7 +6603,7 @@
                 <a:t>increase of rate</a:t>
               </a:r>
               <a:r>
-                <a:rPr lang="en-US" sz="3600" kern="0" dirty="0">
+                <a:rPr lang="en-US" sz="3000" kern="0" dirty="0">
                   <a:latin typeface="Gill Sans MT" charset="0"/>
                   <a:ea typeface="Gill Sans MT" charset="0"/>
                   <a:cs typeface="Gill Sans MT" charset="0"/>
@@ -6695,7 +6611,7 @@
                 <a:t> </a:t>
               </a:r>
               <a:r>
-                <a:rPr lang="en-US" sz="3600" kern="0" dirty="0" smtClean="0">
+                <a:rPr lang="en-US" sz="3000" kern="0" dirty="0">
                   <a:solidFill>
                     <a:sysClr val="windowText" lastClr="000000"/>
                   </a:solidFill>
@@ -6706,7 +6622,7 @@
                 <a:t>upon </a:t>
               </a:r>
               <a:r>
-                <a:rPr lang="en-US" sz="3600" b="1" kern="0" dirty="0" smtClean="0">
+                <a:rPr lang="en-US" sz="3000" b="1" kern="0" dirty="0">
                   <a:solidFill>
                     <a:srgbClr val="FF0000"/>
                   </a:solidFill>
@@ -6748,34 +6664,14 @@
             <a:bodyPr rtlCol="0" anchor="ctr"/>
             <a:lstStyle/>
             <a:p>
-              <a:pPr marL="0" marR="0" lvl="0" indent="0" algn="ctr" defTabSz="914400" eaLnBrk="1" fontAlgn="auto" latinLnBrk="0" hangingPunct="1">
-                <a:lnSpc>
-                  <a:spcPct val="100000"/>
-                </a:lnSpc>
-                <a:spcBef>
-                  <a:spcPts val="0"/>
-                </a:spcBef>
-                <a:spcAft>
-                  <a:spcPts val="0"/>
-                </a:spcAft>
-                <a:buClrTx/>
-                <a:buSzTx/>
-                <a:buFontTx/>
-                <a:buNone/>
-                <a:tabLst/>
+              <a:pPr algn="ctr" defTabSz="761970">
                 <a:defRPr/>
               </a:pPr>
               <a:r>
-                <a:rPr kumimoji="0" lang="en-US" sz="3600" b="0" i="0" u="none" strike="noStrike" kern="0" cap="none" spc="0" normalizeH="0" baseline="0" noProof="0" dirty="0" smtClean="0">
-                  <a:ln>
-                    <a:noFill/>
-                  </a:ln>
+                <a:rPr lang="en-US" sz="3000" kern="0" dirty="0">
                   <a:solidFill>
                     <a:sysClr val="windowText" lastClr="000000"/>
                   </a:solidFill>
-                  <a:effectLst/>
-                  <a:uLnTx/>
-                  <a:uFillTx/>
                   <a:latin typeface="Gill Sans MT" charset="0"/>
                   <a:ea typeface="Gill Sans MT" charset="0"/>
                   <a:cs typeface="Gill Sans MT" charset="0"/>
@@ -6783,32 +6679,20 @@
                 <a:t>Delay </a:t>
               </a:r>
               <a:r>
-                <a:rPr kumimoji="0" lang="en-US" sz="3600" b="1" i="0" u="none" strike="noStrike" kern="0" cap="none" spc="0" normalizeH="0" baseline="0" noProof="0" dirty="0" smtClean="0">
-                  <a:ln>
-                    <a:noFill/>
-                  </a:ln>
+                <a:rPr lang="en-US" sz="3000" b="1" kern="0" dirty="0">
                   <a:solidFill>
                     <a:srgbClr val="00B050"/>
                   </a:solidFill>
-                  <a:effectLst/>
-                  <a:uLnTx/>
-                  <a:uFillTx/>
                   <a:latin typeface="Gill Sans MT" charset="0"/>
                   <a:ea typeface="Gill Sans MT" charset="0"/>
                   <a:cs typeface="Gill Sans MT" charset="0"/>
                 </a:rPr>
                 <a:t>minimized</a:t>
               </a:r>
-              <a:endParaRPr kumimoji="0" lang="en-US" sz="3600" b="1" i="0" u="none" strike="noStrike" kern="0" cap="none" spc="0" normalizeH="0" baseline="0" noProof="0" dirty="0">
-                <a:ln>
-                  <a:noFill/>
-                </a:ln>
+              <a:endParaRPr lang="en-US" sz="3000" b="1" kern="0" dirty="0">
                 <a:solidFill>
                   <a:srgbClr val="00B050"/>
                 </a:solidFill>
-                <a:effectLst/>
-                <a:uLnTx/>
-                <a:uFillTx/>
                 <a:latin typeface="Gill Sans MT" charset="0"/>
                 <a:ea typeface="Gill Sans MT" charset="0"/>
                 <a:cs typeface="Gill Sans MT" charset="0"/>
@@ -6858,14 +6742,14 @@
             <a:bodyPr rtlCol="0" anchor="ctr"/>
             <a:lstStyle/>
             <a:p>
-              <a:pPr marL="571500" indent="-571500" algn="ctr" defTabSz="914400">
+              <a:pPr marL="476231" indent="-476231" algn="ctr" defTabSz="761970">
                 <a:buClr>
                   <a:srgbClr val="F07F09"/>
                 </a:buClr>
                 <a:buFont typeface="Courier New"/>
                 <a:buChar char="o"/>
               </a:pPr>
-              <a:endParaRPr lang="en-US" sz="4000" dirty="0" smtClean="0">
+              <a:endParaRPr lang="en-US" sz="3333" dirty="0">
                 <a:solidFill>
                   <a:sysClr val="windowText" lastClr="000000"/>
                 </a:solidFill>
@@ -6884,7 +6768,7 @@
           <p:nvPr/>
         </p:nvPicPr>
         <p:blipFill>
-          <a:blip r:embed="rId9">
+          <a:blip r:embed="rId10">
             <a:extLst>
               <a:ext uri="{28A0092B-C50C-407E-A947-70E740481C1C}">
                 <a14:useLocalDpi xmlns:a14="http://schemas.microsoft.com/office/drawing/2010/main" val="0"/>
@@ -6897,8 +6781,8 @@
         </p:blipFill>
         <p:spPr>
           <a:xfrm>
-            <a:off x="34387110" y="12785798"/>
-            <a:ext cx="8230060" cy="5083635"/>
+            <a:off x="29058261" y="13580912"/>
+            <a:ext cx="6858383" cy="4236363"/>
           </a:xfrm>
           <a:prstGeom prst="rect">
             <a:avLst/>
@@ -6913,10 +6797,10 @@
         </p:nvGrpSpPr>
         <p:grpSpPr>
           <a:xfrm>
-            <a:off x="29229727" y="8895750"/>
-            <a:ext cx="4695171" cy="8621346"/>
+            <a:off x="24536597" y="10229477"/>
+            <a:ext cx="4185333" cy="7215252"/>
             <a:chOff x="29229727" y="8895750"/>
-            <a:chExt cx="4695171" cy="8621346"/>
+            <a:chExt cx="4627852" cy="8658302"/>
           </a:xfrm>
         </p:grpSpPr>
         <p:grpSp>
@@ -6928,9 +6812,9 @@
           <p:grpSpPr>
             <a:xfrm>
               <a:off x="29229727" y="8895750"/>
-              <a:ext cx="4695171" cy="8621346"/>
+              <a:ext cx="4627852" cy="8621346"/>
               <a:chOff x="29156575" y="8018257"/>
-              <a:chExt cx="4695171" cy="9203760"/>
+              <a:chExt cx="4627852" cy="9203760"/>
             </a:xfrm>
           </p:grpSpPr>
           <p:grpSp>
@@ -6942,9 +6826,9 @@
             <p:grpSpPr>
               <a:xfrm>
                 <a:off x="29156575" y="8018257"/>
-                <a:ext cx="4695171" cy="6673340"/>
+                <a:ext cx="4627852" cy="6673340"/>
                 <a:chOff x="29156575" y="8164562"/>
-                <a:chExt cx="4695171" cy="6673339"/>
+                <a:chExt cx="4627852" cy="6673339"/>
               </a:xfrm>
             </p:grpSpPr>
             <p:grpSp>
@@ -7007,11 +6891,11 @@
                     <a:bodyPr rtlCol="0" anchor="ctr"/>
                     <a:lstStyle/>
                     <a:p>
-                      <a:pPr lvl="0" algn="ctr" defTabSz="914400">
+                      <a:pPr algn="ctr" defTabSz="761970">
                         <a:defRPr/>
                       </a:pPr>
                       <a:r>
-                        <a:rPr lang="en-US" sz="3600" b="1" kern="0" dirty="0" smtClean="0">
+                        <a:rPr lang="en-US" sz="3000" b="1" kern="0" dirty="0">
                           <a:solidFill>
                             <a:srgbClr val="00B050"/>
                           </a:solidFill>
@@ -7022,7 +6906,7 @@
                         <a:t>Overlap </a:t>
                       </a:r>
                       <a:r>
-                        <a:rPr lang="en-US" sz="3600" kern="0" dirty="0" smtClean="0">
+                        <a:rPr lang="en-US" sz="3000" kern="0" dirty="0">
                           <a:latin typeface="Gill Sans MT" charset="0"/>
                           <a:ea typeface="Gill Sans MT" charset="0"/>
                           <a:cs typeface="Gill Sans MT" charset="0"/>
@@ -7031,18 +6915,18 @@
                       </a:r>
                     </a:p>
                     <a:p>
-                      <a:pPr lvl="0" algn="ctr" defTabSz="914400">
+                      <a:pPr algn="ctr" defTabSz="761970">
                         <a:defRPr/>
                       </a:pPr>
                       <a:r>
-                        <a:rPr lang="en-US" sz="3600" kern="0" dirty="0" smtClean="0">
+                        <a:rPr lang="en-US" sz="3000" kern="0" dirty="0">
                           <a:latin typeface="Gill Sans MT" charset="0"/>
                           <a:ea typeface="Gill Sans MT" charset="0"/>
                           <a:cs typeface="Gill Sans MT" charset="0"/>
                         </a:rPr>
                         <a:t>with recovery</a:t>
                       </a:r>
-                      <a:endParaRPr lang="en-US" sz="3600" kern="0" dirty="0">
+                      <a:endParaRPr lang="en-US" sz="3000" kern="0" dirty="0">
                         <a:latin typeface="Gill Sans MT" charset="0"/>
                         <a:ea typeface="Gill Sans MT" charset="0"/>
                         <a:cs typeface="Gill Sans MT" charset="0"/>
@@ -7082,25 +6966,11 @@
                     <a:bodyPr rtlCol="0" anchor="ctr"/>
                     <a:lstStyle/>
                     <a:p>
-                      <a:pPr marL="0" marR="0" lvl="0" indent="0" algn="ctr" defTabSz="914400" eaLnBrk="1" fontAlgn="auto" latinLnBrk="0" hangingPunct="1">
-                        <a:lnSpc>
-                          <a:spcPct val="100000"/>
-                        </a:lnSpc>
-                        <a:spcBef>
-                          <a:spcPts val="0"/>
-                        </a:spcBef>
-                        <a:spcAft>
-                          <a:spcPts val="0"/>
-                        </a:spcAft>
-                        <a:buClrTx/>
-                        <a:buSzTx/>
-                        <a:buFontTx/>
-                        <a:buNone/>
-                        <a:tabLst/>
+                      <a:pPr algn="ctr" defTabSz="761970">
                         <a:defRPr/>
                       </a:pPr>
                       <a:r>
-                        <a:rPr lang="en-US" sz="3600" kern="0" dirty="0">
+                        <a:rPr lang="en-US" sz="3000" kern="0" dirty="0">
                           <a:solidFill>
                             <a:sysClr val="windowText" lastClr="000000"/>
                           </a:solidFill>
@@ -7111,16 +6981,10 @@
                         <a:t>F</a:t>
                       </a:r>
                       <a:r>
-                        <a:rPr kumimoji="0" lang="en-US" sz="3600" b="0" i="0" u="none" strike="noStrike" kern="0" cap="none" spc="0" normalizeH="0" baseline="0" noProof="0" dirty="0" err="1" smtClean="0">
-                          <a:ln>
-                            <a:noFill/>
-                          </a:ln>
+                        <a:rPr lang="en-US" sz="3000" kern="0" dirty="0" err="1">
                           <a:solidFill>
                             <a:sysClr val="windowText" lastClr="000000"/>
                           </a:solidFill>
-                          <a:effectLst/>
-                          <a:uLnTx/>
-                          <a:uFillTx/>
                           <a:latin typeface="Gill Sans MT" charset="0"/>
                           <a:ea typeface="Gill Sans MT" charset="0"/>
                           <a:cs typeface="Gill Sans MT" charset="0"/>
@@ -7128,16 +6992,10 @@
                         <a:t>orward</a:t>
                       </a:r>
                       <a:r>
-                        <a:rPr kumimoji="0" lang="en-US" sz="3600" b="0" i="0" u="none" strike="noStrike" kern="0" cap="none" spc="0" normalizeH="0" noProof="0" dirty="0" smtClean="0">
-                          <a:ln>
-                            <a:noFill/>
-                          </a:ln>
+                        <a:rPr lang="en-US" sz="3000" kern="0" dirty="0">
                           <a:solidFill>
                             <a:sysClr val="windowText" lastClr="000000"/>
                           </a:solidFill>
-                          <a:effectLst/>
-                          <a:uLnTx/>
-                          <a:uFillTx/>
                           <a:latin typeface="Gill Sans MT" charset="0"/>
                           <a:ea typeface="Gill Sans MT" charset="0"/>
                           <a:cs typeface="Gill Sans MT" charset="0"/>
@@ -7145,7 +7003,7 @@
                         <a:t> progress with </a:t>
                       </a:r>
                       <a:r>
-                        <a:rPr lang="en-US" sz="3200" b="1" kern="0" dirty="0">
+                        <a:rPr lang="en-US" sz="2667" b="1" kern="0" dirty="0">
                           <a:solidFill>
                             <a:srgbClr val="00B050"/>
                           </a:solidFill>
@@ -7156,7 +7014,7 @@
                         <a:t>minimized </a:t>
                       </a:r>
                       <a:r>
-                        <a:rPr lang="en-US" sz="3200" b="1" kern="0" dirty="0" smtClean="0">
+                        <a:rPr lang="en-US" sz="2667" b="1" kern="0" dirty="0">
                           <a:solidFill>
                             <a:srgbClr val="00B050"/>
                           </a:solidFill>
@@ -7166,7 +7024,7 @@
                         </a:rPr>
                         <a:t>power</a:t>
                       </a:r>
-                      <a:endParaRPr lang="en-US" sz="3200" b="1" kern="0" dirty="0">
+                      <a:endParaRPr lang="en-US" sz="2667" b="1" kern="0" dirty="0">
                         <a:solidFill>
                           <a:srgbClr val="00B050"/>
                         </a:solidFill>
@@ -7219,14 +7077,14 @@
                     <a:bodyPr rtlCol="0" anchor="ctr"/>
                     <a:lstStyle/>
                     <a:p>
-                      <a:pPr marL="571500" indent="-571500" algn="ctr" defTabSz="914400">
+                      <a:pPr marL="476231" indent="-476231" algn="ctr" defTabSz="761970">
                         <a:buClr>
                           <a:srgbClr val="F07F09"/>
                         </a:buClr>
                         <a:buFont typeface="Courier New"/>
                         <a:buChar char="o"/>
                       </a:pPr>
-                      <a:endParaRPr lang="en-US" sz="4000" dirty="0" smtClean="0">
+                      <a:endParaRPr lang="en-US" sz="3333" dirty="0">
                         <a:solidFill>
                           <a:sysClr val="windowText" lastClr="000000"/>
                         </a:solidFill>
@@ -7278,14 +7136,14 @@
                   <a:bodyPr rtlCol="0" anchor="ctr"/>
                   <a:lstStyle/>
                   <a:p>
-                    <a:pPr marL="571500" indent="-571500" algn="ctr" defTabSz="914400">
+                    <a:pPr marL="476231" indent="-476231" algn="ctr" defTabSz="761970">
                       <a:buClr>
                         <a:srgbClr val="F07F09"/>
                       </a:buClr>
                       <a:buFont typeface="Courier New"/>
                       <a:buChar char="o"/>
                     </a:pPr>
-                    <a:endParaRPr lang="en-US" sz="4000" dirty="0" smtClean="0">
+                    <a:endParaRPr lang="en-US" sz="3333" dirty="0">
                       <a:solidFill>
                         <a:sysClr val="windowText" lastClr="000000"/>
                       </a:solidFill>
@@ -7303,8 +7161,8 @@
               </p:nvSpPr>
               <p:spPr>
                 <a:xfrm>
-                  <a:off x="29223894" y="12605075"/>
-                  <a:ext cx="4627852" cy="1277308"/>
+                  <a:off x="29156575" y="12605075"/>
+                  <a:ext cx="4614886" cy="1277308"/>
                 </a:xfrm>
                 <a:prstGeom prst="roundRect">
                   <a:avLst/>
@@ -7327,11 +7185,11 @@
                 <a:bodyPr rtlCol="0" anchor="ctr"/>
                 <a:lstStyle/>
                 <a:p>
-                  <a:pPr lvl="0" algn="ctr" defTabSz="914400">
+                  <a:pPr algn="ctr" defTabSz="761970">
                     <a:defRPr/>
                   </a:pPr>
                   <a:r>
-                    <a:rPr lang="en-US" sz="3600" kern="0" dirty="0" smtClean="0">
+                    <a:rPr lang="en-US" sz="3000" kern="0" dirty="0">
                       <a:solidFill>
                         <a:sysClr val="windowText" lastClr="000000"/>
                       </a:solidFill>
@@ -7342,7 +7200,7 @@
                     <a:t>Reduces main and shadow </a:t>
                   </a:r>
                   <a:r>
-                    <a:rPr lang="en-US" sz="3600" b="1" kern="0" dirty="0">
+                    <a:rPr lang="en-US" sz="3000" b="1" kern="0" dirty="0">
                       <a:solidFill>
                         <a:srgbClr val="00B050"/>
                       </a:solidFill>
@@ -7352,20 +7210,6 @@
                     </a:rPr>
                     <a:t>distance </a:t>
                   </a:r>
-                  <a:endParaRPr kumimoji="0" lang="en-US" sz="3600" b="1" i="0" u="none" strike="noStrike" kern="0" cap="none" spc="0" normalizeH="0" baseline="0" noProof="0" dirty="0">
-                    <a:ln>
-                      <a:noFill/>
-                    </a:ln>
-                    <a:solidFill>
-                      <a:srgbClr val="00B050"/>
-                    </a:solidFill>
-                    <a:effectLst/>
-                    <a:uLnTx/>
-                    <a:uFillTx/>
-                    <a:latin typeface="Gill Sans MT" charset="0"/>
-                    <a:ea typeface="Gill Sans MT" charset="0"/>
-                    <a:cs typeface="Gill Sans MT" charset="0"/>
-                  </a:endParaRPr>
                 </a:p>
               </p:txBody>
             </p:sp>
@@ -7411,14 +7255,14 @@
                 <a:bodyPr rtlCol="0" anchor="ctr"/>
                 <a:lstStyle/>
                 <a:p>
-                  <a:pPr marL="571500" indent="-571500" algn="ctr" defTabSz="914400">
+                  <a:pPr marL="476231" indent="-476231" algn="ctr" defTabSz="761970">
                     <a:buClr>
                       <a:srgbClr val="F07F09"/>
                     </a:buClr>
                     <a:buFont typeface="Courier New"/>
                     <a:buChar char="o"/>
                   </a:pPr>
-                  <a:endParaRPr lang="en-US" sz="4000" dirty="0" smtClean="0">
+                  <a:endParaRPr lang="en-US" sz="3333" dirty="0">
                     <a:solidFill>
                       <a:sysClr val="windowText" lastClr="000000"/>
                     </a:solidFill>
@@ -7436,8 +7280,8 @@
             </p:nvSpPr>
             <p:spPr>
               <a:xfrm rot="10800000">
-                <a:off x="30641780" y="14711271"/>
-                <a:ext cx="3152198" cy="2510746"/>
+                <a:off x="30941695" y="14711271"/>
+                <a:ext cx="2771397" cy="2510746"/>
               </a:xfrm>
               <a:prstGeom prst="snip1Rect">
                 <a:avLst>
@@ -7477,26 +7321,13 @@
               <a:bodyPr vert="horz" rtlCol="0" anchor="ctr"/>
               <a:lstStyle/>
               <a:p>
-                <a:pPr marL="571500" marR="0" lvl="0" indent="-571500" algn="ctr" defTabSz="914400" eaLnBrk="1" fontAlgn="auto" latinLnBrk="0" hangingPunct="1">
-                  <a:lnSpc>
-                    <a:spcPct val="100000"/>
-                  </a:lnSpc>
-                  <a:spcBef>
-                    <a:spcPts val="0"/>
-                  </a:spcBef>
-                  <a:spcAft>
-                    <a:spcPts val="0"/>
-                  </a:spcAft>
+                <a:pPr marL="476231" indent="-476231" algn="ctr" defTabSz="761970">
                   <a:buClr>
                     <a:srgbClr val="F07F09"/>
                   </a:buClr>
-                  <a:buSzTx/>
-                  <a:buFont typeface="Courier New"/>
-                  <a:buNone/>
-                  <a:tabLst/>
                   <a:defRPr/>
                 </a:pPr>
-                <a:endParaRPr lang="en-US" sz="4000" dirty="0" smtClean="0">
+                <a:endParaRPr lang="en-US" sz="3333" dirty="0">
                   <a:solidFill>
                     <a:sysClr val="windowText" lastClr="000000"/>
                   </a:solidFill>
@@ -7514,8 +7345,8 @@
           </p:nvSpPr>
           <p:spPr>
             <a:xfrm>
-              <a:off x="31289732" y="15182138"/>
-              <a:ext cx="2419252" cy="2308324"/>
+              <a:off x="31183499" y="15227262"/>
+              <a:ext cx="2454903" cy="2326790"/>
             </a:xfrm>
             <a:prstGeom prst="rect">
               <a:avLst/>
@@ -7530,7 +7361,7 @@
             <a:p>
               <a:pPr algn="r"/>
               <a:r>
-                <a:rPr lang="en-US" sz="3600" dirty="0" smtClean="0">
+                <a:rPr lang="en-US" sz="3000" dirty="0">
                   <a:latin typeface="Gill Sans MT" charset="0"/>
                   <a:ea typeface="Gill Sans MT" charset="0"/>
                   <a:cs typeface="Gill Sans MT" charset="0"/>
@@ -7541,7 +7372,7 @@
             <a:p>
               <a:pPr algn="r"/>
               <a:r>
-                <a:rPr lang="en-US" sz="3600" dirty="0" smtClean="0">
+                <a:rPr lang="en-US" sz="3000" dirty="0">
                   <a:latin typeface="Gill Sans MT" charset="0"/>
                   <a:ea typeface="Gill Sans MT" charset="0"/>
                   <a:cs typeface="Gill Sans MT" charset="0"/>
@@ -7552,7 +7383,7 @@
             <a:p>
               <a:pPr algn="r"/>
               <a:r>
-                <a:rPr lang="en-US" sz="3600" b="1" dirty="0" smtClean="0">
+                <a:rPr lang="en-US" sz="3000" b="1" dirty="0">
                   <a:solidFill>
                     <a:srgbClr val="00B050"/>
                   </a:solidFill>
@@ -7566,7 +7397,7 @@
             <a:p>
               <a:pPr algn="r"/>
               <a:r>
-                <a:rPr lang="en-US" sz="3600" b="1" dirty="0">
+                <a:rPr lang="en-US" sz="3000" b="1" dirty="0">
                   <a:solidFill>
                     <a:srgbClr val="00B050"/>
                   </a:solidFill>
@@ -7577,7 +7408,7 @@
                 <a:t>t</a:t>
               </a:r>
               <a:r>
-                <a:rPr lang="en-US" sz="3600" b="1" dirty="0" smtClean="0">
+                <a:rPr lang="en-US" sz="3000" b="1" dirty="0">
                   <a:solidFill>
                     <a:srgbClr val="00B050"/>
                   </a:solidFill>
@@ -7587,7 +7418,7 @@
                 </a:rPr>
                 <a:t>ime </a:t>
               </a:r>
-              <a:endParaRPr lang="en-US" sz="3600" b="1" dirty="0">
+              <a:endParaRPr lang="en-US" sz="3000" b="1" dirty="0">
                 <a:solidFill>
                   <a:srgbClr val="00B050"/>
                 </a:solidFill>
@@ -7602,36 +7433,6 @@
       <p:pic>
         <p:nvPicPr>
           <p:cNvPr id="60" name="Picture 59"/>
-          <p:cNvPicPr>
-            <a:picLocks noChangeAspect="1"/>
-          </p:cNvPicPr>
-          <p:nvPr/>
-        </p:nvPicPr>
-        <p:blipFill>
-          <a:blip r:embed="rId10">
-            <a:extLst>
-              <a:ext uri="{28A0092B-C50C-407E-A947-70E740481C1C}">
-                <a14:useLocalDpi xmlns:a14="http://schemas.microsoft.com/office/drawing/2010/main" val="0"/>
-              </a:ext>
-            </a:extLst>
-          </a:blip>
-          <a:stretch>
-            <a:fillRect/>
-          </a:stretch>
-        </p:blipFill>
-        <p:spPr>
-          <a:xfrm>
-            <a:off x="29230545" y="22198107"/>
-            <a:ext cx="6290764" cy="5147908"/>
-          </a:xfrm>
-          <a:prstGeom prst="rect">
-            <a:avLst/>
-          </a:prstGeom>
-        </p:spPr>
-      </p:pic>
-      <p:pic>
-        <p:nvPicPr>
-          <p:cNvPr id="130" name="Picture 129"/>
           <p:cNvPicPr>
             <a:picLocks noChangeAspect="1"/>
           </p:cNvPicPr>
@@ -7651,8 +7452,38 @@
         </p:blipFill>
         <p:spPr>
           <a:xfrm>
-            <a:off x="36179309" y="22202639"/>
-            <a:ext cx="6285225" cy="5143376"/>
+            <a:off x="24358788" y="22558359"/>
+            <a:ext cx="5242303" cy="4289923"/>
+          </a:xfrm>
+          <a:prstGeom prst="rect">
+            <a:avLst/>
+          </a:prstGeom>
+        </p:spPr>
+      </p:pic>
+      <p:pic>
+        <p:nvPicPr>
+          <p:cNvPr id="130" name="Picture 129"/>
+          <p:cNvPicPr>
+            <a:picLocks noChangeAspect="1"/>
+          </p:cNvPicPr>
+          <p:nvPr/>
+        </p:nvPicPr>
+        <p:blipFill>
+          <a:blip r:embed="rId12">
+            <a:extLst>
+              <a:ext uri="{28A0092B-C50C-407E-A947-70E740481C1C}">
+                <a14:useLocalDpi xmlns:a14="http://schemas.microsoft.com/office/drawing/2010/main" val="0"/>
+              </a:ext>
+            </a:extLst>
+          </a:blip>
+          <a:stretch>
+            <a:fillRect/>
+          </a:stretch>
+        </p:blipFill>
+        <p:spPr>
+          <a:xfrm>
+            <a:off x="30149424" y="22562135"/>
+            <a:ext cx="5237688" cy="4286147"/>
           </a:xfrm>
           <a:prstGeom prst="rect">
             <a:avLst/>
@@ -7667,10 +7498,10 @@
         </p:nvGrpSpPr>
         <p:grpSpPr>
           <a:xfrm>
-            <a:off x="15592246" y="25233988"/>
-            <a:ext cx="12274190" cy="3918051"/>
-            <a:chOff x="404327" y="1624825"/>
-            <a:chExt cx="8282473" cy="2643853"/>
+            <a:off x="12993535" y="24136909"/>
+            <a:ext cx="10228496" cy="4583238"/>
+            <a:chOff x="404325" y="1624825"/>
+            <a:chExt cx="8282477" cy="2882859"/>
           </a:xfrm>
         </p:grpSpPr>
         <p:sp>
@@ -7745,7 +7576,7 @@
             <a:p>
               <a:pPr algn="ctr"/>
               <a:r>
-                <a:rPr lang="en-US" sz="4800" dirty="0" smtClean="0">
+                <a:rPr lang="en-US" sz="4000" dirty="0">
                   <a:solidFill>
                     <a:schemeClr val="tx2">
                       <a:lumMod val="50000"/>
@@ -7757,7 +7588,7 @@
                 </a:rPr>
                 <a:t>Fault Tolerance</a:t>
               </a:r>
-              <a:endParaRPr lang="en-US" sz="4800" dirty="0">
+              <a:endParaRPr lang="en-US" sz="4000" dirty="0">
                 <a:solidFill>
                   <a:schemeClr val="tx2">
                     <a:lumMod val="50000"/>
@@ -7778,7 +7609,7 @@
           </p:nvSpPr>
           <p:spPr>
             <a:xfrm>
-              <a:off x="404327" y="3237290"/>
+              <a:off x="404325" y="3501844"/>
               <a:ext cx="2286000" cy="1005840"/>
             </a:xfrm>
             <a:prstGeom prst="rect">
@@ -7842,7 +7673,7 @@
             <a:p>
               <a:pPr algn="ctr"/>
               <a:r>
-                <a:rPr lang="en-US" altLang="zh-CN" sz="4000" dirty="0">
+                <a:rPr lang="en-US" altLang="zh-CN" sz="3333" dirty="0">
                   <a:solidFill>
                     <a:schemeClr val="tx2">
                       <a:lumMod val="50000"/>
@@ -7855,7 +7686,7 @@
                 <a:t>R</a:t>
               </a:r>
               <a:r>
-                <a:rPr lang="en-US" sz="4000" dirty="0" smtClean="0">
+                <a:rPr lang="en-US" sz="3333" dirty="0">
                   <a:solidFill>
                     <a:schemeClr val="tx2">
                       <a:lumMod val="50000"/>
@@ -7878,8 +7709,8 @@
           </p:nvSpPr>
           <p:spPr>
             <a:xfrm>
-              <a:off x="6400800" y="3262838"/>
-              <a:ext cx="2286000" cy="980292"/>
+              <a:off x="6400802" y="3501844"/>
+              <a:ext cx="2286000" cy="1002417"/>
             </a:xfrm>
             <a:prstGeom prst="rect">
               <a:avLst/>
@@ -7942,7 +7773,7 @@
             <a:p>
               <a:pPr algn="ctr"/>
               <a:r>
-                <a:rPr lang="en-US" sz="4000" dirty="0" smtClean="0">
+                <a:rPr lang="en-US" sz="3333" dirty="0">
                   <a:solidFill>
                     <a:schemeClr val="tx2">
                       <a:lumMod val="50000"/>
@@ -7954,7 +7785,7 @@
                 </a:rPr>
                 <a:t>Replication</a:t>
               </a:r>
-              <a:endParaRPr lang="en-US" sz="2000" dirty="0">
+              <a:endParaRPr lang="en-US" sz="1667" dirty="0">
                 <a:solidFill>
                   <a:schemeClr val="tx2">
                     <a:lumMod val="50000"/>
@@ -7975,8 +7806,8 @@
           </p:nvSpPr>
           <p:spPr>
             <a:xfrm>
-              <a:off x="3402563" y="3262838"/>
-              <a:ext cx="2286000" cy="1005840"/>
+              <a:off x="3402563" y="3501844"/>
+              <a:ext cx="2286000" cy="1002417"/>
             </a:xfrm>
             <a:prstGeom prst="rect">
               <a:avLst/>
@@ -8039,7 +7870,7 @@
             <a:p>
               <a:pPr algn="ctr"/>
               <a:r>
-                <a:rPr lang="en-US" altLang="zh-CN" sz="4000" dirty="0" smtClean="0">
+                <a:rPr lang="en-US" altLang="zh-CN" sz="3333" dirty="0">
                   <a:solidFill>
                     <a:schemeClr val="tx1"/>
                   </a:solidFill>
@@ -8050,7 +7881,7 @@
                 <a:t>Leaping</a:t>
               </a:r>
               <a:r>
-                <a:rPr lang="zh-CN" altLang="en-US" sz="4000" dirty="0" smtClean="0">
+                <a:rPr lang="zh-CN" altLang="en-US" sz="3333" dirty="0">
                   <a:solidFill>
                     <a:schemeClr val="tx1"/>
                   </a:solidFill>
@@ -8061,7 +7892,7 @@
                 <a:t> </a:t>
               </a:r>
               <a:r>
-                <a:rPr lang="en-US" altLang="zh-CN" sz="4000" dirty="0" smtClean="0">
+                <a:rPr lang="en-US" altLang="zh-CN" sz="3333" dirty="0">
                   <a:solidFill>
                     <a:schemeClr val="tx1"/>
                   </a:solidFill>
@@ -8071,7 +7902,7 @@
                 </a:rPr>
                 <a:t>Shadows</a:t>
               </a:r>
-              <a:endParaRPr lang="en-US" sz="4000" dirty="0" smtClean="0">
+              <a:endParaRPr lang="en-US" sz="3333" dirty="0">
                 <a:solidFill>
                   <a:schemeClr val="tx1"/>
                 </a:solidFill>
@@ -8094,7 +7925,7 @@
           <p:spPr>
             <a:xfrm>
               <a:off x="4554402" y="2630665"/>
-              <a:ext cx="2989398" cy="632173"/>
+              <a:ext cx="2989400" cy="871180"/>
             </a:xfrm>
             <a:prstGeom prst="straightConnector1">
               <a:avLst/>
@@ -8141,8 +7972,8 @@
           </p:nvCxnSpPr>
           <p:spPr>
             <a:xfrm flipH="1">
-              <a:off x="1547327" y="2630665"/>
-              <a:ext cx="3007075" cy="606625"/>
+              <a:off x="1547325" y="2630665"/>
+              <a:ext cx="3007077" cy="871180"/>
             </a:xfrm>
             <a:prstGeom prst="straightConnector1">
               <a:avLst/>
@@ -8187,8 +8018,8 @@
         </p:nvSpPr>
         <p:spPr>
           <a:xfrm>
-            <a:off x="15293289" y="23757382"/>
-            <a:ext cx="9462014" cy="1015663"/>
+            <a:off x="12935342" y="22984148"/>
+            <a:ext cx="7919797" cy="861774"/>
           </a:xfrm>
           <a:prstGeom prst="rect">
             <a:avLst/>
@@ -8202,7 +8033,7 @@
           <a:lstStyle/>
           <a:p>
             <a:r>
-              <a:rPr lang="en-US" altLang="zh-CN" sz="6000" dirty="0" smtClean="0">
+              <a:rPr lang="en-US" altLang="zh-CN" sz="5000" dirty="0">
                 <a:solidFill>
                   <a:schemeClr val="accent5">
                     <a:lumMod val="75000"/>
@@ -8214,7 +8045,7 @@
               <a:t>The</a:t>
             </a:r>
             <a:r>
-              <a:rPr lang="zh-CN" altLang="en-US" sz="6000" dirty="0" smtClean="0">
+              <a:rPr lang="zh-CN" altLang="en-US" sz="5000" dirty="0">
                 <a:solidFill>
                   <a:schemeClr val="accent5">
                     <a:lumMod val="75000"/>
@@ -8226,7 +8057,7 @@
               <a:t> </a:t>
             </a:r>
             <a:r>
-              <a:rPr lang="en-US" altLang="zh-CN" sz="6000" dirty="0" smtClean="0">
+              <a:rPr lang="en-US" altLang="zh-CN" sz="5000" dirty="0">
                 <a:solidFill>
                   <a:schemeClr val="accent5">
                     <a:lumMod val="75000"/>
@@ -8238,7 +8069,7 @@
               <a:t>Fault</a:t>
             </a:r>
             <a:r>
-              <a:rPr lang="zh-CN" altLang="en-US" sz="6000" dirty="0" smtClean="0">
+              <a:rPr lang="zh-CN" altLang="en-US" sz="5000" dirty="0">
                 <a:solidFill>
                   <a:schemeClr val="accent5">
                     <a:lumMod val="75000"/>
@@ -8250,7 +8081,7 @@
               <a:t> </a:t>
             </a:r>
             <a:r>
-              <a:rPr lang="en-US" altLang="zh-CN" sz="6000" dirty="0" smtClean="0">
+              <a:rPr lang="en-US" altLang="zh-CN" sz="5000" dirty="0">
                 <a:solidFill>
                   <a:schemeClr val="accent5">
                     <a:lumMod val="75000"/>
@@ -8262,7 +8093,7 @@
               <a:t>Tolerance</a:t>
             </a:r>
             <a:r>
-              <a:rPr lang="zh-CN" altLang="en-US" sz="6000" dirty="0" smtClean="0">
+              <a:rPr lang="zh-CN" altLang="en-US" sz="5000" dirty="0">
                 <a:solidFill>
                   <a:schemeClr val="accent5">
                     <a:lumMod val="75000"/>
@@ -8274,7 +8105,7 @@
               <a:t> </a:t>
             </a:r>
             <a:r>
-              <a:rPr lang="en-US" altLang="zh-CN" sz="6000" dirty="0" smtClean="0">
+              <a:rPr lang="en-US" altLang="zh-CN" sz="5000" dirty="0">
                 <a:solidFill>
                   <a:schemeClr val="accent5">
                     <a:lumMod val="75000"/>
@@ -8285,7 +8116,7 @@
               </a:rPr>
               <a:t>Spectrum</a:t>
             </a:r>
-            <a:endParaRPr lang="en-US" sz="6000" dirty="0">
+            <a:endParaRPr lang="en-US" sz="5000" dirty="0">
               <a:solidFill>
                 <a:schemeClr val="accent5">
                   <a:lumMod val="75000"/>
@@ -8308,8 +8139,8 @@
         </p:nvCxnSpPr>
         <p:spPr>
           <a:xfrm flipH="1">
-            <a:off x="21729340" y="26724590"/>
-            <a:ext cx="13099" cy="936847"/>
+            <a:off x="18107783" y="25736017"/>
+            <a:ext cx="10915" cy="1385022"/>
           </a:xfrm>
           <a:prstGeom prst="straightConnector1">
             <a:avLst/>
@@ -8353,10 +8184,10 @@
         </p:nvGrpSpPr>
         <p:grpSpPr>
           <a:xfrm>
-            <a:off x="15415476" y="29765984"/>
-            <a:ext cx="12560687" cy="1981984"/>
-            <a:chOff x="15415476" y="28705280"/>
-            <a:chExt cx="12560687" cy="1981984"/>
+            <a:off x="12993535" y="29051374"/>
+            <a:ext cx="10228496" cy="1651653"/>
+            <a:chOff x="15595134" y="28782908"/>
+            <a:chExt cx="12274195" cy="1981984"/>
           </a:xfrm>
         </p:grpSpPr>
         <p:sp>
@@ -8367,7 +8198,7 @@
           </p:nvSpPr>
           <p:spPr>
             <a:xfrm>
-              <a:off x="15415476" y="29180440"/>
+              <a:off x="15595134" y="29710820"/>
               <a:ext cx="3387732" cy="1031664"/>
             </a:xfrm>
             <a:prstGeom prst="roundRect">
@@ -8393,11 +8224,11 @@
             <a:bodyPr rtlCol="0" anchor="ctr"/>
             <a:lstStyle/>
             <a:p>
-              <a:pPr lvl="0" algn="ctr" defTabSz="914400">
+              <a:pPr algn="ctr" defTabSz="761970">
                 <a:defRPr/>
               </a:pPr>
               <a:r>
-                <a:rPr lang="en-US" altLang="zh-CN" sz="3200" kern="0" dirty="0" smtClean="0">
+                <a:rPr lang="en-US" altLang="zh-CN" sz="2667" kern="0" dirty="0">
                   <a:solidFill>
                     <a:sysClr val="windowText" lastClr="000000"/>
                   </a:solidFill>
@@ -8408,7 +8239,7 @@
                 <a:t>Time</a:t>
               </a:r>
               <a:r>
-                <a:rPr lang="zh-CN" altLang="en-US" sz="3200" kern="0" dirty="0" smtClean="0">
+                <a:rPr lang="zh-CN" altLang="en-US" sz="2667" kern="0" dirty="0">
                   <a:solidFill>
                     <a:sysClr val="windowText" lastClr="000000"/>
                   </a:solidFill>
@@ -8419,7 +8250,7 @@
                 <a:t> </a:t>
               </a:r>
               <a:r>
-                <a:rPr lang="en-US" altLang="zh-CN" sz="3200" kern="0" dirty="0" smtClean="0">
+                <a:rPr lang="en-US" altLang="zh-CN" sz="2667" kern="0" dirty="0">
                   <a:solidFill>
                     <a:sysClr val="windowText" lastClr="000000"/>
                   </a:solidFill>
@@ -8429,7 +8260,7 @@
                 </a:rPr>
                 <a:t>redundancy</a:t>
               </a:r>
-              <a:endParaRPr lang="en-US" sz="3200" kern="0" dirty="0">
+              <a:endParaRPr lang="en-US" sz="2667" kern="0" dirty="0">
                 <a:solidFill>
                   <a:sysClr val="windowText" lastClr="000000"/>
                 </a:solidFill>
@@ -8448,7 +8279,7 @@
           </p:nvSpPr>
           <p:spPr>
             <a:xfrm>
-              <a:off x="24588431" y="29180440"/>
+              <a:off x="24481597" y="29710820"/>
               <a:ext cx="3387732" cy="1031664"/>
             </a:xfrm>
             <a:prstGeom prst="roundRect">
@@ -8474,11 +8305,11 @@
             <a:bodyPr rtlCol="0" anchor="ctr"/>
             <a:lstStyle/>
             <a:p>
-              <a:pPr lvl="0" algn="ctr" defTabSz="914400">
+              <a:pPr algn="ctr" defTabSz="761970">
                 <a:defRPr/>
               </a:pPr>
               <a:r>
-                <a:rPr lang="en-US" altLang="zh-CN" sz="3200" kern="0" dirty="0" smtClean="0">
+                <a:rPr lang="en-US" altLang="zh-CN" sz="2667" kern="0" dirty="0">
                   <a:solidFill>
                     <a:sysClr val="windowText" lastClr="000000"/>
                   </a:solidFill>
@@ -8489,7 +8320,7 @@
                 <a:t>Space</a:t>
               </a:r>
               <a:r>
-                <a:rPr lang="zh-CN" altLang="en-US" sz="3200" kern="0" dirty="0" smtClean="0">
+                <a:rPr lang="zh-CN" altLang="en-US" sz="2667" kern="0" dirty="0">
                   <a:solidFill>
                     <a:sysClr val="windowText" lastClr="000000"/>
                   </a:solidFill>
@@ -8500,7 +8331,7 @@
                 <a:t> </a:t>
               </a:r>
               <a:r>
-                <a:rPr lang="en-US" altLang="zh-CN" sz="3200" kern="0" dirty="0" smtClean="0">
+                <a:rPr lang="en-US" altLang="zh-CN" sz="2667" kern="0" dirty="0">
                   <a:solidFill>
                     <a:sysClr val="windowText" lastClr="000000"/>
                   </a:solidFill>
@@ -8510,7 +8341,7 @@
                 </a:rPr>
                 <a:t>redundancy</a:t>
               </a:r>
-              <a:endParaRPr lang="en-US" sz="3200" kern="0" dirty="0">
+              <a:endParaRPr lang="en-US" sz="2667" kern="0" dirty="0">
                 <a:solidFill>
                   <a:sysClr val="windowText" lastClr="000000"/>
                 </a:solidFill>
@@ -8529,7 +8360,7 @@
           </p:nvSpPr>
           <p:spPr>
             <a:xfrm>
-              <a:off x="20145752" y="28705280"/>
+              <a:off x="20051464" y="28782908"/>
               <a:ext cx="3387732" cy="1981984"/>
             </a:xfrm>
             <a:prstGeom prst="roundRect">
@@ -8555,11 +8386,11 @@
             <a:bodyPr rtlCol="0" anchor="ctr"/>
             <a:lstStyle/>
             <a:p>
-              <a:pPr lvl="0" algn="ctr" defTabSz="914400">
+              <a:pPr algn="ctr" defTabSz="761970">
                 <a:defRPr/>
               </a:pPr>
               <a:r>
-                <a:rPr lang="en-US" altLang="zh-CN" sz="3200" kern="0" dirty="0" smtClean="0">
+                <a:rPr lang="en-US" altLang="zh-CN" sz="2667" kern="0" dirty="0">
                   <a:solidFill>
                     <a:sysClr val="windowText" lastClr="000000"/>
                   </a:solidFill>
@@ -8570,7 +8401,7 @@
                 <a:t>Enables</a:t>
               </a:r>
               <a:r>
-                <a:rPr lang="zh-CN" altLang="en-US" sz="3200" kern="0" dirty="0" smtClean="0">
+                <a:rPr lang="zh-CN" altLang="en-US" sz="2667" kern="0" dirty="0">
                   <a:solidFill>
                     <a:sysClr val="windowText" lastClr="000000"/>
                   </a:solidFill>
@@ -8581,7 +8412,7 @@
                 <a:t> </a:t>
               </a:r>
               <a:r>
-                <a:rPr lang="en-US" altLang="zh-CN" sz="3200" b="1" kern="0" dirty="0" smtClean="0">
+                <a:rPr lang="en-US" altLang="zh-CN" sz="2667" b="1" kern="0" dirty="0">
                   <a:solidFill>
                     <a:srgbClr val="00B050"/>
                   </a:solidFill>
@@ -8592,7 +8423,7 @@
                 <a:t>trade-off</a:t>
               </a:r>
               <a:r>
-                <a:rPr lang="zh-CN" altLang="en-US" sz="3200" kern="0" dirty="0" smtClean="0">
+                <a:rPr lang="zh-CN" altLang="en-US" sz="2667" kern="0" dirty="0">
                   <a:solidFill>
                     <a:srgbClr val="00B050"/>
                   </a:solidFill>
@@ -8603,7 +8434,7 @@
                 <a:t> </a:t>
               </a:r>
               <a:r>
-                <a:rPr lang="en-US" altLang="zh-CN" sz="3200" kern="0" dirty="0" smtClean="0">
+                <a:rPr lang="en-US" altLang="zh-CN" sz="2667" kern="0" dirty="0">
                   <a:solidFill>
                     <a:sysClr val="windowText" lastClr="000000"/>
                   </a:solidFill>
@@ -8614,7 +8445,7 @@
                 <a:t>between</a:t>
               </a:r>
               <a:r>
-                <a:rPr lang="zh-CN" altLang="en-US" sz="3200" kern="0" dirty="0" smtClean="0">
+                <a:rPr lang="zh-CN" altLang="en-US" sz="2667" kern="0" dirty="0">
                   <a:solidFill>
                     <a:sysClr val="windowText" lastClr="000000"/>
                   </a:solidFill>
@@ -8625,7 +8456,7 @@
                 <a:t> </a:t>
               </a:r>
               <a:r>
-                <a:rPr lang="en-US" altLang="zh-CN" sz="3200" kern="0" dirty="0" smtClean="0">
+                <a:rPr lang="en-US" altLang="zh-CN" sz="2667" kern="0" dirty="0">
                   <a:solidFill>
                     <a:sysClr val="windowText" lastClr="000000"/>
                   </a:solidFill>
@@ -8636,7 +8467,7 @@
                 <a:t>time</a:t>
               </a:r>
               <a:r>
-                <a:rPr lang="zh-CN" altLang="en-US" sz="3200" kern="0" dirty="0" smtClean="0">
+                <a:rPr lang="zh-CN" altLang="en-US" sz="2667" kern="0" dirty="0">
                   <a:solidFill>
                     <a:sysClr val="windowText" lastClr="000000"/>
                   </a:solidFill>
@@ -8647,7 +8478,7 @@
                 <a:t> </a:t>
               </a:r>
               <a:r>
-                <a:rPr lang="en-US" altLang="zh-CN" sz="3200" kern="0" dirty="0" smtClean="0">
+                <a:rPr lang="en-US" altLang="zh-CN" sz="2667" kern="0" dirty="0">
                   <a:solidFill>
                     <a:sysClr val="windowText" lastClr="000000"/>
                   </a:solidFill>
@@ -8658,7 +8489,7 @@
                 <a:t>and</a:t>
               </a:r>
               <a:r>
-                <a:rPr lang="zh-CN" altLang="en-US" sz="3200" kern="0" dirty="0" smtClean="0">
+                <a:rPr lang="zh-CN" altLang="en-US" sz="2667" kern="0" dirty="0">
                   <a:solidFill>
                     <a:sysClr val="windowText" lastClr="000000"/>
                   </a:solidFill>
@@ -8669,7 +8500,7 @@
                 <a:t> </a:t>
               </a:r>
               <a:r>
-                <a:rPr lang="en-US" altLang="zh-CN" sz="3200" kern="0" dirty="0" smtClean="0">
+                <a:rPr lang="en-US" altLang="zh-CN" sz="2667" kern="0" dirty="0">
                   <a:solidFill>
                     <a:sysClr val="windowText" lastClr="000000"/>
                   </a:solidFill>
@@ -8680,7 +8511,7 @@
                 <a:t>space</a:t>
               </a:r>
               <a:r>
-                <a:rPr lang="zh-CN" altLang="en-US" sz="3200" kern="0" dirty="0" smtClean="0">
+                <a:rPr lang="zh-CN" altLang="en-US" sz="2667" kern="0" dirty="0">
                   <a:solidFill>
                     <a:sysClr val="windowText" lastClr="000000"/>
                   </a:solidFill>
@@ -8691,7 +8522,7 @@
                 <a:t> </a:t>
               </a:r>
               <a:r>
-                <a:rPr lang="en-US" altLang="zh-CN" sz="3200" kern="0" dirty="0" smtClean="0">
+                <a:rPr lang="en-US" altLang="zh-CN" sz="2667" kern="0" dirty="0">
                   <a:solidFill>
                     <a:sysClr val="windowText" lastClr="000000"/>
                   </a:solidFill>
@@ -8701,7 +8532,7 @@
                 </a:rPr>
                 <a:t>redundancy</a:t>
               </a:r>
-              <a:endParaRPr lang="en-US" sz="3200" kern="0" dirty="0">
+              <a:endParaRPr lang="en-US" sz="2667" kern="0" dirty="0">
                 <a:solidFill>
                   <a:sysClr val="windowText" lastClr="000000"/>
                 </a:solidFill>
@@ -8713,36 +8544,6 @@
           </p:txBody>
         </p:sp>
       </p:grpSp>
-      <p:pic>
-        <p:nvPicPr>
-          <p:cNvPr id="3" name="Picture 2"/>
-          <p:cNvPicPr>
-            <a:picLocks noChangeAspect="1"/>
-          </p:cNvPicPr>
-          <p:nvPr/>
-        </p:nvPicPr>
-        <p:blipFill>
-          <a:blip r:embed="rId12">
-            <a:extLst>
-              <a:ext uri="{28A0092B-C50C-407E-A947-70E740481C1C}">
-                <a14:useLocalDpi xmlns:a14="http://schemas.microsoft.com/office/drawing/2010/main" val="0"/>
-              </a:ext>
-            </a:extLst>
-          </a:blip>
-          <a:stretch>
-            <a:fillRect/>
-          </a:stretch>
-        </p:blipFill>
-        <p:spPr>
-          <a:xfrm>
-            <a:off x="15376032" y="8929393"/>
-            <a:ext cx="12706616" cy="5456225"/>
-          </a:xfrm>
-          <a:prstGeom prst="rect">
-            <a:avLst/>
-          </a:prstGeom>
-        </p:spPr>
-      </p:pic>
       <p:pic>
         <p:nvPicPr>
           <p:cNvPr id="5" name="Picture 4"/>
@@ -8765,8 +8566,8 @@
         </p:blipFill>
         <p:spPr>
           <a:xfrm>
-            <a:off x="1130519" y="7331520"/>
-            <a:ext cx="13389212" cy="6412609"/>
+            <a:off x="947594" y="8029383"/>
+            <a:ext cx="11157677" cy="5797742"/>
           </a:xfrm>
           <a:prstGeom prst="rect">
             <a:avLst/>
@@ -8795,8 +8596,8 @@
         </p:blipFill>
         <p:spPr>
           <a:xfrm>
-            <a:off x="34420101" y="8679167"/>
-            <a:ext cx="8093332" cy="4174938"/>
+            <a:off x="29049178" y="9975839"/>
+            <a:ext cx="6744443" cy="3479115"/>
           </a:xfrm>
           <a:prstGeom prst="rect">
             <a:avLst/>
@@ -8825,8 +8626,8 @@
         </p:blipFill>
         <p:spPr>
           <a:xfrm>
-            <a:off x="336693" y="2624764"/>
-            <a:ext cx="4750268" cy="2398885"/>
+            <a:off x="789074" y="2806169"/>
+            <a:ext cx="3958557" cy="1999071"/>
           </a:xfrm>
           <a:prstGeom prst="rect">
             <a:avLst/>

--- a/cs_day_poster_2016/LS.pptx
+++ b/cs_day_poster_2016/LS.pptx
@@ -211,7 +211,7 @@
           <a:p>
             <a:fld id="{2B47378C-A678-CA45-9706-151C76D086D1}" type="datetime1">
               <a:rPr lang="en-US" smtClean="0"/>
-              <a:t>3/9/16</a:t>
+              <a:t>3/17/16</a:t>
             </a:fld>
             <a:endParaRPr lang="en-US"/>
           </a:p>
@@ -377,7 +377,7 @@
           <a:p>
             <a:fld id="{BCBAADAE-F06B-A24F-848F-CB40EC90EB76}" type="datetime1">
               <a:rPr lang="en-US" smtClean="0"/>
-              <a:t>3/9/16</a:t>
+              <a:t>3/17/16</a:t>
             </a:fld>
             <a:endParaRPr lang="en-US"/>
           </a:p>
@@ -893,7 +893,7 @@
           <a:p>
             <a:fld id="{A46538F5-FACD-354B-B614-5B0AA09E8511}" type="datetime1">
               <a:rPr lang="en-US" smtClean="0"/>
-              <a:t>3/9/16</a:t>
+              <a:t>3/17/16</a:t>
             </a:fld>
             <a:endParaRPr lang="en-US" dirty="0"/>
           </a:p>
@@ -1063,7 +1063,7 @@
           <a:p>
             <a:fld id="{837E00F0-3E84-3541-B76C-5CC59D0E4AA8}" type="datetime1">
               <a:rPr lang="en-US" smtClean="0"/>
-              <a:t>3/9/16</a:t>
+              <a:t>3/17/16</a:t>
             </a:fld>
             <a:endParaRPr lang="en-US" dirty="0"/>
           </a:p>
@@ -1243,7 +1243,7 @@
           <a:p>
             <a:fld id="{3F887D6F-D964-BB4C-A07E-B83C735C4BC9}" type="datetime1">
               <a:rPr lang="en-US" smtClean="0"/>
-              <a:t>3/9/16</a:t>
+              <a:t>3/17/16</a:t>
             </a:fld>
             <a:endParaRPr lang="en-US" dirty="0"/>
           </a:p>
@@ -1413,7 +1413,7 @@
           <a:p>
             <a:fld id="{69650BE9-73CE-A84B-8FED-55DF93E2183C}" type="datetime1">
               <a:rPr lang="en-US" smtClean="0"/>
-              <a:t>3/9/16</a:t>
+              <a:t>3/17/16</a:t>
             </a:fld>
             <a:endParaRPr lang="en-US" dirty="0"/>
           </a:p>
@@ -1659,7 +1659,7 @@
           <a:p>
             <a:fld id="{CD849A9C-B0B0-7347-B5B6-8AF3A89FD1B4}" type="datetime1">
               <a:rPr lang="en-US" smtClean="0"/>
-              <a:t>3/9/16</a:t>
+              <a:t>3/17/16</a:t>
             </a:fld>
             <a:endParaRPr lang="en-US" dirty="0"/>
           </a:p>
@@ -1947,7 +1947,7 @@
           <a:p>
             <a:fld id="{A1EDF427-BB19-684D-8483-AAC555965719}" type="datetime1">
               <a:rPr lang="en-US" smtClean="0"/>
-              <a:t>3/9/16</a:t>
+              <a:t>3/17/16</a:t>
             </a:fld>
             <a:endParaRPr lang="en-US" dirty="0"/>
           </a:p>
@@ -2374,7 +2374,7 @@
           <a:p>
             <a:fld id="{58366A7D-5D08-9747-839F-B35EDB75C311}" type="datetime1">
               <a:rPr lang="en-US" smtClean="0"/>
-              <a:t>3/9/16</a:t>
+              <a:t>3/17/16</a:t>
             </a:fld>
             <a:endParaRPr lang="en-US" dirty="0"/>
           </a:p>
@@ -2492,7 +2492,7 @@
           <a:p>
             <a:fld id="{C091706B-3406-CE4E-95F9-29EC94B22D28}" type="datetime1">
               <a:rPr lang="en-US" smtClean="0"/>
-              <a:t>3/9/16</a:t>
+              <a:t>3/17/16</a:t>
             </a:fld>
             <a:endParaRPr lang="en-US" dirty="0"/>
           </a:p>
@@ -2587,7 +2587,7 @@
           <a:p>
             <a:fld id="{0DF0AEE6-03F9-F14C-915D-1E27D8DA1473}" type="datetime1">
               <a:rPr lang="en-US" smtClean="0"/>
-              <a:t>3/9/16</a:t>
+              <a:t>3/17/16</a:t>
             </a:fld>
             <a:endParaRPr lang="en-US" dirty="0"/>
           </a:p>
@@ -2864,7 +2864,7 @@
           <a:p>
             <a:fld id="{DDB90C25-7C1D-9A4F-887F-8D727E29C0F6}" type="datetime1">
               <a:rPr lang="en-US" smtClean="0"/>
-              <a:t>3/9/16</a:t>
+              <a:t>3/17/16</a:t>
             </a:fld>
             <a:endParaRPr lang="en-US" dirty="0"/>
           </a:p>
@@ -3117,7 +3117,7 @@
           <a:p>
             <a:fld id="{EF5EDABA-CCFC-4340-9F61-4CCCB56E6B33}" type="datetime1">
               <a:rPr lang="en-US" smtClean="0"/>
-              <a:t>3/9/16</a:t>
+              <a:t>3/17/16</a:t>
             </a:fld>
             <a:endParaRPr lang="en-US" dirty="0"/>
           </a:p>
@@ -3330,7 +3330,7 @@
           <a:p>
             <a:fld id="{05DC264B-F0AB-BC4C-8546-797CBE8BDD6A}" type="datetime1">
               <a:rPr lang="en-US" smtClean="0"/>
-              <a:t>3/9/16</a:t>
+              <a:t>3/17/16</a:t>
             </a:fld>
             <a:endParaRPr lang="en-US" dirty="0"/>
           </a:p>
@@ -4050,11 +4050,6 @@
               </a:rPr>
               <a:t>Resilience for Extreme-scale Systems</a:t>
             </a:r>
-            <a:endParaRPr lang="en-US" sz="8000" b="1" dirty="0">
-              <a:latin typeface="Gill Sans MT" charset="0"/>
-              <a:ea typeface="Gill Sans MT" charset="0"/>
-              <a:cs typeface="Gill Sans MT" charset="0"/>
-            </a:endParaRPr>
           </a:p>
         </p:txBody>
       </p:sp>
@@ -4099,15 +4094,7 @@
                 <a:ea typeface="Gill Sans MT" charset="0"/>
                 <a:cs typeface="Gill Sans MT" charset="0"/>
               </a:rPr>
-              <a:t> </a:t>
-            </a:r>
-            <a:r>
-              <a:rPr lang="en-US" sz="4400" dirty="0">
-                <a:latin typeface="Gill Sans MT" charset="0"/>
-                <a:ea typeface="Gill Sans MT" charset="0"/>
-                <a:cs typeface="Gill Sans MT" charset="0"/>
-              </a:rPr>
-              <a:t>Cui</a:t>
+              <a:t> Cui</a:t>
             </a:r>
             <a:r>
               <a:rPr lang="en-US" sz="4400" baseline="30000" dirty="0">
@@ -4236,23 +4223,7 @@
                 <a:ea typeface="Gill Sans MT" charset="0"/>
                 <a:cs typeface="Gill Sans MT" charset="0"/>
               </a:rPr>
-              <a:t>niversity </a:t>
-            </a:r>
-            <a:r>
-              <a:rPr lang="en-US" altLang="zh-CN" sz="4400" dirty="0">
-                <a:latin typeface="Gill Sans MT" charset="0"/>
-                <a:ea typeface="Gill Sans MT" charset="0"/>
-                <a:cs typeface="Gill Sans MT" charset="0"/>
-              </a:rPr>
-              <a:t>of </a:t>
-            </a:r>
-            <a:r>
-              <a:rPr lang="en-US" altLang="zh-CN" sz="4400" dirty="0">
-                <a:latin typeface="Gill Sans MT" charset="0"/>
-                <a:ea typeface="Gill Sans MT" charset="0"/>
-                <a:cs typeface="Gill Sans MT" charset="0"/>
-              </a:rPr>
-              <a:t>Pittsburgh, USA</a:t>
+              <a:t>niversity of Pittsburgh, USA</a:t>
             </a:r>
           </a:p>
           <a:p>
@@ -4276,7 +4247,15 @@
                 <a:ea typeface="Gill Sans MT" charset="0"/>
                 <a:cs typeface="Gill Sans MT" charset="0"/>
               </a:rPr>
-              <a:t>King </a:t>
+              <a:t>King Abdullah University of Science and Technology, </a:t>
+            </a:r>
+            <a:r>
+              <a:rPr lang="en-US" sz="4400" dirty="0" err="1">
+                <a:latin typeface="Gill Sans MT" charset="0"/>
+                <a:ea typeface="Gill Sans MT" charset="0"/>
+                <a:cs typeface="Gill Sans MT" charset="0"/>
+              </a:rPr>
+              <a:t>Thuwal</a:t>
             </a:r>
             <a:r>
               <a:rPr lang="en-US" sz="4400" dirty="0">
@@ -4284,15 +4263,18 @@
                 <a:ea typeface="Gill Sans MT" charset="0"/>
                 <a:cs typeface="Gill Sans MT" charset="0"/>
               </a:rPr>
-              <a:t>Abdullah University of Science and Technology, </a:t>
-            </a:r>
-            <a:r>
-              <a:rPr lang="en-US" sz="4400" dirty="0" err="1">
+              <a:t>, Saudi Arabia</a:t>
+            </a:r>
+          </a:p>
+          <a:p>
+            <a:pPr algn="ctr"/>
+            <a:r>
+              <a:rPr lang="en-US" sz="4400" baseline="30000" dirty="0">
                 <a:latin typeface="Gill Sans MT" charset="0"/>
                 <a:ea typeface="Gill Sans MT" charset="0"/>
                 <a:cs typeface="Gill Sans MT" charset="0"/>
               </a:rPr>
-              <a:t>Thuwal</a:t>
+              <a:t>3</a:t>
             </a:r>
             <a:r>
               <a:rPr lang="en-US" sz="4400" dirty="0">
@@ -4300,88 +4282,8 @@
                 <a:ea typeface="Gill Sans MT" charset="0"/>
                 <a:cs typeface="Gill Sans MT" charset="0"/>
               </a:rPr>
-              <a:t>, Saudi </a:t>
-            </a:r>
-            <a:r>
-              <a:rPr lang="en-US" sz="4400" dirty="0">
-                <a:latin typeface="Gill Sans MT" charset="0"/>
-                <a:ea typeface="Gill Sans MT" charset="0"/>
-                <a:cs typeface="Gill Sans MT" charset="0"/>
-              </a:rPr>
-              <a:t>Arabia</a:t>
-            </a:r>
-          </a:p>
-          <a:p>
-            <a:pPr algn="ctr"/>
-            <a:r>
-              <a:rPr lang="en-US" sz="4400" baseline="30000" dirty="0">
-                <a:latin typeface="Gill Sans MT" charset="0"/>
-                <a:ea typeface="Gill Sans MT" charset="0"/>
-                <a:cs typeface="Gill Sans MT" charset="0"/>
-              </a:rPr>
-              <a:t>3</a:t>
-            </a:r>
-            <a:r>
-              <a:rPr lang="en-US" sz="4400" dirty="0">
-                <a:latin typeface="Gill Sans MT" charset="0"/>
-                <a:ea typeface="Gill Sans MT" charset="0"/>
-                <a:cs typeface="Gill Sans MT" charset="0"/>
-              </a:rPr>
-              <a:t>School </a:t>
-            </a:r>
-            <a:r>
-              <a:rPr lang="en-US" sz="4400" dirty="0">
-                <a:latin typeface="Gill Sans MT" charset="0"/>
-                <a:ea typeface="Gill Sans MT" charset="0"/>
-                <a:cs typeface="Gill Sans MT" charset="0"/>
-              </a:rPr>
-              <a:t>of </a:t>
-            </a:r>
-            <a:r>
-              <a:rPr lang="en-US" sz="4400" dirty="0">
-                <a:latin typeface="Gill Sans MT" charset="0"/>
-                <a:ea typeface="Gill Sans MT" charset="0"/>
-                <a:cs typeface="Gill Sans MT" charset="0"/>
-              </a:rPr>
-              <a:t>Computing, Costa </a:t>
-            </a:r>
-            <a:r>
-              <a:rPr lang="en-US" sz="4400" dirty="0">
-                <a:latin typeface="Gill Sans MT" charset="0"/>
-                <a:ea typeface="Gill Sans MT" charset="0"/>
-                <a:cs typeface="Gill Sans MT" charset="0"/>
-              </a:rPr>
-              <a:t>Rica Institute of </a:t>
-            </a:r>
-            <a:r>
-              <a:rPr lang="en-US" sz="4400" dirty="0">
-                <a:latin typeface="Gill Sans MT" charset="0"/>
-                <a:ea typeface="Gill Sans MT" charset="0"/>
-                <a:cs typeface="Gill Sans MT" charset="0"/>
-              </a:rPr>
-              <a:t>Technology, </a:t>
-            </a:r>
-            <a:r>
-              <a:rPr lang="en-US" sz="4400" dirty="0">
-                <a:latin typeface="Gill Sans MT" charset="0"/>
-                <a:ea typeface="Gill Sans MT" charset="0"/>
-                <a:cs typeface="Gill Sans MT" charset="0"/>
-              </a:rPr>
-              <a:t>Costa Rica</a:t>
-            </a:r>
-            <a:r>
-              <a:rPr lang="en-US" sz="4400" dirty="0">
-                <a:latin typeface="Gill Sans MT" charset="0"/>
-                <a:ea typeface="Gill Sans MT" charset="0"/>
-                <a:cs typeface="Gill Sans MT" charset="0"/>
-              </a:rPr>
-              <a:t> </a:t>
-            </a:r>
-            <a:endParaRPr lang="en-US" sz="4400" dirty="0">
-              <a:latin typeface="Gill Sans MT" charset="0"/>
-              <a:ea typeface="Gill Sans MT" charset="0"/>
-              <a:cs typeface="Gill Sans MT" charset="0"/>
-            </a:endParaRPr>
+              <a:t>School of Computing, Costa Rica Institute of Technology, Costa Rica </a:t>
+            </a:r>
           </a:p>
           <a:p>
             <a:pPr marL="1371477" indent="-1371477" algn="ctr" defTabSz="3657270">
@@ -4897,8 +4799,8 @@
         </p:nvSpPr>
         <p:spPr>
           <a:xfrm>
-            <a:off x="23054591" y="31499421"/>
-            <a:ext cx="11202668" cy="784830"/>
+            <a:off x="13346044" y="31499421"/>
+            <a:ext cx="22669240" cy="784830"/>
           </a:xfrm>
           <a:prstGeom prst="rect">
             <a:avLst/>
@@ -4913,13 +4815,27 @@
           <a:p>
             <a:pPr algn="r"/>
             <a:r>
-              <a:rPr lang="en-US" sz="4500" i="1" dirty="0">
+              <a:rPr lang="en-US" sz="4500" dirty="0" smtClean="0">
                 <a:latin typeface="Times"/>
                 <a:cs typeface="Times"/>
               </a:rPr>
-              <a:t>This poster is supported by US DoE funding.</a:t>
-            </a:r>
-            <a:endParaRPr lang="en-US" sz="4500" i="1" dirty="0">
+              <a:t>This work </a:t>
+            </a:r>
+            <a:r>
+              <a:rPr lang="en-US" sz="4500" dirty="0">
+                <a:latin typeface="Times"/>
+                <a:cs typeface="Times"/>
+              </a:rPr>
+              <a:t>was partially supported by the Department of Energy under contract DE-SC0014376</a:t>
+            </a:r>
+            <a:r>
+              <a:rPr lang="en-US" sz="4500" dirty="0" smtClean="0">
+                <a:latin typeface="Times"/>
+                <a:cs typeface="Times"/>
+              </a:rPr>
+              <a:t>.</a:t>
+            </a:r>
+            <a:endParaRPr lang="en-US" sz="4500" dirty="0">
               <a:latin typeface="Times"/>
               <a:cs typeface="Times"/>
             </a:endParaRPr>
@@ -4962,10 +4878,6 @@
               </a:rPr>
               <a:t>System scale keeps growing for both HPC and Cloud.</a:t>
             </a:r>
-            <a:endParaRPr lang="en-US" sz="3667" dirty="0">
-              <a:latin typeface="Gill Sans MT"/>
-              <a:cs typeface="Gill Sans MT"/>
-            </a:endParaRPr>
           </a:p>
         </p:txBody>
       </p:sp>
@@ -5439,14 +5351,6 @@
               </a:rPr>
               <a:t> requirement</a:t>
             </a:r>
-            <a:endParaRPr lang="en-US" altLang="zh-CN" sz="3667" dirty="0">
-              <a:solidFill>
-                <a:sysClr val="windowText" lastClr="000000"/>
-              </a:solidFill>
-              <a:latin typeface="Gill Sans MT" charset="0"/>
-              <a:ea typeface="Gill Sans MT" charset="0"/>
-              <a:cs typeface="Gill Sans MT" charset="0"/>
-            </a:endParaRPr>
           </a:p>
         </p:txBody>
       </p:sp>
@@ -5587,12 +5491,6 @@
               </a:rPr>
               <a:t>transparently supports Leaping Shadows</a:t>
             </a:r>
-            <a:endParaRPr lang="en-US" sz="3333" dirty="0">
-              <a:solidFill>
-                <a:sysClr val="windowText" lastClr="000000"/>
-              </a:solidFill>
-              <a:latin typeface="Gill Sans MT"/>
-            </a:endParaRPr>
           </a:p>
         </p:txBody>
       </p:sp>
@@ -5719,7 +5617,16 @@
                 </a:solidFill>
                 <a:latin typeface="Gill Sans MT"/>
               </a:rPr>
-              <a:t>Main </a:t>
+              <a:t>Main process is responsible for resolving non-determinism, such as MPI_ANY_SOURCE receive, </a:t>
+            </a:r>
+            <a:r>
+              <a:rPr lang="en-US" sz="3333" dirty="0" err="1">
+                <a:solidFill>
+                  <a:sysClr val="windowText" lastClr="000000"/>
+                </a:solidFill>
+                <a:latin typeface="Gill Sans MT"/>
+              </a:rPr>
+              <a:t>MPI_Wtime</a:t>
             </a:r>
             <a:r>
               <a:rPr lang="en-US" sz="3333" dirty="0">
@@ -5728,41 +5635,8 @@
                 </a:solidFill>
                 <a:latin typeface="Gill Sans MT"/>
               </a:rPr>
-              <a:t>process is responsible for resolving </a:t>
-            </a:r>
-            <a:r>
-              <a:rPr lang="en-US" sz="3333" dirty="0">
-                <a:solidFill>
-                  <a:sysClr val="windowText" lastClr="000000"/>
-                </a:solidFill>
-                <a:latin typeface="Gill Sans MT"/>
-              </a:rPr>
-              <a:t>non-determinism, such as MPI_ANY_SOURCE receive, </a:t>
-            </a:r>
-            <a:r>
-              <a:rPr lang="en-US" sz="3333" dirty="0" err="1">
-                <a:solidFill>
-                  <a:sysClr val="windowText" lastClr="000000"/>
-                </a:solidFill>
-                <a:latin typeface="Gill Sans MT"/>
-              </a:rPr>
-              <a:t>MPI_Wtime</a:t>
-            </a:r>
-            <a:r>
-              <a:rPr lang="en-US" sz="3333" dirty="0">
-                <a:solidFill>
-                  <a:sysClr val="windowText" lastClr="000000"/>
-                </a:solidFill>
-                <a:latin typeface="Gill Sans MT"/>
-              </a:rPr>
               <a:t>( )</a:t>
             </a:r>
-            <a:endParaRPr lang="en-US" sz="3333" dirty="0">
-              <a:solidFill>
-                <a:sysClr val="windowText" lastClr="000000"/>
-              </a:solidFill>
-              <a:latin typeface="Gill Sans MT"/>
-            </a:endParaRPr>
           </a:p>
           <a:p>
             <a:pPr marL="476231" indent="-476231" algn="just">
@@ -5813,7 +5687,7 @@
         </p:nvSpPr>
         <p:spPr>
           <a:xfrm>
-            <a:off x="2655440" y="31499421"/>
+            <a:off x="1558160" y="31499421"/>
             <a:ext cx="11202668" cy="784830"/>
           </a:xfrm>
           <a:prstGeom prst="rect">
@@ -5828,16 +5702,12 @@
           <a:lstStyle/>
           <a:p>
             <a:r>
-              <a:rPr lang="en-US" sz="4500" i="1" dirty="0">
+              <a:rPr lang="en-US" sz="4500" dirty="0">
                 <a:latin typeface="Times"/>
                 <a:cs typeface="Times"/>
               </a:rPr>
               <a:t>CONTACT: Xiaolong Cui xic51@pitt.edu</a:t>
             </a:r>
-            <a:endParaRPr lang="en-US" sz="4500" i="1" dirty="0">
-              <a:latin typeface="Times"/>
-              <a:cs typeface="Times"/>
-            </a:endParaRPr>
           </a:p>
         </p:txBody>
       </p:sp>
@@ -5920,14 +5790,6 @@
                 </a:rPr>
                 <a:t>execution rate</a:t>
               </a:r>
-              <a:endParaRPr lang="en-US" sz="2667" kern="0" dirty="0">
-                <a:solidFill>
-                  <a:sysClr val="windowText" lastClr="000000"/>
-                </a:solidFill>
-                <a:latin typeface="Gill Sans MT" charset="0"/>
-                <a:ea typeface="Gill Sans MT" charset="0"/>
-                <a:cs typeface="Gill Sans MT" charset="0"/>
-              </a:endParaRPr>
             </a:p>
           </p:txBody>
         </p:sp>
@@ -5985,14 +5847,6 @@
                 </a:rPr>
                 <a:t>savings</a:t>
               </a:r>
-              <a:endParaRPr lang="en-US" sz="3000" b="1" kern="0" dirty="0">
-                <a:solidFill>
-                  <a:srgbClr val="00B050"/>
-                </a:solidFill>
-                <a:latin typeface="Gill Sans MT" charset="0"/>
-                <a:ea typeface="Gill Sans MT" charset="0"/>
-                <a:cs typeface="Gill Sans MT" charset="0"/>
-              </a:endParaRPr>
             </a:p>
           </p:txBody>
         </p:sp>
@@ -6438,18 +6292,7 @@
                     <a:ea typeface="Gill Sans MT" charset="0"/>
                     <a:cs typeface="Gill Sans MT" charset="0"/>
                   </a:rPr>
-                  <a:t>dominate </a:t>
-                </a:r>
-                <a:r>
-                  <a:rPr lang="en-US" sz="3600" kern="0" dirty="0">
-                    <a:solidFill>
-                      <a:sysClr val="windowText" lastClr="000000"/>
-                    </a:solidFill>
-                    <a:latin typeface="Gill Sans MT" charset="0"/>
-                    <a:ea typeface="Gill Sans MT" charset="0"/>
-                    <a:cs typeface="Gill Sans MT" charset="0"/>
-                  </a:rPr>
-                  <a:t>CAPEX</a:t>
+                  <a:t>dominate CAPEX</a:t>
                 </a:r>
                 <a:endParaRPr lang="en-US" sz="3600" i="1" kern="0" dirty="0">
                   <a:solidFill>
@@ -6525,14 +6368,6 @@
                 </a:rPr>
                 <a:t>high cost</a:t>
               </a:r>
-              <a:endParaRPr lang="en-US" sz="4000" b="1" kern="0" dirty="0">
-                <a:solidFill>
-                  <a:srgbClr val="FF0000"/>
-                </a:solidFill>
-                <a:latin typeface="Gill Sans MT" charset="0"/>
-                <a:ea typeface="Gill Sans MT" charset="0"/>
-                <a:cs typeface="Gill Sans MT" charset="0"/>
-              </a:endParaRPr>
             </a:p>
           </p:txBody>
         </p:sp>
@@ -6600,15 +6435,7 @@
                   <a:ea typeface="Gill Sans MT" charset="0"/>
                   <a:cs typeface="Gill Sans MT" charset="0"/>
                 </a:rPr>
-                <a:t>increase of rate</a:t>
-              </a:r>
-              <a:r>
-                <a:rPr lang="en-US" sz="3000" kern="0" dirty="0">
-                  <a:latin typeface="Gill Sans MT" charset="0"/>
-                  <a:ea typeface="Gill Sans MT" charset="0"/>
-                  <a:cs typeface="Gill Sans MT" charset="0"/>
-                </a:rPr>
-                <a:t> </a:t>
+                <a:t>increase of rate </a:t>
               </a:r>
               <a:r>
                 <a:rPr lang="en-US" sz="3000" kern="0" dirty="0">
@@ -6689,14 +6516,6 @@
                 </a:rPr>
                 <a:t>minimized</a:t>
               </a:r>
-              <a:endParaRPr lang="en-US" sz="3000" b="1" kern="0" dirty="0">
-                <a:solidFill>
-                  <a:srgbClr val="00B050"/>
-                </a:solidFill>
-                <a:latin typeface="Gill Sans MT" charset="0"/>
-                <a:ea typeface="Gill Sans MT" charset="0"/>
-                <a:cs typeface="Gill Sans MT" charset="0"/>
-              </a:endParaRPr>
             </a:p>
           </p:txBody>
         </p:sp>
@@ -6926,11 +6745,6 @@
                         </a:rPr>
                         <a:t>with recovery</a:t>
                       </a:r>
-                      <a:endParaRPr lang="en-US" sz="3000" kern="0" dirty="0">
-                        <a:latin typeface="Gill Sans MT" charset="0"/>
-                        <a:ea typeface="Gill Sans MT" charset="0"/>
-                        <a:cs typeface="Gill Sans MT" charset="0"/>
-                      </a:endParaRPr>
                     </a:p>
                   </p:txBody>
                 </p:sp>
@@ -7011,27 +6825,8 @@
                           <a:ea typeface="Gill Sans MT" charset="0"/>
                           <a:cs typeface="Gill Sans MT" charset="0"/>
                         </a:rPr>
-                        <a:t>minimized </a:t>
+                        <a:t>minimized power</a:t>
                       </a:r>
-                      <a:r>
-                        <a:rPr lang="en-US" sz="2667" b="1" kern="0" dirty="0">
-                          <a:solidFill>
-                            <a:srgbClr val="00B050"/>
-                          </a:solidFill>
-                          <a:latin typeface="Gill Sans MT" charset="0"/>
-                          <a:ea typeface="Gill Sans MT" charset="0"/>
-                          <a:cs typeface="Gill Sans MT" charset="0"/>
-                        </a:rPr>
-                        <a:t>power</a:t>
-                      </a:r>
-                      <a:endParaRPr lang="en-US" sz="2667" b="1" kern="0" dirty="0">
-                        <a:solidFill>
-                          <a:srgbClr val="00B050"/>
-                        </a:solidFill>
-                        <a:latin typeface="Gill Sans MT" charset="0"/>
-                        <a:ea typeface="Gill Sans MT" charset="0"/>
-                        <a:cs typeface="Gill Sans MT" charset="0"/>
-                      </a:endParaRPr>
                     </a:p>
                   </p:txBody>
                 </p:sp>
@@ -7405,27 +7200,8 @@
                   <a:ea typeface="Gill Sans MT" charset="0"/>
                   <a:cs typeface="Gill Sans MT" charset="0"/>
                 </a:rPr>
-                <a:t>t</a:t>
+                <a:t>time </a:t>
               </a:r>
-              <a:r>
-                <a:rPr lang="en-US" sz="3000" b="1" dirty="0">
-                  <a:solidFill>
-                    <a:srgbClr val="00B050"/>
-                  </a:solidFill>
-                  <a:latin typeface="Gill Sans MT" charset="0"/>
-                  <a:ea typeface="Gill Sans MT" charset="0"/>
-                  <a:cs typeface="Gill Sans MT" charset="0"/>
-                </a:rPr>
-                <a:t>ime </a:t>
-              </a:r>
-              <a:endParaRPr lang="en-US" sz="3000" b="1" dirty="0">
-                <a:solidFill>
-                  <a:srgbClr val="00B050"/>
-                </a:solidFill>
-                <a:latin typeface="Gill Sans MT" charset="0"/>
-                <a:ea typeface="Gill Sans MT" charset="0"/>
-                <a:cs typeface="Gill Sans MT" charset="0"/>
-              </a:endParaRPr>
             </a:p>
           </p:txBody>
         </p:sp>
@@ -7588,16 +7364,6 @@
                 </a:rPr>
                 <a:t>Fault Tolerance</a:t>
               </a:r>
-              <a:endParaRPr lang="en-US" sz="4000" dirty="0">
-                <a:solidFill>
-                  <a:schemeClr val="tx2">
-                    <a:lumMod val="50000"/>
-                  </a:schemeClr>
-                </a:solidFill>
-                <a:latin typeface="Gill Sans MT" charset="0"/>
-                <a:ea typeface="Gill Sans MT" charset="0"/>
-                <a:cs typeface="Gill Sans MT" charset="0"/>
-              </a:endParaRPr>
             </a:p>
           </p:txBody>
         </p:sp>
